--- a/APACHE SOLR.pptx
+++ b/APACHE SOLR.pptx
@@ -4502,13 +4502,13 @@
   <p:clrMapOvr>
     <a:masterClrMapping/>
   </p:clrMapOvr>
-  <mc:AlternateContent xmlns:mc="http://schemas.openxmlformats.org/markup-compatibility/2006">
-    <mc:Choice xmlns:p15="http://schemas.microsoft.com/office/powerpoint/2012/main" Requires="p15">
+  <mc:AlternateContent xmlns:mc="http://schemas.openxmlformats.org/markup-compatibility/2006" xmlns:p15="http://schemas.microsoft.com/office/powerpoint/2012/main">
+    <mc:Choice Requires="p15">
       <p:transition xmlns:p14="http://schemas.microsoft.com/office/powerpoint/2010/main" spd="slow" p14:dur="6000">
         <p15:prstTrans prst="curtains"/>
       </p:transition>
     </mc:Choice>
-    <mc:Fallback>
+    <mc:Fallback xmlns="">
       <p:transition spd="slow">
         <p:fade/>
       </p:transition>
@@ -4848,13 +4848,13 @@
   <p:clrMapOvr>
     <a:masterClrMapping/>
   </p:clrMapOvr>
-  <mc:AlternateContent xmlns:mc="http://schemas.openxmlformats.org/markup-compatibility/2006">
-    <mc:Choice xmlns:p15="http://schemas.microsoft.com/office/powerpoint/2012/main" Requires="p15">
+  <mc:AlternateContent xmlns:mc="http://schemas.openxmlformats.org/markup-compatibility/2006" xmlns:p15="http://schemas.microsoft.com/office/powerpoint/2012/main">
+    <mc:Choice Requires="p15">
       <p:transition xmlns:p14="http://schemas.microsoft.com/office/powerpoint/2010/main" spd="slow" p14:dur="1250">
         <p15:prstTrans prst="pageCurlDouble"/>
       </p:transition>
     </mc:Choice>
-    <mc:Fallback>
+    <mc:Fallback xmlns="">
       <p:transition spd="slow">
         <p:fade/>
       </p:transition>
@@ -5382,13 +5382,13 @@
   <p:clrMapOvr>
     <a:overrideClrMapping bg1="dk1" tx1="lt1" bg2="dk2" tx2="lt2" accent1="accent1" accent2="accent2" accent3="accent3" accent4="accent4" accent5="accent5" accent6="accent6" hlink="hlink" folHlink="folHlink"/>
   </p:clrMapOvr>
-  <mc:AlternateContent xmlns:mc="http://schemas.openxmlformats.org/markup-compatibility/2006">
-    <mc:Choice xmlns:p15="http://schemas.microsoft.com/office/powerpoint/2012/main" Requires="p15">
+  <mc:AlternateContent xmlns:mc="http://schemas.openxmlformats.org/markup-compatibility/2006" xmlns:p15="http://schemas.microsoft.com/office/powerpoint/2012/main">
+    <mc:Choice Requires="p15">
       <p:transition xmlns:p14="http://schemas.microsoft.com/office/powerpoint/2010/main" spd="slow" p14:dur="1250">
         <p15:prstTrans prst="pageCurlDouble"/>
       </p:transition>
     </mc:Choice>
-    <mc:Fallback>
+    <mc:Fallback xmlns="">
       <p:transition spd="slow">
         <p:fade/>
       </p:transition>
@@ -5655,13 +5655,13 @@
   <p:clrMapOvr>
     <a:masterClrMapping/>
   </p:clrMapOvr>
-  <mc:AlternateContent xmlns:mc="http://schemas.openxmlformats.org/markup-compatibility/2006">
-    <mc:Choice xmlns:p15="http://schemas.microsoft.com/office/powerpoint/2012/main" Requires="p15">
+  <mc:AlternateContent xmlns:mc="http://schemas.openxmlformats.org/markup-compatibility/2006" xmlns:p15="http://schemas.microsoft.com/office/powerpoint/2012/main">
+    <mc:Choice Requires="p15">
       <p:transition xmlns:p14="http://schemas.microsoft.com/office/powerpoint/2010/main" spd="slow" p14:dur="1250">
         <p15:prstTrans prst="pageCurlDouble"/>
       </p:transition>
     </mc:Choice>
-    <mc:Fallback>
+    <mc:Fallback xmlns="">
       <p:transition spd="slow">
         <p:fade/>
       </p:transition>
@@ -5928,13 +5928,13 @@
   <p:clrMapOvr>
     <a:masterClrMapping/>
   </p:clrMapOvr>
-  <mc:AlternateContent xmlns:mc="http://schemas.openxmlformats.org/markup-compatibility/2006">
-    <mc:Choice xmlns:p15="http://schemas.microsoft.com/office/powerpoint/2012/main" Requires="p15">
+  <mc:AlternateContent xmlns:mc="http://schemas.openxmlformats.org/markup-compatibility/2006" xmlns:p15="http://schemas.microsoft.com/office/powerpoint/2012/main">
+    <mc:Choice Requires="p15">
       <p:transition xmlns:p14="http://schemas.microsoft.com/office/powerpoint/2010/main" spd="slow" p14:dur="1250">
         <p15:prstTrans prst="pageCurlDouble"/>
       </p:transition>
     </mc:Choice>
-    <mc:Fallback>
+    <mc:Fallback xmlns="">
       <p:transition spd="slow">
         <p:fade/>
       </p:transition>
@@ -6363,13 +6363,13 @@
   <p:clrMapOvr>
     <a:masterClrMapping/>
   </p:clrMapOvr>
-  <mc:AlternateContent xmlns:mc="http://schemas.openxmlformats.org/markup-compatibility/2006">
-    <mc:Choice xmlns:p15="http://schemas.microsoft.com/office/powerpoint/2012/main" Requires="p15">
+  <mc:AlternateContent xmlns:mc="http://schemas.openxmlformats.org/markup-compatibility/2006" xmlns:p15="http://schemas.microsoft.com/office/powerpoint/2012/main">
+    <mc:Choice Requires="p15">
       <p:transition xmlns:p14="http://schemas.microsoft.com/office/powerpoint/2010/main" spd="slow" p14:dur="1250">
         <p15:prstTrans prst="pageCurlDouble"/>
       </p:transition>
     </mc:Choice>
-    <mc:Fallback>
+    <mc:Fallback xmlns="">
       <p:transition spd="slow">
         <p:fade/>
       </p:transition>
@@ -6665,13 +6665,13 @@
   <p:clrMapOvr>
     <a:masterClrMapping/>
   </p:clrMapOvr>
-  <mc:AlternateContent xmlns:mc="http://schemas.openxmlformats.org/markup-compatibility/2006">
-    <mc:Choice xmlns:p15="http://schemas.microsoft.com/office/powerpoint/2012/main" Requires="p15">
+  <mc:AlternateContent xmlns:mc="http://schemas.openxmlformats.org/markup-compatibility/2006" xmlns:p15="http://schemas.microsoft.com/office/powerpoint/2012/main">
+    <mc:Choice Requires="p15">
       <p:transition xmlns:p14="http://schemas.microsoft.com/office/powerpoint/2010/main" spd="slow" p14:dur="1250">
         <p15:prstTrans prst="pageCurlDouble"/>
       </p:transition>
     </mc:Choice>
-    <mc:Fallback>
+    <mc:Fallback xmlns="">
       <p:transition spd="slow">
         <p:fade/>
       </p:transition>
@@ -7018,13 +7018,13 @@
   <p:clrMapOvr>
     <a:masterClrMapping/>
   </p:clrMapOvr>
-  <mc:AlternateContent xmlns:mc="http://schemas.openxmlformats.org/markup-compatibility/2006">
-    <mc:Choice xmlns:p15="http://schemas.microsoft.com/office/powerpoint/2012/main" Requires="p15">
+  <mc:AlternateContent xmlns:mc="http://schemas.openxmlformats.org/markup-compatibility/2006" xmlns:p15="http://schemas.microsoft.com/office/powerpoint/2012/main">
+    <mc:Choice Requires="p15">
       <p:transition xmlns:p14="http://schemas.microsoft.com/office/powerpoint/2010/main" spd="slow" p14:dur="1250">
         <p15:prstTrans prst="pageCurlDouble"/>
       </p:transition>
     </mc:Choice>
-    <mc:Fallback>
+    <mc:Fallback xmlns="">
       <p:transition spd="slow">
         <p:fade/>
       </p:transition>
@@ -7435,13 +7435,13 @@
   <p:clrMapOvr>
     <a:masterClrMapping/>
   </p:clrMapOvr>
-  <mc:AlternateContent xmlns:mc="http://schemas.openxmlformats.org/markup-compatibility/2006">
-    <mc:Choice xmlns:p15="http://schemas.microsoft.com/office/powerpoint/2012/main" Requires="p15">
+  <mc:AlternateContent xmlns:mc="http://schemas.openxmlformats.org/markup-compatibility/2006" xmlns:p15="http://schemas.microsoft.com/office/powerpoint/2012/main">
+    <mc:Choice Requires="p15">
       <p:transition xmlns:p14="http://schemas.microsoft.com/office/powerpoint/2010/main" spd="slow" p14:dur="1250">
         <p15:prstTrans prst="pageCurlDouble"/>
       </p:transition>
     </mc:Choice>
-    <mc:Fallback>
+    <mc:Fallback xmlns="">
       <p:transition spd="slow">
         <p:fade/>
       </p:transition>
@@ -7753,13 +7753,13 @@
   <p:clrMapOvr>
     <a:masterClrMapping/>
   </p:clrMapOvr>
-  <mc:AlternateContent xmlns:mc="http://schemas.openxmlformats.org/markup-compatibility/2006">
-    <mc:Choice xmlns:p15="http://schemas.microsoft.com/office/powerpoint/2012/main" Requires="p15">
+  <mc:AlternateContent xmlns:mc="http://schemas.openxmlformats.org/markup-compatibility/2006" xmlns:p15="http://schemas.microsoft.com/office/powerpoint/2012/main">
+    <mc:Choice Requires="p15">
       <p:transition xmlns:p14="http://schemas.microsoft.com/office/powerpoint/2010/main" spd="slow" p14:dur="1250">
         <p15:prstTrans prst="pageCurlDouble"/>
       </p:transition>
     </mc:Choice>
-    <mc:Fallback>
+    <mc:Fallback xmlns="">
       <p:transition spd="slow">
         <p:fade/>
       </p:transition>
@@ -8058,13 +8058,13 @@
   <p:clrMapOvr>
     <a:masterClrMapping/>
   </p:clrMapOvr>
-  <mc:AlternateContent xmlns:mc="http://schemas.openxmlformats.org/markup-compatibility/2006">
-    <mc:Choice xmlns:p15="http://schemas.microsoft.com/office/powerpoint/2012/main" Requires="p15">
+  <mc:AlternateContent xmlns:mc="http://schemas.openxmlformats.org/markup-compatibility/2006" xmlns:p15="http://schemas.microsoft.com/office/powerpoint/2012/main">
+    <mc:Choice Requires="p15">
       <p:transition xmlns:p14="http://schemas.microsoft.com/office/powerpoint/2010/main" spd="slow" p14:dur="1250">
         <p15:prstTrans prst="pageCurlDouble"/>
       </p:transition>
     </mc:Choice>
-    <mc:Fallback>
+    <mc:Fallback xmlns="">
       <p:transition spd="slow">
         <p:fade/>
       </p:transition>
@@ -8512,13 +8512,13 @@
   <p:clrMapOvr>
     <a:masterClrMapping/>
   </p:clrMapOvr>
-  <mc:AlternateContent xmlns:mc="http://schemas.openxmlformats.org/markup-compatibility/2006">
-    <mc:Choice xmlns:p15="http://schemas.microsoft.com/office/powerpoint/2012/main" Requires="p15">
+  <mc:AlternateContent xmlns:mc="http://schemas.openxmlformats.org/markup-compatibility/2006" xmlns:p15="http://schemas.microsoft.com/office/powerpoint/2012/main">
+    <mc:Choice Requires="p15">
       <p:transition xmlns:p14="http://schemas.microsoft.com/office/powerpoint/2010/main" spd="slow" p14:dur="1250">
         <p15:prstTrans prst="peelOff"/>
       </p:transition>
     </mc:Choice>
-    <mc:Fallback>
+    <mc:Fallback xmlns="">
       <p:transition spd="slow">
         <p:fade/>
       </p:transition>
@@ -8571,12 +8571,12 @@
           <a:lstStyle/>
           <a:p>
             <a:r>
-              <a:rPr lang="en-US" dirty="0" err="1"/>
-              <a:t>Yayyy</a:t>
+              <a:rPr lang="en-US"/>
+              <a:t>Demo</a:t>
             </a:r>
             <a:r>
               <a:rPr lang="en-US" dirty="0"/>
-              <a:t>…Demo….!!</a:t>
+              <a:t>….!!</a:t>
             </a:r>
           </a:p>
         </p:txBody>
@@ -8647,13 +8647,13 @@
   <p:clrMapOvr>
     <a:masterClrMapping/>
   </p:clrMapOvr>
-  <mc:AlternateContent xmlns:mc="http://schemas.openxmlformats.org/markup-compatibility/2006">
-    <mc:Choice xmlns:p15="http://schemas.microsoft.com/office/powerpoint/2012/main" Requires="p15">
+  <mc:AlternateContent xmlns:mc="http://schemas.openxmlformats.org/markup-compatibility/2006" xmlns:p15="http://schemas.microsoft.com/office/powerpoint/2012/main">
+    <mc:Choice Requires="p15">
       <p:transition xmlns:p14="http://schemas.microsoft.com/office/powerpoint/2010/main" spd="slow" p14:dur="2000">
         <p15:prstTrans prst="drape"/>
       </p:transition>
     </mc:Choice>
-    <mc:Fallback>
+    <mc:Fallback xmlns="">
       <p:transition spd="slow">
         <p:fade/>
       </p:transition>
@@ -9107,13 +9107,13 @@
   <p:clrMapOvr>
     <a:masterClrMapping/>
   </p:clrMapOvr>
-  <mc:AlternateContent xmlns:mc="http://schemas.openxmlformats.org/markup-compatibility/2006">
-    <mc:Choice xmlns:p14="http://schemas.microsoft.com/office/powerpoint/2010/main" Requires="p14">
+  <mc:AlternateContent xmlns:mc="http://schemas.openxmlformats.org/markup-compatibility/2006" xmlns:p14="http://schemas.microsoft.com/office/powerpoint/2010/main">
+    <mc:Choice Requires="p14">
       <p:transition spd="slow" p14:dur="1250">
         <p14:switch dir="r"/>
       </p:transition>
     </mc:Choice>
-    <mc:Fallback>
+    <mc:Fallback xmlns="">
       <p:transition spd="slow">
         <p:fade/>
       </p:transition>
@@ -9760,13 +9760,13 @@
   <p:clrMapOvr>
     <a:masterClrMapping/>
   </p:clrMapOvr>
-  <mc:AlternateContent xmlns:mc="http://schemas.openxmlformats.org/markup-compatibility/2006">
-    <mc:Choice xmlns:p15="http://schemas.microsoft.com/office/powerpoint/2012/main" Requires="p15">
+  <mc:AlternateContent xmlns:mc="http://schemas.openxmlformats.org/markup-compatibility/2006" xmlns:p15="http://schemas.microsoft.com/office/powerpoint/2012/main">
+    <mc:Choice Requires="p15">
       <p:transition xmlns:p14="http://schemas.microsoft.com/office/powerpoint/2010/main" spd="slow" p14:dur="1250">
         <p15:prstTrans prst="pageCurlDouble"/>
       </p:transition>
     </mc:Choice>
-    <mc:Fallback>
+    <mc:Fallback xmlns="">
       <p:transition spd="slow">
         <p:fade/>
       </p:transition>
@@ -10118,13 +10118,13 @@
   <p:clrMapOvr>
     <a:masterClrMapping/>
   </p:clrMapOvr>
-  <mc:AlternateContent xmlns:mc="http://schemas.openxmlformats.org/markup-compatibility/2006">
-    <mc:Choice xmlns:p15="http://schemas.microsoft.com/office/powerpoint/2012/main" Requires="p15">
+  <mc:AlternateContent xmlns:mc="http://schemas.openxmlformats.org/markup-compatibility/2006" xmlns:p15="http://schemas.microsoft.com/office/powerpoint/2012/main">
+    <mc:Choice Requires="p15">
       <p:transition xmlns:p14="http://schemas.microsoft.com/office/powerpoint/2010/main" spd="slow" p14:dur="1250">
         <p15:prstTrans prst="pageCurlDouble"/>
       </p:transition>
     </mc:Choice>
-    <mc:Fallback>
+    <mc:Fallback xmlns="">
       <p:transition spd="slow">
         <p:fade/>
       </p:transition>
@@ -10391,13 +10391,13 @@
   <p:clrMapOvr>
     <a:masterClrMapping/>
   </p:clrMapOvr>
-  <mc:AlternateContent xmlns:mc="http://schemas.openxmlformats.org/markup-compatibility/2006">
-    <mc:Choice xmlns:p15="http://schemas.microsoft.com/office/powerpoint/2012/main" Requires="p15">
+  <mc:AlternateContent xmlns:mc="http://schemas.openxmlformats.org/markup-compatibility/2006" xmlns:p15="http://schemas.microsoft.com/office/powerpoint/2012/main">
+    <mc:Choice Requires="p15">
       <p:transition xmlns:p14="http://schemas.microsoft.com/office/powerpoint/2010/main" spd="slow" p14:dur="1250">
         <p15:prstTrans prst="pageCurlDouble"/>
       </p:transition>
     </mc:Choice>
-    <mc:Fallback>
+    <mc:Fallback xmlns="">
       <p:transition spd="slow">
         <p:fade/>
       </p:transition>
@@ -10669,13 +10669,13 @@
   <p:clrMapOvr>
     <a:masterClrMapping/>
   </p:clrMapOvr>
-  <mc:AlternateContent xmlns:mc="http://schemas.openxmlformats.org/markup-compatibility/2006">
-    <mc:Choice xmlns:p15="http://schemas.microsoft.com/office/powerpoint/2012/main" Requires="p15">
+  <mc:AlternateContent xmlns:mc="http://schemas.openxmlformats.org/markup-compatibility/2006" xmlns:p15="http://schemas.microsoft.com/office/powerpoint/2012/main">
+    <mc:Choice Requires="p15">
       <p:transition xmlns:p14="http://schemas.microsoft.com/office/powerpoint/2010/main" spd="slow" p14:dur="1250">
         <p15:prstTrans prst="pageCurlDouble"/>
       </p:transition>
     </mc:Choice>
-    <mc:Fallback>
+    <mc:Fallback xmlns="">
       <p:transition spd="slow">
         <p:fade/>
       </p:transition>
@@ -10947,13 +10947,13 @@
   <p:clrMapOvr>
     <a:masterClrMapping/>
   </p:clrMapOvr>
-  <mc:AlternateContent xmlns:mc="http://schemas.openxmlformats.org/markup-compatibility/2006">
-    <mc:Choice xmlns:p15="http://schemas.microsoft.com/office/powerpoint/2012/main" Requires="p15">
+  <mc:AlternateContent xmlns:mc="http://schemas.openxmlformats.org/markup-compatibility/2006" xmlns:p15="http://schemas.microsoft.com/office/powerpoint/2012/main">
+    <mc:Choice Requires="p15">
       <p:transition xmlns:p14="http://schemas.microsoft.com/office/powerpoint/2010/main" spd="slow" p14:dur="1250">
         <p15:prstTrans prst="pageCurlDouble"/>
       </p:transition>
     </mc:Choice>
-    <mc:Fallback>
+    <mc:Fallback xmlns="">
       <p:transition spd="slow">
         <p:fade/>
       </p:transition>
@@ -11308,13 +11308,13 @@
   <p:clrMapOvr>
     <a:masterClrMapping/>
   </p:clrMapOvr>
-  <mc:AlternateContent xmlns:mc="http://schemas.openxmlformats.org/markup-compatibility/2006">
-    <mc:Choice xmlns:p15="http://schemas.microsoft.com/office/powerpoint/2012/main" Requires="p15">
+  <mc:AlternateContent xmlns:mc="http://schemas.openxmlformats.org/markup-compatibility/2006" xmlns:p15="http://schemas.microsoft.com/office/powerpoint/2012/main">
+    <mc:Choice Requires="p15">
       <p:transition xmlns:p14="http://schemas.microsoft.com/office/powerpoint/2010/main" spd="slow" p14:dur="1250">
         <p15:prstTrans prst="pageCurlDouble"/>
       </p:transition>
     </mc:Choice>
-    <mc:Fallback>
+    <mc:Fallback xmlns="">
       <p:transition spd="slow">
         <p:fade/>
       </p:transition>
@@ -11655,13 +11655,13 @@
   <p:clrMapOvr>
     <a:overrideClrMapping bg1="dk1" tx1="lt1" bg2="dk2" tx2="lt2" accent1="accent1" accent2="accent2" accent3="accent3" accent4="accent4" accent5="accent5" accent6="accent6" hlink="hlink" folHlink="folHlink"/>
   </p:clrMapOvr>
-  <mc:AlternateContent xmlns:mc="http://schemas.openxmlformats.org/markup-compatibility/2006">
-    <mc:Choice xmlns:p15="http://schemas.microsoft.com/office/powerpoint/2012/main" Requires="p15">
+  <mc:AlternateContent xmlns:mc="http://schemas.openxmlformats.org/markup-compatibility/2006" xmlns:p15="http://schemas.microsoft.com/office/powerpoint/2012/main">
+    <mc:Choice Requires="p15">
       <p:transition xmlns:p14="http://schemas.microsoft.com/office/powerpoint/2010/main" spd="slow" p14:dur="1250">
         <p15:prstTrans prst="pageCurlDouble"/>
       </p:transition>
     </mc:Choice>
-    <mc:Fallback>
+    <mc:Fallback xmlns="">
       <p:transition spd="slow">
         <p:fade/>
       </p:transition>

--- a/APACHE SOLR.pptx
+++ b/APACHE SOLR.pptx
@@ -5,30 +5,32 @@
     <p:sldMasterId id="2147483774" r:id="rId1"/>
   </p:sldMasterIdLst>
   <p:notesMasterIdLst>
-    <p:notesMasterId r:id="rId23"/>
+    <p:notesMasterId r:id="rId25"/>
   </p:notesMasterIdLst>
   <p:sldIdLst>
     <p:sldId id="256" r:id="rId2"/>
-    <p:sldId id="259" r:id="rId3"/>
-    <p:sldId id="278" r:id="rId4"/>
-    <p:sldId id="280" r:id="rId5"/>
-    <p:sldId id="277" r:id="rId6"/>
-    <p:sldId id="288" r:id="rId7"/>
-    <p:sldId id="289" r:id="rId8"/>
-    <p:sldId id="281" r:id="rId9"/>
-    <p:sldId id="263" r:id="rId10"/>
-    <p:sldId id="282" r:id="rId11"/>
-    <p:sldId id="267" r:id="rId12"/>
-    <p:sldId id="283" r:id="rId13"/>
-    <p:sldId id="290" r:id="rId14"/>
-    <p:sldId id="291" r:id="rId15"/>
-    <p:sldId id="284" r:id="rId16"/>
-    <p:sldId id="286" r:id="rId17"/>
-    <p:sldId id="285" r:id="rId18"/>
-    <p:sldId id="271" r:id="rId19"/>
-    <p:sldId id="287" r:id="rId20"/>
-    <p:sldId id="292" r:id="rId21"/>
-    <p:sldId id="293" r:id="rId22"/>
+    <p:sldId id="294" r:id="rId3"/>
+    <p:sldId id="259" r:id="rId4"/>
+    <p:sldId id="278" r:id="rId5"/>
+    <p:sldId id="280" r:id="rId6"/>
+    <p:sldId id="277" r:id="rId7"/>
+    <p:sldId id="288" r:id="rId8"/>
+    <p:sldId id="289" r:id="rId9"/>
+    <p:sldId id="281" r:id="rId10"/>
+    <p:sldId id="263" r:id="rId11"/>
+    <p:sldId id="282" r:id="rId12"/>
+    <p:sldId id="267" r:id="rId13"/>
+    <p:sldId id="283" r:id="rId14"/>
+    <p:sldId id="290" r:id="rId15"/>
+    <p:sldId id="291" r:id="rId16"/>
+    <p:sldId id="284" r:id="rId17"/>
+    <p:sldId id="286" r:id="rId18"/>
+    <p:sldId id="285" r:id="rId19"/>
+    <p:sldId id="271" r:id="rId20"/>
+    <p:sldId id="287" r:id="rId21"/>
+    <p:sldId id="292" r:id="rId22"/>
+    <p:sldId id="295" r:id="rId23"/>
+    <p:sldId id="293" r:id="rId24"/>
   </p:sldIdLst>
   <p:sldSz cx="12192000" cy="6858000"/>
   <p:notesSz cx="6858000" cy="9144000"/>
@@ -4523,6 +4525,353 @@
     <p:bg>
       <p:bgPr>
         <a:solidFill>
+          <a:schemeClr val="tx1"/>
+        </a:solidFill>
+        <a:effectLst/>
+      </p:bgPr>
+    </p:bg>
+    <p:spTree>
+      <p:nvGrpSpPr>
+        <p:cNvPr id="1" name=""/>
+        <p:cNvGrpSpPr/>
+        <p:nvPr/>
+      </p:nvGrpSpPr>
+      <p:grpSpPr>
+        <a:xfrm>
+          <a:off x="0" y="0"/>
+          <a:ext cx="0" cy="0"/>
+          <a:chOff x="0" y="0"/>
+          <a:chExt cx="0" cy="0"/>
+        </a:xfrm>
+      </p:grpSpPr>
+      <p:sp>
+        <p:nvSpPr>
+          <p:cNvPr id="15" name="Rectangle 12">
+            <a:extLst>
+              <a:ext uri="{FF2B5EF4-FFF2-40B4-BE49-F238E27FC236}">
+                <a16:creationId xmlns:a16="http://schemas.microsoft.com/office/drawing/2014/main" id="{867D4867-5BA7-4462-B2F6-A23F4A622AA7}"/>
+              </a:ext>
+              <a:ext uri="{C183D7F6-B498-43B3-948B-1728B52AA6E4}">
+                <adec:decorative xmlns:adec="http://schemas.microsoft.com/office/drawing/2017/decorative" val="1"/>
+              </a:ext>
+            </a:extLst>
+          </p:cNvPr>
+          <p:cNvSpPr>
+            <a:spLocks noGrp="1" noRot="1" noChangeAspect="1" noMove="1" noResize="1" noEditPoints="1" noAdjustHandles="1" noChangeArrowheads="1" noChangeShapeType="1" noTextEdit="1"/>
+          </p:cNvSpPr>
+          <p:nvPr>
+            <p:extLst>
+              <p:ext uri="{386F3935-93C4-4BCD-93E2-E3B085C9AB24}">
+                <p16:designElem xmlns:p16="http://schemas.microsoft.com/office/powerpoint/2015/main" val="1"/>
+              </p:ext>
+            </p:extLst>
+          </p:nvPr>
+        </p:nvSpPr>
+        <p:spPr>
+          <a:xfrm>
+            <a:off x="0" y="0"/>
+            <a:ext cx="4654296" cy="6858000"/>
+          </a:xfrm>
+          <a:prstGeom prst="rect">
+            <a:avLst/>
+          </a:prstGeom>
+          <a:solidFill>
+            <a:srgbClr val="3F3F3F"/>
+          </a:solidFill>
+          <a:ln>
+            <a:noFill/>
+          </a:ln>
+        </p:spPr>
+        <p:style>
+          <a:lnRef idx="0">
+            <a:scrgbClr r="0" g="0" b="0"/>
+          </a:lnRef>
+          <a:fillRef idx="0">
+            <a:scrgbClr r="0" g="0" b="0"/>
+          </a:fillRef>
+          <a:effectRef idx="0">
+            <a:scrgbClr r="0" g="0" b="0"/>
+          </a:effectRef>
+          <a:fontRef idx="minor">
+            <a:schemeClr val="lt1"/>
+          </a:fontRef>
+        </p:style>
+        <p:txBody>
+          <a:bodyPr rtlCol="0" anchor="ctr"/>
+          <a:lstStyle/>
+          <a:p>
+            <a:pPr algn="ctr"/>
+            <a:endParaRPr lang="en-US" dirty="0"/>
+          </a:p>
+        </p:txBody>
+      </p:sp>
+      <p:sp>
+        <p:nvSpPr>
+          <p:cNvPr id="2" name="Title 1">
+            <a:extLst>
+              <a:ext uri="{FF2B5EF4-FFF2-40B4-BE49-F238E27FC236}">
+                <a16:creationId xmlns:a16="http://schemas.microsoft.com/office/drawing/2014/main" id="{A71213F5-E546-429E-80D0-6B8C0F94B8EF}"/>
+              </a:ext>
+            </a:extLst>
+          </p:cNvPr>
+          <p:cNvSpPr>
+            <a:spLocks noGrp="1"/>
+          </p:cNvSpPr>
+          <p:nvPr>
+            <p:ph type="title"/>
+          </p:nvPr>
+        </p:nvSpPr>
+        <p:spPr>
+          <a:xfrm>
+            <a:off x="643468" y="623392"/>
+            <a:ext cx="3363974" cy="1607060"/>
+          </a:xfrm>
+          <a:noFill/>
+          <a:ln w="19050">
+            <a:solidFill>
+              <a:schemeClr val="tx1"/>
+            </a:solidFill>
+          </a:ln>
+        </p:spPr>
+        <p:txBody>
+          <a:bodyPr vert="horz" wrap="square" lIns="91440" tIns="45720" rIns="91440" bIns="45720" rtlCol="0" anchor="ctr">
+            <a:normAutofit/>
+          </a:bodyPr>
+          <a:lstStyle/>
+          <a:p>
+            <a:pPr algn="ctr"/>
+            <a:r>
+              <a:rPr lang="en-US" sz="2800" kern="1200" dirty="0">
+                <a:solidFill>
+                  <a:schemeClr val="tx1"/>
+                </a:solidFill>
+                <a:latin typeface="+mj-lt"/>
+                <a:ea typeface="+mj-ea"/>
+                <a:cs typeface="+mj-cs"/>
+              </a:rPr>
+              <a:t>Solr: Documents &amp; Fields</a:t>
+            </a:r>
+          </a:p>
+        </p:txBody>
+      </p:sp>
+      <p:sp>
+        <p:nvSpPr>
+          <p:cNvPr id="4" name="TextBox 3">
+            <a:extLst>
+              <a:ext uri="{FF2B5EF4-FFF2-40B4-BE49-F238E27FC236}">
+                <a16:creationId xmlns:a16="http://schemas.microsoft.com/office/drawing/2014/main" id="{44D75C0F-7B37-4300-A921-B1738CB5C936}"/>
+              </a:ext>
+            </a:extLst>
+          </p:cNvPr>
+          <p:cNvSpPr txBox="1"/>
+          <p:nvPr/>
+        </p:nvSpPr>
+        <p:spPr>
+          <a:xfrm>
+            <a:off x="643468" y="2638043"/>
+            <a:ext cx="3363974" cy="3415623"/>
+          </a:xfrm>
+          <a:prstGeom prst="rect">
+            <a:avLst/>
+          </a:prstGeom>
+        </p:spPr>
+        <p:txBody>
+          <a:bodyPr vert="horz" lIns="91440" tIns="45720" rIns="91440" bIns="45720" rtlCol="0">
+            <a:normAutofit/>
+          </a:bodyPr>
+          <a:lstStyle/>
+          <a:p>
+            <a:pPr marL="285750" indent="-228600">
+              <a:lnSpc>
+                <a:spcPct val="90000"/>
+              </a:lnSpc>
+              <a:spcAft>
+                <a:spcPts val="600"/>
+              </a:spcAft>
+              <a:buFont typeface="Arial" panose="020B0604020202020204" pitchFamily="34" charset="0"/>
+              <a:buChar char="•"/>
+            </a:pPr>
+            <a:r>
+              <a:rPr lang="en-US" sz="1700" dirty="0" err="1"/>
+              <a:t>Solr’s</a:t>
+            </a:r>
+            <a:r>
+              <a:rPr lang="en-US" sz="1700" dirty="0"/>
+              <a:t> basic unit of </a:t>
+            </a:r>
+            <a:r>
+              <a:rPr lang="en-US" sz="1700" dirty="0" err="1"/>
+              <a:t>informantion</a:t>
+            </a:r>
+            <a:r>
+              <a:rPr lang="en-US" sz="1700" dirty="0"/>
+              <a:t> is Document, which is the </a:t>
+            </a:r>
+            <a:r>
+              <a:rPr lang="en-US" sz="1700" dirty="0" err="1"/>
+              <a:t>seet</a:t>
+            </a:r>
+            <a:r>
+              <a:rPr lang="en-US" sz="1700" dirty="0"/>
+              <a:t> of data that describes something</a:t>
+            </a:r>
+          </a:p>
+          <a:p>
+            <a:pPr marL="285750" indent="-228600">
+              <a:lnSpc>
+                <a:spcPct val="90000"/>
+              </a:lnSpc>
+              <a:spcAft>
+                <a:spcPts val="600"/>
+              </a:spcAft>
+              <a:buFont typeface="Arial" panose="020B0604020202020204" pitchFamily="34" charset="0"/>
+              <a:buChar char="•"/>
+            </a:pPr>
+            <a:r>
+              <a:rPr lang="en-US" sz="1700" dirty="0"/>
+              <a:t>Documents are composed of fields, which are most specific  pieces of information</a:t>
+            </a:r>
+          </a:p>
+          <a:p>
+            <a:pPr marL="285750" indent="-228600">
+              <a:lnSpc>
+                <a:spcPct val="90000"/>
+              </a:lnSpc>
+              <a:spcAft>
+                <a:spcPts val="600"/>
+              </a:spcAft>
+              <a:buFont typeface="Arial" panose="020B0604020202020204" pitchFamily="34" charset="0"/>
+              <a:buChar char="•"/>
+            </a:pPr>
+            <a:r>
+              <a:rPr lang="en-US" sz="1700" dirty="0"/>
+              <a:t>Fields can contain different kinds of data. A name field, for example, is text (character data)</a:t>
+            </a:r>
+          </a:p>
+          <a:p>
+            <a:pPr marL="285750" indent="-228600">
+              <a:lnSpc>
+                <a:spcPct val="90000"/>
+              </a:lnSpc>
+              <a:spcAft>
+                <a:spcPts val="600"/>
+              </a:spcAft>
+              <a:buFont typeface="Arial" panose="020B0604020202020204" pitchFamily="34" charset="0"/>
+              <a:buChar char="•"/>
+            </a:pPr>
+            <a:r>
+              <a:rPr lang="en-US" sz="1700" dirty="0"/>
+              <a:t>The field  type sells Solr how to interpret the field and how it can be queried</a:t>
+            </a:r>
+          </a:p>
+        </p:txBody>
+      </p:sp>
+      <p:pic>
+        <p:nvPicPr>
+          <p:cNvPr id="8" name="Picture 7">
+            <a:extLst>
+              <a:ext uri="{FF2B5EF4-FFF2-40B4-BE49-F238E27FC236}">
+                <a16:creationId xmlns:a16="http://schemas.microsoft.com/office/drawing/2014/main" id="{02A05FCD-9265-4E5B-BF75-3091C5A04880}"/>
+              </a:ext>
+            </a:extLst>
+          </p:cNvPr>
+          <p:cNvPicPr>
+            <a:picLocks noChangeAspect="1"/>
+          </p:cNvPicPr>
+          <p:nvPr/>
+        </p:nvPicPr>
+        <p:blipFill>
+          <a:blip r:embed="rId2">
+            <a:extLst>
+              <a:ext uri="{28A0092B-C50C-407E-A947-70E740481C1C}">
+                <a14:useLocalDpi xmlns:a14="http://schemas.microsoft.com/office/drawing/2010/main" val="0"/>
+              </a:ext>
+            </a:extLst>
+          </a:blip>
+          <a:stretch>
+            <a:fillRect/>
+          </a:stretch>
+        </p:blipFill>
+        <p:spPr>
+          <a:xfrm>
+            <a:off x="5297763" y="2442205"/>
+            <a:ext cx="6250769" cy="1812722"/>
+          </a:xfrm>
+          <a:prstGeom prst="rect">
+            <a:avLst/>
+          </a:prstGeom>
+        </p:spPr>
+      </p:pic>
+      <p:sp>
+        <p:nvSpPr>
+          <p:cNvPr id="7" name="Footer Placeholder 5">
+            <a:extLst>
+              <a:ext uri="{FF2B5EF4-FFF2-40B4-BE49-F238E27FC236}">
+                <a16:creationId xmlns:a16="http://schemas.microsoft.com/office/drawing/2014/main" id="{575EE31A-28E0-4B3F-9879-623021621CFA}"/>
+              </a:ext>
+            </a:extLst>
+          </p:cNvPr>
+          <p:cNvSpPr>
+            <a:spLocks noGrp="1"/>
+          </p:cNvSpPr>
+          <p:nvPr>
+            <p:ph type="ftr" sz="quarter" idx="11"/>
+          </p:nvPr>
+        </p:nvSpPr>
+        <p:spPr>
+          <a:xfrm>
+            <a:off x="8341578" y="6399588"/>
+            <a:ext cx="4114800" cy="365125"/>
+          </a:xfrm>
+        </p:spPr>
+        <p:txBody>
+          <a:bodyPr/>
+          <a:lstStyle/>
+          <a:p>
+            <a:r>
+              <a:rPr lang="en-US" sz="1400" dirty="0">
+                <a:solidFill>
+                  <a:schemeClr val="tx1">
+                    <a:lumMod val="50000"/>
+                  </a:schemeClr>
+                </a:solidFill>
+              </a:rPr>
+              <a:t>Akshara Gurram</a:t>
+            </a:r>
+          </a:p>
+        </p:txBody>
+      </p:sp>
+    </p:spTree>
+    <p:extLst>
+      <p:ext uri="{BB962C8B-B14F-4D97-AF65-F5344CB8AC3E}">
+        <p14:creationId xmlns:p14="http://schemas.microsoft.com/office/powerpoint/2010/main" val="1768098901"/>
+      </p:ext>
+    </p:extLst>
+  </p:cSld>
+  <p:clrMapOvr>
+    <a:overrideClrMapping bg1="dk1" tx1="lt1" bg2="dk2" tx2="lt2" accent1="accent1" accent2="accent2" accent3="accent3" accent4="accent4" accent5="accent5" accent6="accent6" hlink="hlink" folHlink="folHlink"/>
+  </p:clrMapOvr>
+  <mc:AlternateContent xmlns:mc="http://schemas.openxmlformats.org/markup-compatibility/2006" xmlns:p15="http://schemas.microsoft.com/office/powerpoint/2012/main">
+    <mc:Choice Requires="p15">
+      <p:transition xmlns:p14="http://schemas.microsoft.com/office/powerpoint/2010/main" spd="slow" p14:dur="1250">
+        <p15:prstTrans prst="pageCurlDouble"/>
+      </p:transition>
+    </mc:Choice>
+    <mc:Fallback xmlns="">
+      <p:transition spd="slow">
+        <p:fade/>
+      </p:transition>
+    </mc:Fallback>
+  </mc:AlternateContent>
+</p:sld>
+</file>
+
+<file path=ppt/slides/slide11.xml><?xml version="1.0" encoding="utf-8"?>
+<p:sld xmlns:a="http://schemas.openxmlformats.org/drawingml/2006/main" xmlns:r="http://schemas.openxmlformats.org/officeDocument/2006/relationships" xmlns:p="http://schemas.openxmlformats.org/presentationml/2006/main">
+  <p:cSld>
+    <p:bg>
+      <p:bgPr>
+        <a:solidFill>
           <a:schemeClr val="bg1"/>
         </a:solidFill>
         <a:effectLst/>
@@ -4863,7 +5212,7 @@
 </p:sld>
 </file>
 
-<file path=ppt/slides/slide11.xml><?xml version="1.0" encoding="utf-8"?>
+<file path=ppt/slides/slide12.xml><?xml version="1.0" encoding="utf-8"?>
 <p:sld xmlns:a="http://schemas.openxmlformats.org/drawingml/2006/main" xmlns:r="http://schemas.openxmlformats.org/officeDocument/2006/relationships" xmlns:p="http://schemas.openxmlformats.org/presentationml/2006/main">
   <p:cSld>
     <p:bg>
@@ -5397,7 +5746,7 @@
 </p:sld>
 </file>
 
-<file path=ppt/slides/slide12.xml><?xml version="1.0" encoding="utf-8"?>
+<file path=ppt/slides/slide13.xml><?xml version="1.0" encoding="utf-8"?>
 <p:sld xmlns:a="http://schemas.openxmlformats.org/drawingml/2006/main" xmlns:r="http://schemas.openxmlformats.org/officeDocument/2006/relationships" xmlns:p="http://schemas.openxmlformats.org/presentationml/2006/main">
   <p:cSld>
     <p:bg>
@@ -5649,279 +5998,6 @@
     <p:extLst>
       <p:ext uri="{BB962C8B-B14F-4D97-AF65-F5344CB8AC3E}">
         <p14:creationId xmlns:p14="http://schemas.microsoft.com/office/powerpoint/2010/main" val="2141181233"/>
-      </p:ext>
-    </p:extLst>
-  </p:cSld>
-  <p:clrMapOvr>
-    <a:masterClrMapping/>
-  </p:clrMapOvr>
-  <mc:AlternateContent xmlns:mc="http://schemas.openxmlformats.org/markup-compatibility/2006" xmlns:p15="http://schemas.microsoft.com/office/powerpoint/2012/main">
-    <mc:Choice Requires="p15">
-      <p:transition xmlns:p14="http://schemas.microsoft.com/office/powerpoint/2010/main" spd="slow" p14:dur="1250">
-        <p15:prstTrans prst="pageCurlDouble"/>
-      </p:transition>
-    </mc:Choice>
-    <mc:Fallback xmlns="">
-      <p:transition spd="slow">
-        <p:fade/>
-      </p:transition>
-    </mc:Fallback>
-  </mc:AlternateContent>
-</p:sld>
-</file>
-
-<file path=ppt/slides/slide13.xml><?xml version="1.0" encoding="utf-8"?>
-<p:sld xmlns:a="http://schemas.openxmlformats.org/drawingml/2006/main" xmlns:r="http://schemas.openxmlformats.org/officeDocument/2006/relationships" xmlns:p="http://schemas.openxmlformats.org/presentationml/2006/main">
-  <p:cSld>
-    <p:bg>
-      <p:bgPr>
-        <a:solidFill>
-          <a:schemeClr val="bg1"/>
-        </a:solidFill>
-        <a:effectLst/>
-      </p:bgPr>
-    </p:bg>
-    <p:spTree>
-      <p:nvGrpSpPr>
-        <p:cNvPr id="1" name=""/>
-        <p:cNvGrpSpPr/>
-        <p:nvPr/>
-      </p:nvGrpSpPr>
-      <p:grpSpPr>
-        <a:xfrm>
-          <a:off x="0" y="0"/>
-          <a:ext cx="0" cy="0"/>
-          <a:chOff x="0" y="0"/>
-          <a:chExt cx="0" cy="0"/>
-        </a:xfrm>
-      </p:grpSpPr>
-      <p:sp>
-        <p:nvSpPr>
-          <p:cNvPr id="19" name="Rectangle 18">
-            <a:extLst>
-              <a:ext uri="{FF2B5EF4-FFF2-40B4-BE49-F238E27FC236}">
-                <a16:creationId xmlns:a16="http://schemas.microsoft.com/office/drawing/2014/main" id="{42A5316D-ED2F-4F89-B4B4-8D9240B1A348}"/>
-              </a:ext>
-              <a:ext uri="{C183D7F6-B498-43B3-948B-1728B52AA6E4}">
-                <adec:decorative xmlns:adec="http://schemas.microsoft.com/office/drawing/2017/decorative" val="1"/>
-              </a:ext>
-            </a:extLst>
-          </p:cNvPr>
-          <p:cNvSpPr>
-            <a:spLocks noGrp="1" noRot="1" noChangeAspect="1" noMove="1" noResize="1" noEditPoints="1" noAdjustHandles="1" noChangeArrowheads="1" noChangeShapeType="1" noTextEdit="1"/>
-          </p:cNvSpPr>
-          <p:nvPr>
-            <p:extLst>
-              <p:ext uri="{386F3935-93C4-4BCD-93E2-E3B085C9AB24}">
-                <p16:designElem xmlns:p16="http://schemas.microsoft.com/office/powerpoint/2015/main" val="1"/>
-              </p:ext>
-            </p:extLst>
-          </p:nvPr>
-        </p:nvSpPr>
-        <p:spPr>
-          <a:xfrm>
-            <a:off x="0" y="0"/>
-            <a:ext cx="2013557" cy="6858000"/>
-          </a:xfrm>
-          <a:prstGeom prst="rect">
-            <a:avLst/>
-          </a:prstGeom>
-          <a:solidFill>
-            <a:srgbClr val="516F88"/>
-          </a:solidFill>
-          <a:ln>
-            <a:noFill/>
-          </a:ln>
-        </p:spPr>
-        <p:style>
-          <a:lnRef idx="2">
-            <a:schemeClr val="accent1">
-              <a:shade val="50000"/>
-            </a:schemeClr>
-          </a:lnRef>
-          <a:fillRef idx="1">
-            <a:schemeClr val="accent1"/>
-          </a:fillRef>
-          <a:effectRef idx="0">
-            <a:schemeClr val="accent1"/>
-          </a:effectRef>
-          <a:fontRef idx="minor">
-            <a:schemeClr val="lt1"/>
-          </a:fontRef>
-        </p:style>
-        <p:txBody>
-          <a:bodyPr rtlCol="0" anchor="ctr"/>
-          <a:lstStyle/>
-          <a:p>
-            <a:pPr marL="0" marR="0" lvl="0" indent="0" algn="ctr" defTabSz="914400" rtl="0" eaLnBrk="1" fontAlgn="auto" latinLnBrk="0" hangingPunct="1">
-              <a:lnSpc>
-                <a:spcPct val="100000"/>
-              </a:lnSpc>
-              <a:spcBef>
-                <a:spcPts val="0"/>
-              </a:spcBef>
-              <a:spcAft>
-                <a:spcPts val="0"/>
-              </a:spcAft>
-              <a:buClrTx/>
-              <a:buSzTx/>
-              <a:buFontTx/>
-              <a:buNone/>
-              <a:tabLst/>
-              <a:defRPr/>
-            </a:pPr>
-            <a:endParaRPr kumimoji="0" lang="en-US" sz="1800" b="0" i="0" u="none" strike="noStrike" kern="1200" cap="none" spc="0" normalizeH="0" baseline="0" noProof="0">
-              <a:ln>
-                <a:noFill/>
-              </a:ln>
-              <a:solidFill>
-                <a:prstClr val="white"/>
-              </a:solidFill>
-              <a:effectLst/>
-              <a:uLnTx/>
-              <a:uFillTx/>
-              <a:latin typeface="Calibri" panose="020F0502020204030204"/>
-              <a:ea typeface="+mn-ea"/>
-              <a:cs typeface="+mn-cs"/>
-            </a:endParaRPr>
-          </a:p>
-        </p:txBody>
-      </p:sp>
-      <p:sp>
-        <p:nvSpPr>
-          <p:cNvPr id="2" name="Title 1">
-            <a:extLst>
-              <a:ext uri="{FF2B5EF4-FFF2-40B4-BE49-F238E27FC236}">
-                <a16:creationId xmlns:a16="http://schemas.microsoft.com/office/drawing/2014/main" id="{9C84BC21-A227-431C-8494-06C44345EE47}"/>
-              </a:ext>
-            </a:extLst>
-          </p:cNvPr>
-          <p:cNvSpPr>
-            <a:spLocks noGrp="1"/>
-          </p:cNvSpPr>
-          <p:nvPr>
-            <p:ph type="title"/>
-          </p:nvPr>
-        </p:nvSpPr>
-        <p:spPr>
-          <a:xfrm>
-            <a:off x="694509" y="1487272"/>
-            <a:ext cx="2777561" cy="2743200"/>
-          </a:xfrm>
-          <a:prstGeom prst="ellipse">
-            <a:avLst/>
-          </a:prstGeom>
-          <a:solidFill>
-            <a:srgbClr val="262626"/>
-          </a:solidFill>
-          <a:ln w="174625" cmpd="thinThick">
-            <a:solidFill>
-              <a:srgbClr val="262626"/>
-            </a:solidFill>
-          </a:ln>
-        </p:spPr>
-        <p:txBody>
-          <a:bodyPr vert="horz" lIns="91440" tIns="45720" rIns="91440" bIns="45720" rtlCol="0">
-            <a:normAutofit/>
-          </a:bodyPr>
-          <a:lstStyle/>
-          <a:p>
-            <a:pPr algn="ctr"/>
-            <a:r>
-              <a:rPr lang="en-US" sz="2800" dirty="0">
-                <a:solidFill>
-                  <a:srgbClr val="FFFFFF"/>
-                </a:solidFill>
-              </a:rPr>
-              <a:t>Solr: Search Process</a:t>
-            </a:r>
-            <a:endParaRPr lang="en-US" sz="2600" kern="1200" dirty="0">
-              <a:solidFill>
-                <a:schemeClr val="bg1"/>
-              </a:solidFill>
-            </a:endParaRPr>
-          </a:p>
-        </p:txBody>
-      </p:sp>
-      <p:pic>
-        <p:nvPicPr>
-          <p:cNvPr id="5" name="Picture 4">
-            <a:extLst>
-              <a:ext uri="{FF2B5EF4-FFF2-40B4-BE49-F238E27FC236}">
-                <a16:creationId xmlns:a16="http://schemas.microsoft.com/office/drawing/2014/main" id="{9786C816-CABF-418E-BC17-1470D097A925}"/>
-              </a:ext>
-            </a:extLst>
-          </p:cNvPr>
-          <p:cNvPicPr>
-            <a:picLocks noChangeAspect="1"/>
-          </p:cNvPicPr>
-          <p:nvPr/>
-        </p:nvPicPr>
-        <p:blipFill>
-          <a:blip r:embed="rId2">
-            <a:extLst>
-              <a:ext uri="{28A0092B-C50C-407E-A947-70E740481C1C}">
-                <a14:useLocalDpi xmlns:a14="http://schemas.microsoft.com/office/drawing/2010/main" val="0"/>
-              </a:ext>
-            </a:extLst>
-          </a:blip>
-          <a:stretch>
-            <a:fillRect/>
-          </a:stretch>
-        </p:blipFill>
-        <p:spPr>
-          <a:xfrm>
-            <a:off x="3831091" y="1537679"/>
-            <a:ext cx="7922251" cy="4258209"/>
-          </a:xfrm>
-          <a:prstGeom prst="rect">
-            <a:avLst/>
-          </a:prstGeom>
-        </p:spPr>
-      </p:pic>
-      <p:sp>
-        <p:nvSpPr>
-          <p:cNvPr id="6" name="Footer Placeholder 5">
-            <a:extLst>
-              <a:ext uri="{FF2B5EF4-FFF2-40B4-BE49-F238E27FC236}">
-                <a16:creationId xmlns:a16="http://schemas.microsoft.com/office/drawing/2014/main" id="{ADF34639-05B0-498C-A838-32601F6BE7B1}"/>
-              </a:ext>
-            </a:extLst>
-          </p:cNvPr>
-          <p:cNvSpPr>
-            <a:spLocks noGrp="1"/>
-          </p:cNvSpPr>
-          <p:nvPr>
-            <p:ph type="ftr" sz="quarter" idx="11"/>
-          </p:nvPr>
-        </p:nvSpPr>
-        <p:spPr>
-          <a:xfrm>
-            <a:off x="8341578" y="6399588"/>
-            <a:ext cx="4114800" cy="365125"/>
-          </a:xfrm>
-        </p:spPr>
-        <p:txBody>
-          <a:bodyPr/>
-          <a:lstStyle/>
-          <a:p>
-            <a:r>
-              <a:rPr lang="en-US" sz="1400" dirty="0">
-                <a:solidFill>
-                  <a:schemeClr val="tx1">
-                    <a:lumMod val="50000"/>
-                  </a:schemeClr>
-                </a:solidFill>
-              </a:rPr>
-              <a:t>Akshara Gurram</a:t>
-            </a:r>
-          </a:p>
-        </p:txBody>
-      </p:sp>
-    </p:spTree>
-    <p:extLst>
-      <p:ext uri="{BB962C8B-B14F-4D97-AF65-F5344CB8AC3E}">
-        <p14:creationId xmlns:p14="http://schemas.microsoft.com/office/powerpoint/2010/main" val="834827813"/>
       </p:ext>
     </p:extLst>
   </p:cSld>
@@ -6103,10 +6179,10 @@
             <a:r>
               <a:rPr lang="en-US" sz="2800" dirty="0">
                 <a:solidFill>
-                  <a:schemeClr val="bg1"/>
+                  <a:srgbClr val="FFFFFF"/>
                 </a:solidFill>
               </a:rPr>
-              <a:t>Solr: Features</a:t>
+              <a:t>Solr: Search Process</a:t>
             </a:r>
             <a:endParaRPr lang="en-US" sz="2600" kern="1200" dirty="0">
               <a:solidFill>
@@ -6116,210 +6192,48 @@
           </a:p>
         </p:txBody>
       </p:sp>
-      <p:sp>
-        <p:nvSpPr>
-          <p:cNvPr id="6" name="Rectangle 5">
-            <a:extLst>
-              <a:ext uri="{FF2B5EF4-FFF2-40B4-BE49-F238E27FC236}">
-                <a16:creationId xmlns:a16="http://schemas.microsoft.com/office/drawing/2014/main" id="{3630D1C5-C52D-415D-B4C5-6045CD30563B}"/>
-              </a:ext>
-            </a:extLst>
-          </p:cNvPr>
-          <p:cNvSpPr/>
+      <p:pic>
+        <p:nvPicPr>
+          <p:cNvPr id="5" name="Picture 4">
+            <a:extLst>
+              <a:ext uri="{FF2B5EF4-FFF2-40B4-BE49-F238E27FC236}">
+                <a16:creationId xmlns:a16="http://schemas.microsoft.com/office/drawing/2014/main" id="{9786C816-CABF-418E-BC17-1470D097A925}"/>
+              </a:ext>
+            </a:extLst>
+          </p:cNvPr>
+          <p:cNvPicPr>
+            <a:picLocks noChangeAspect="1"/>
+          </p:cNvPicPr>
           <p:nvPr/>
-        </p:nvSpPr>
+        </p:nvPicPr>
+        <p:blipFill>
+          <a:blip r:embed="rId2">
+            <a:extLst>
+              <a:ext uri="{28A0092B-C50C-407E-A947-70E740481C1C}">
+                <a14:useLocalDpi xmlns:a14="http://schemas.microsoft.com/office/drawing/2010/main" val="0"/>
+              </a:ext>
+            </a:extLst>
+          </a:blip>
+          <a:stretch>
+            <a:fillRect/>
+          </a:stretch>
+        </p:blipFill>
         <p:spPr>
           <a:xfrm>
-            <a:off x="3875030" y="858945"/>
-            <a:ext cx="7892899" cy="5450851"/>
+            <a:off x="3831091" y="1537679"/>
+            <a:ext cx="7922251" cy="4258209"/>
           </a:xfrm>
           <a:prstGeom prst="rect">
             <a:avLst/>
           </a:prstGeom>
         </p:spPr>
-        <p:txBody>
-          <a:bodyPr wrap="square">
-            <a:spAutoFit/>
-          </a:bodyPr>
-          <a:lstStyle/>
-          <a:p>
-            <a:pPr marL="285750" indent="-285750">
-              <a:lnSpc>
-                <a:spcPct val="150000"/>
-              </a:lnSpc>
-              <a:buFont typeface="Wingdings" panose="05000000000000000000" pitchFamily="2" charset="2"/>
-              <a:buChar char="§"/>
-            </a:pPr>
-            <a:r>
-              <a:rPr lang="en-US" dirty="0"/>
-              <a:t>Faceting</a:t>
-            </a:r>
-          </a:p>
-          <a:p>
-            <a:pPr marL="285750" indent="-285750">
-              <a:lnSpc>
-                <a:spcPct val="150000"/>
-              </a:lnSpc>
-              <a:buFont typeface="Wingdings" panose="05000000000000000000" pitchFamily="2" charset="2"/>
-              <a:buChar char="§"/>
-            </a:pPr>
-            <a:r>
-              <a:rPr lang="en-US" dirty="0"/>
-              <a:t>Highlighting</a:t>
-            </a:r>
-          </a:p>
-          <a:p>
-            <a:pPr marL="285750" indent="-285750">
-              <a:lnSpc>
-                <a:spcPct val="150000"/>
-              </a:lnSpc>
-              <a:buFont typeface="Wingdings" panose="05000000000000000000" pitchFamily="2" charset="2"/>
-              <a:buChar char="§"/>
-            </a:pPr>
-            <a:r>
-              <a:rPr lang="en-US" dirty="0"/>
-              <a:t>Spell Checking</a:t>
-            </a:r>
-          </a:p>
-          <a:p>
-            <a:pPr marL="285750" indent="-285750">
-              <a:lnSpc>
-                <a:spcPct val="150000"/>
-              </a:lnSpc>
-              <a:buFont typeface="Wingdings" panose="05000000000000000000" pitchFamily="2" charset="2"/>
-              <a:buChar char="§"/>
-            </a:pPr>
-            <a:r>
-              <a:rPr lang="en-US" dirty="0"/>
-              <a:t>Query Re-ranking</a:t>
-            </a:r>
-          </a:p>
-          <a:p>
-            <a:pPr marL="285750" indent="-285750">
-              <a:lnSpc>
-                <a:spcPct val="150000"/>
-              </a:lnSpc>
-              <a:buFont typeface="Wingdings" panose="05000000000000000000" pitchFamily="2" charset="2"/>
-              <a:buChar char="§"/>
-            </a:pPr>
-            <a:r>
-              <a:rPr lang="en-US" dirty="0"/>
-              <a:t>Transforming</a:t>
-            </a:r>
-          </a:p>
-          <a:p>
-            <a:pPr marL="285750" indent="-285750">
-              <a:lnSpc>
-                <a:spcPct val="150000"/>
-              </a:lnSpc>
-              <a:buFont typeface="Wingdings" panose="05000000000000000000" pitchFamily="2" charset="2"/>
-              <a:buChar char="§"/>
-            </a:pPr>
-            <a:r>
-              <a:rPr lang="en-US" dirty="0" err="1"/>
-              <a:t>Suggestors</a:t>
-            </a:r>
-            <a:endParaRPr lang="en-US" dirty="0"/>
-          </a:p>
-          <a:p>
-            <a:pPr marL="285750" indent="-285750">
-              <a:lnSpc>
-                <a:spcPct val="150000"/>
-              </a:lnSpc>
-              <a:buFont typeface="Wingdings" panose="05000000000000000000" pitchFamily="2" charset="2"/>
-              <a:buChar char="§"/>
-            </a:pPr>
-            <a:r>
-              <a:rPr lang="en-US" dirty="0"/>
-              <a:t>More Like This</a:t>
-            </a:r>
-          </a:p>
-          <a:p>
-            <a:pPr marL="285750" indent="-285750">
-              <a:lnSpc>
-                <a:spcPct val="150000"/>
-              </a:lnSpc>
-              <a:buFont typeface="Wingdings" panose="05000000000000000000" pitchFamily="2" charset="2"/>
-              <a:buChar char="§"/>
-            </a:pPr>
-            <a:r>
-              <a:rPr lang="en-US" dirty="0"/>
-              <a:t>Pagination</a:t>
-            </a:r>
-          </a:p>
-          <a:p>
-            <a:pPr marL="285750" indent="-285750">
-              <a:lnSpc>
-                <a:spcPct val="150000"/>
-              </a:lnSpc>
-              <a:buFont typeface="Wingdings" panose="05000000000000000000" pitchFamily="2" charset="2"/>
-              <a:buChar char="§"/>
-            </a:pPr>
-            <a:r>
-              <a:rPr lang="en-US" dirty="0"/>
-              <a:t>Grouping &amp; Clustering</a:t>
-            </a:r>
-          </a:p>
-          <a:p>
-            <a:pPr marL="285750" indent="-285750">
-              <a:lnSpc>
-                <a:spcPct val="150000"/>
-              </a:lnSpc>
-              <a:buFont typeface="Wingdings" panose="05000000000000000000" pitchFamily="2" charset="2"/>
-              <a:buChar char="§"/>
-            </a:pPr>
-            <a:r>
-              <a:rPr lang="en-US" dirty="0"/>
-              <a:t>Spatial Search</a:t>
-            </a:r>
-          </a:p>
-          <a:p>
-            <a:pPr marL="285750" indent="-285750">
-              <a:lnSpc>
-                <a:spcPct val="150000"/>
-              </a:lnSpc>
-              <a:buFont typeface="Wingdings" panose="05000000000000000000" pitchFamily="2" charset="2"/>
-              <a:buChar char="§"/>
-            </a:pPr>
-            <a:r>
-              <a:rPr lang="en-US" dirty="0"/>
-              <a:t>Components</a:t>
-            </a:r>
-          </a:p>
-          <a:p>
-            <a:pPr marL="285750" indent="-285750">
-              <a:lnSpc>
-                <a:spcPct val="150000"/>
-              </a:lnSpc>
-              <a:buFont typeface="Wingdings" panose="05000000000000000000" pitchFamily="2" charset="2"/>
-              <a:buChar char="§"/>
-            </a:pPr>
-            <a:r>
-              <a:rPr lang="en-US" dirty="0"/>
-              <a:t>Real time (Get &amp; Update)</a:t>
-            </a:r>
-          </a:p>
-          <a:p>
-            <a:pPr marL="285750" indent="-285750">
-              <a:lnSpc>
-                <a:spcPct val="150000"/>
-              </a:lnSpc>
-              <a:buFont typeface="Wingdings" panose="05000000000000000000" pitchFamily="2" charset="2"/>
-              <a:buChar char="§"/>
-            </a:pPr>
-            <a:r>
-              <a:rPr lang="en-US" dirty="0"/>
-              <a:t>LABS</a:t>
-            </a:r>
-          </a:p>
-        </p:txBody>
-      </p:sp>
-      <p:sp>
-        <p:nvSpPr>
-          <p:cNvPr id="7" name="Footer Placeholder 5">
-            <a:extLst>
-              <a:ext uri="{FF2B5EF4-FFF2-40B4-BE49-F238E27FC236}">
-                <a16:creationId xmlns:a16="http://schemas.microsoft.com/office/drawing/2014/main" id="{03132C24-9F80-4C18-A439-3CDCFB2B1A34}"/>
+      </p:pic>
+      <p:sp>
+        <p:nvSpPr>
+          <p:cNvPr id="6" name="Footer Placeholder 5">
+            <a:extLst>
+              <a:ext uri="{FF2B5EF4-FFF2-40B4-BE49-F238E27FC236}">
+                <a16:creationId xmlns:a16="http://schemas.microsoft.com/office/drawing/2014/main" id="{ADF34639-05B0-498C-A838-32601F6BE7B1}"/>
               </a:ext>
             </a:extLst>
           </p:cNvPr>
@@ -6356,7 +6270,7 @@
     </p:spTree>
     <p:extLst>
       <p:ext uri="{BB962C8B-B14F-4D97-AF65-F5344CB8AC3E}">
-        <p14:creationId xmlns:p14="http://schemas.microsoft.com/office/powerpoint/2010/main" val="3078550230"/>
+        <p14:creationId xmlns:p14="http://schemas.microsoft.com/office/powerpoint/2010/main" val="834827813"/>
       </p:ext>
     </p:extLst>
   </p:cSld>
@@ -6538,10 +6452,10 @@
             <a:r>
               <a:rPr lang="en-US" sz="2800" dirty="0">
                 <a:solidFill>
-                  <a:srgbClr val="FFFFFF"/>
+                  <a:schemeClr val="bg1"/>
                 </a:solidFill>
               </a:rPr>
-              <a:t>Configuring Solr Instances / Cores</a:t>
+              <a:t>Solr: Features</a:t>
             </a:r>
             <a:endParaRPr lang="en-US" sz="2600" kern="1200" dirty="0">
               <a:solidFill>
@@ -6551,50 +6465,210 @@
           </a:p>
         </p:txBody>
       </p:sp>
-      <p:pic>
-        <p:nvPicPr>
-          <p:cNvPr id="5" name="Content Placeholder 4">
-            <a:extLst>
-              <a:ext uri="{FF2B5EF4-FFF2-40B4-BE49-F238E27FC236}">
-                <a16:creationId xmlns:a16="http://schemas.microsoft.com/office/drawing/2014/main" id="{A4A6AB02-EBDE-46AA-940B-271C6E3585E9}"/>
-              </a:ext>
-            </a:extLst>
-          </p:cNvPr>
-          <p:cNvPicPr>
-            <a:picLocks noGrp="1" noChangeAspect="1"/>
-          </p:cNvPicPr>
-          <p:nvPr>
-            <p:ph idx="1"/>
-          </p:nvPr>
-        </p:nvPicPr>
-        <p:blipFill>
-          <a:blip r:embed="rId2">
-            <a:extLst>
-              <a:ext uri="{28A0092B-C50C-407E-A947-70E740481C1C}">
-                <a14:useLocalDpi xmlns:a14="http://schemas.microsoft.com/office/drawing/2010/main" val="0"/>
-              </a:ext>
-            </a:extLst>
-          </a:blip>
-          <a:stretch>
-            <a:fillRect/>
-          </a:stretch>
-        </p:blipFill>
+      <p:sp>
+        <p:nvSpPr>
+          <p:cNvPr id="6" name="Rectangle 5">
+            <a:extLst>
+              <a:ext uri="{FF2B5EF4-FFF2-40B4-BE49-F238E27FC236}">
+                <a16:creationId xmlns:a16="http://schemas.microsoft.com/office/drawing/2014/main" id="{3630D1C5-C52D-415D-B4C5-6045CD30563B}"/>
+              </a:ext>
+            </a:extLst>
+          </p:cNvPr>
+          <p:cNvSpPr/>
+          <p:nvPr/>
+        </p:nvSpPr>
         <p:spPr>
           <a:xfrm>
-            <a:off x="3894463" y="2260034"/>
-            <a:ext cx="7603028" cy="2337931"/>
+            <a:off x="3875030" y="858945"/>
+            <a:ext cx="7892899" cy="5450851"/>
           </a:xfrm>
           <a:prstGeom prst="rect">
             <a:avLst/>
           </a:prstGeom>
         </p:spPr>
-      </p:pic>
-      <p:sp>
-        <p:nvSpPr>
-          <p:cNvPr id="8" name="Footer Placeholder 5">
-            <a:extLst>
-              <a:ext uri="{FF2B5EF4-FFF2-40B4-BE49-F238E27FC236}">
-                <a16:creationId xmlns:a16="http://schemas.microsoft.com/office/drawing/2014/main" id="{7AE442A5-754B-426C-9A17-6C6EAB942A40}"/>
+        <p:txBody>
+          <a:bodyPr wrap="square">
+            <a:spAutoFit/>
+          </a:bodyPr>
+          <a:lstStyle/>
+          <a:p>
+            <a:pPr marL="285750" indent="-285750">
+              <a:lnSpc>
+                <a:spcPct val="150000"/>
+              </a:lnSpc>
+              <a:buFont typeface="Wingdings" panose="05000000000000000000" pitchFamily="2" charset="2"/>
+              <a:buChar char="§"/>
+            </a:pPr>
+            <a:r>
+              <a:rPr lang="en-US" dirty="0"/>
+              <a:t>Faceting</a:t>
+            </a:r>
+          </a:p>
+          <a:p>
+            <a:pPr marL="285750" indent="-285750">
+              <a:lnSpc>
+                <a:spcPct val="150000"/>
+              </a:lnSpc>
+              <a:buFont typeface="Wingdings" panose="05000000000000000000" pitchFamily="2" charset="2"/>
+              <a:buChar char="§"/>
+            </a:pPr>
+            <a:r>
+              <a:rPr lang="en-US" dirty="0"/>
+              <a:t>Highlighting</a:t>
+            </a:r>
+          </a:p>
+          <a:p>
+            <a:pPr marL="285750" indent="-285750">
+              <a:lnSpc>
+                <a:spcPct val="150000"/>
+              </a:lnSpc>
+              <a:buFont typeface="Wingdings" panose="05000000000000000000" pitchFamily="2" charset="2"/>
+              <a:buChar char="§"/>
+            </a:pPr>
+            <a:r>
+              <a:rPr lang="en-US" dirty="0"/>
+              <a:t>Spell Checking</a:t>
+            </a:r>
+          </a:p>
+          <a:p>
+            <a:pPr marL="285750" indent="-285750">
+              <a:lnSpc>
+                <a:spcPct val="150000"/>
+              </a:lnSpc>
+              <a:buFont typeface="Wingdings" panose="05000000000000000000" pitchFamily="2" charset="2"/>
+              <a:buChar char="§"/>
+            </a:pPr>
+            <a:r>
+              <a:rPr lang="en-US" dirty="0"/>
+              <a:t>Query Re-ranking</a:t>
+            </a:r>
+          </a:p>
+          <a:p>
+            <a:pPr marL="285750" indent="-285750">
+              <a:lnSpc>
+                <a:spcPct val="150000"/>
+              </a:lnSpc>
+              <a:buFont typeface="Wingdings" panose="05000000000000000000" pitchFamily="2" charset="2"/>
+              <a:buChar char="§"/>
+            </a:pPr>
+            <a:r>
+              <a:rPr lang="en-US" dirty="0"/>
+              <a:t>Transforming</a:t>
+            </a:r>
+          </a:p>
+          <a:p>
+            <a:pPr marL="285750" indent="-285750">
+              <a:lnSpc>
+                <a:spcPct val="150000"/>
+              </a:lnSpc>
+              <a:buFont typeface="Wingdings" panose="05000000000000000000" pitchFamily="2" charset="2"/>
+              <a:buChar char="§"/>
+            </a:pPr>
+            <a:r>
+              <a:rPr lang="en-US" dirty="0" err="1"/>
+              <a:t>Suggestors</a:t>
+            </a:r>
+            <a:endParaRPr lang="en-US" dirty="0"/>
+          </a:p>
+          <a:p>
+            <a:pPr marL="285750" indent="-285750">
+              <a:lnSpc>
+                <a:spcPct val="150000"/>
+              </a:lnSpc>
+              <a:buFont typeface="Wingdings" panose="05000000000000000000" pitchFamily="2" charset="2"/>
+              <a:buChar char="§"/>
+            </a:pPr>
+            <a:r>
+              <a:rPr lang="en-US" dirty="0"/>
+              <a:t>More Like This</a:t>
+            </a:r>
+          </a:p>
+          <a:p>
+            <a:pPr marL="285750" indent="-285750">
+              <a:lnSpc>
+                <a:spcPct val="150000"/>
+              </a:lnSpc>
+              <a:buFont typeface="Wingdings" panose="05000000000000000000" pitchFamily="2" charset="2"/>
+              <a:buChar char="§"/>
+            </a:pPr>
+            <a:r>
+              <a:rPr lang="en-US" dirty="0"/>
+              <a:t>Pagination</a:t>
+            </a:r>
+          </a:p>
+          <a:p>
+            <a:pPr marL="285750" indent="-285750">
+              <a:lnSpc>
+                <a:spcPct val="150000"/>
+              </a:lnSpc>
+              <a:buFont typeface="Wingdings" panose="05000000000000000000" pitchFamily="2" charset="2"/>
+              <a:buChar char="§"/>
+            </a:pPr>
+            <a:r>
+              <a:rPr lang="en-US" dirty="0"/>
+              <a:t>Grouping &amp; Clustering</a:t>
+            </a:r>
+          </a:p>
+          <a:p>
+            <a:pPr marL="285750" indent="-285750">
+              <a:lnSpc>
+                <a:spcPct val="150000"/>
+              </a:lnSpc>
+              <a:buFont typeface="Wingdings" panose="05000000000000000000" pitchFamily="2" charset="2"/>
+              <a:buChar char="§"/>
+            </a:pPr>
+            <a:r>
+              <a:rPr lang="en-US" dirty="0"/>
+              <a:t>Spatial Search</a:t>
+            </a:r>
+          </a:p>
+          <a:p>
+            <a:pPr marL="285750" indent="-285750">
+              <a:lnSpc>
+                <a:spcPct val="150000"/>
+              </a:lnSpc>
+              <a:buFont typeface="Wingdings" panose="05000000000000000000" pitchFamily="2" charset="2"/>
+              <a:buChar char="§"/>
+            </a:pPr>
+            <a:r>
+              <a:rPr lang="en-US" dirty="0"/>
+              <a:t>Components</a:t>
+            </a:r>
+          </a:p>
+          <a:p>
+            <a:pPr marL="285750" indent="-285750">
+              <a:lnSpc>
+                <a:spcPct val="150000"/>
+              </a:lnSpc>
+              <a:buFont typeface="Wingdings" panose="05000000000000000000" pitchFamily="2" charset="2"/>
+              <a:buChar char="§"/>
+            </a:pPr>
+            <a:r>
+              <a:rPr lang="en-US" dirty="0"/>
+              <a:t>Real time (Get &amp; Update)</a:t>
+            </a:r>
+          </a:p>
+          <a:p>
+            <a:pPr marL="285750" indent="-285750">
+              <a:lnSpc>
+                <a:spcPct val="150000"/>
+              </a:lnSpc>
+              <a:buFont typeface="Wingdings" panose="05000000000000000000" pitchFamily="2" charset="2"/>
+              <a:buChar char="§"/>
+            </a:pPr>
+            <a:r>
+              <a:rPr lang="en-US" dirty="0"/>
+              <a:t>LABS</a:t>
+            </a:r>
+          </a:p>
+        </p:txBody>
+      </p:sp>
+      <p:sp>
+        <p:nvSpPr>
+          <p:cNvPr id="7" name="Footer Placeholder 5">
+            <a:extLst>
+              <a:ext uri="{FF2B5EF4-FFF2-40B4-BE49-F238E27FC236}">
+                <a16:creationId xmlns:a16="http://schemas.microsoft.com/office/drawing/2014/main" id="{03132C24-9F80-4C18-A439-3CDCFB2B1A34}"/>
               </a:ext>
             </a:extLst>
           </p:cNvPr>
@@ -6615,16 +6689,6 @@
           <a:bodyPr/>
           <a:lstStyle/>
           <a:p>
-            <a:r>
-              <a:rPr lang="en-US" sz="1400" dirty="0" err="1">
-                <a:solidFill>
-                  <a:schemeClr val="tx1">
-                    <a:lumMod val="50000"/>
-                  </a:schemeClr>
-                </a:solidFill>
-              </a:rPr>
-              <a:t>Vamsee</a:t>
-            </a:r>
             <a:r>
               <a:rPr lang="en-US" sz="1400" dirty="0">
                 <a:solidFill>
@@ -6633,32 +6697,15 @@
                   </a:schemeClr>
                 </a:solidFill>
               </a:rPr>
-              <a:t> Krishna </a:t>
-            </a:r>
-            <a:r>
-              <a:rPr lang="en-US" sz="1400" dirty="0" err="1">
-                <a:solidFill>
-                  <a:schemeClr val="tx1">
-                    <a:lumMod val="50000"/>
-                  </a:schemeClr>
-                </a:solidFill>
-              </a:rPr>
-              <a:t>Gangapatnam</a:t>
-            </a:r>
-            <a:endParaRPr lang="en-US" sz="1400" dirty="0">
-              <a:solidFill>
-                <a:schemeClr val="tx1">
-                  <a:lumMod val="50000"/>
-                </a:schemeClr>
-              </a:solidFill>
-            </a:endParaRPr>
+              <a:t>Akshara Gurram</a:t>
+            </a:r>
           </a:p>
         </p:txBody>
       </p:sp>
     </p:spTree>
     <p:extLst>
       <p:ext uri="{BB962C8B-B14F-4D97-AF65-F5344CB8AC3E}">
-        <p14:creationId xmlns:p14="http://schemas.microsoft.com/office/powerpoint/2010/main" val="46758237"/>
+        <p14:creationId xmlns:p14="http://schemas.microsoft.com/office/powerpoint/2010/main" val="3078550230"/>
       </p:ext>
     </p:extLst>
   </p:cSld>
@@ -6840,10 +6887,10 @@
             <a:r>
               <a:rPr lang="en-US" sz="2800" dirty="0">
                 <a:solidFill>
-                  <a:schemeClr val="bg1"/>
+                  <a:srgbClr val="FFFFFF"/>
                 </a:solidFill>
               </a:rPr>
-              <a:t>Solr: Cloud Introduction</a:t>
+              <a:t>Configuring Solr Instances / Cores</a:t>
             </a:r>
             <a:endParaRPr lang="en-US" sz="2600" kern="1200" dirty="0">
               <a:solidFill>
@@ -6853,101 +6900,50 @@
           </a:p>
         </p:txBody>
       </p:sp>
-      <p:sp>
-        <p:nvSpPr>
-          <p:cNvPr id="6" name="Rectangle 5">
-            <a:extLst>
-              <a:ext uri="{FF2B5EF4-FFF2-40B4-BE49-F238E27FC236}">
-                <a16:creationId xmlns:a16="http://schemas.microsoft.com/office/drawing/2014/main" id="{3630D1C5-C52D-415D-B4C5-6045CD30563B}"/>
-              </a:ext>
-            </a:extLst>
-          </p:cNvPr>
-          <p:cNvSpPr/>
-          <p:nvPr/>
-        </p:nvSpPr>
+      <p:pic>
+        <p:nvPicPr>
+          <p:cNvPr id="5" name="Content Placeholder 4">
+            <a:extLst>
+              <a:ext uri="{FF2B5EF4-FFF2-40B4-BE49-F238E27FC236}">
+                <a16:creationId xmlns:a16="http://schemas.microsoft.com/office/drawing/2014/main" id="{A4A6AB02-EBDE-46AA-940B-271C6E3585E9}"/>
+              </a:ext>
+            </a:extLst>
+          </p:cNvPr>
+          <p:cNvPicPr>
+            <a:picLocks noGrp="1" noChangeAspect="1"/>
+          </p:cNvPicPr>
+          <p:nvPr>
+            <p:ph idx="1"/>
+          </p:nvPr>
+        </p:nvPicPr>
+        <p:blipFill>
+          <a:blip r:embed="rId2">
+            <a:extLst>
+              <a:ext uri="{28A0092B-C50C-407E-A947-70E740481C1C}">
+                <a14:useLocalDpi xmlns:a14="http://schemas.microsoft.com/office/drawing/2010/main" val="0"/>
+              </a:ext>
+            </a:extLst>
+          </a:blip>
+          <a:stretch>
+            <a:fillRect/>
+          </a:stretch>
+        </p:blipFill>
         <p:spPr>
           <a:xfrm>
-            <a:off x="3941290" y="1487272"/>
-            <a:ext cx="7892899" cy="2957861"/>
+            <a:off x="3894463" y="2260034"/>
+            <a:ext cx="7603028" cy="2337931"/>
           </a:xfrm>
           <a:prstGeom prst="rect">
             <a:avLst/>
           </a:prstGeom>
         </p:spPr>
-        <p:txBody>
-          <a:bodyPr wrap="square">
-            <a:spAutoFit/>
-          </a:bodyPr>
-          <a:lstStyle/>
-          <a:p>
-            <a:pPr marL="285750" indent="-285750">
-              <a:lnSpc>
-                <a:spcPct val="150000"/>
-              </a:lnSpc>
-              <a:buFont typeface="Wingdings" panose="05000000000000000000" pitchFamily="2" charset="2"/>
-              <a:buChar char="§"/>
-            </a:pPr>
-            <a:r>
-              <a:rPr lang="en-US" dirty="0"/>
-              <a:t>Apache Solr includes the ability to set up a cluster of Solr servers that combines fault tolerance and high availability called </a:t>
-            </a:r>
-            <a:r>
-              <a:rPr lang="en-US" dirty="0" err="1"/>
-              <a:t>SolrCloud</a:t>
-            </a:r>
-            <a:endParaRPr lang="en-US" dirty="0"/>
-          </a:p>
-          <a:p>
-            <a:pPr marL="285750" indent="-285750">
-              <a:lnSpc>
-                <a:spcPct val="150000"/>
-              </a:lnSpc>
-              <a:buFont typeface="Wingdings" panose="05000000000000000000" pitchFamily="2" charset="2"/>
-              <a:buChar char="§"/>
-            </a:pPr>
-            <a:r>
-              <a:rPr lang="en-US" dirty="0" err="1"/>
-              <a:t>SolrCloud</a:t>
-            </a:r>
-            <a:r>
-              <a:rPr lang="en-US" dirty="0"/>
-              <a:t> is flexible distributed search and Indexing, without a master node to allocate nodes, shards and replicas</a:t>
-            </a:r>
-          </a:p>
-          <a:p>
-            <a:pPr marL="285750" indent="-285750">
-              <a:lnSpc>
-                <a:spcPct val="150000"/>
-              </a:lnSpc>
-              <a:buFont typeface="Wingdings" panose="05000000000000000000" pitchFamily="2" charset="2"/>
-              <a:buChar char="§"/>
-            </a:pPr>
-            <a:r>
-              <a:rPr lang="en-US" dirty="0"/>
-              <a:t>Solr uses Zookeeper to manage these locations, depending on configuration files and schemas</a:t>
-            </a:r>
-          </a:p>
-          <a:p>
-            <a:pPr marL="285750" indent="-285750">
-              <a:lnSpc>
-                <a:spcPct val="150000"/>
-              </a:lnSpc>
-              <a:buFont typeface="Wingdings" panose="05000000000000000000" pitchFamily="2" charset="2"/>
-              <a:buChar char="§"/>
-            </a:pPr>
-            <a:r>
-              <a:rPr lang="en-US" dirty="0"/>
-              <a:t>Documents can be sent to any server and Zookeeper will figure it out</a:t>
-            </a:r>
-          </a:p>
-        </p:txBody>
-      </p:sp>
-      <p:sp>
-        <p:nvSpPr>
-          <p:cNvPr id="10" name="Footer Placeholder 5">
-            <a:extLst>
-              <a:ext uri="{FF2B5EF4-FFF2-40B4-BE49-F238E27FC236}">
-                <a16:creationId xmlns:a16="http://schemas.microsoft.com/office/drawing/2014/main" id="{CF88D165-D11B-4501-A351-D8F23A2C2C59}"/>
+      </p:pic>
+      <p:sp>
+        <p:nvSpPr>
+          <p:cNvPr id="8" name="Footer Placeholder 5">
+            <a:extLst>
+              <a:ext uri="{FF2B5EF4-FFF2-40B4-BE49-F238E27FC236}">
+                <a16:creationId xmlns:a16="http://schemas.microsoft.com/office/drawing/2014/main" id="{7AE442A5-754B-426C-9A17-6C6EAB942A40}"/>
               </a:ext>
             </a:extLst>
           </p:cNvPr>
@@ -7011,7 +7007,7 @@
     </p:spTree>
     <p:extLst>
       <p:ext uri="{BB962C8B-B14F-4D97-AF65-F5344CB8AC3E}">
-        <p14:creationId xmlns:p14="http://schemas.microsoft.com/office/powerpoint/2010/main" val="2499315330"/>
+        <p14:creationId xmlns:p14="http://schemas.microsoft.com/office/powerpoint/2010/main" val="46758237"/>
       </p:ext>
     </p:extLst>
   </p:cSld>
@@ -7196,7 +7192,7 @@
                   <a:schemeClr val="bg1"/>
                 </a:solidFill>
               </a:rPr>
-              <a:t>Features:</a:t>
+              <a:t>Solr: Cloud Introduction</a:t>
             </a:r>
             <a:endParaRPr lang="en-US" sz="2600" kern="1200" dirty="0">
               <a:solidFill>
@@ -7220,8 +7216,8 @@
         </p:nvSpPr>
         <p:spPr>
           <a:xfrm>
-            <a:off x="3888282" y="1150493"/>
-            <a:ext cx="7892899" cy="3788858"/>
+            <a:off x="3941290" y="1487272"/>
+            <a:ext cx="7892899" cy="2957861"/>
           </a:xfrm>
           <a:prstGeom prst="rect">
             <a:avLst/>
@@ -7242,16 +7238,13 @@
             </a:pPr>
             <a:r>
               <a:rPr lang="en-US" dirty="0"/>
-              <a:t>Horizontal Scaling(For </a:t>
+              <a:t>Apache Solr includes the ability to set up a cluster of Solr servers that combines fault tolerance and high availability called </a:t>
             </a:r>
             <a:r>
               <a:rPr lang="en-US" dirty="0" err="1"/>
-              <a:t>Sharding</a:t>
-            </a:r>
-            <a:r>
-              <a:rPr lang="en-US" dirty="0"/>
-              <a:t> &amp; Replication)</a:t>
-            </a:r>
+              <a:t>SolrCloud</a:t>
+            </a:r>
+            <a:endParaRPr lang="en-US" dirty="0"/>
           </a:p>
           <a:p>
             <a:pPr marL="285750" indent="-285750">
@@ -7262,8 +7255,12 @@
               <a:buChar char="§"/>
             </a:pPr>
             <a:r>
+              <a:rPr lang="en-US" dirty="0" err="1"/>
+              <a:t>SolrCloud</a:t>
+            </a:r>
+            <a:r>
               <a:rPr lang="en-US" dirty="0"/>
-              <a:t>Elastic Scaling</a:t>
+              <a:t> is flexible distributed search and Indexing, without a master node to allocate nodes, shards and replicas</a:t>
             </a:r>
           </a:p>
           <a:p>
@@ -7276,7 +7273,7 @@
             </a:pPr>
             <a:r>
               <a:rPr lang="en-US" dirty="0"/>
-              <a:t>High Availability</a:t>
+              <a:t>Solr uses Zookeeper to manage these locations, depending on configuration files and schemas</a:t>
             </a:r>
           </a:p>
           <a:p>
@@ -7289,82 +7286,17 @@
             </a:pPr>
             <a:r>
               <a:rPr lang="en-US" dirty="0"/>
-              <a:t>Distributed Indexing </a:t>
-            </a:r>
-          </a:p>
-          <a:p>
-            <a:pPr marL="285750" indent="-285750">
-              <a:lnSpc>
-                <a:spcPct val="150000"/>
-              </a:lnSpc>
-              <a:buFont typeface="Wingdings" panose="05000000000000000000" pitchFamily="2" charset="2"/>
-              <a:buChar char="§"/>
-            </a:pPr>
-            <a:r>
-              <a:rPr lang="en-US" dirty="0"/>
-              <a:t>Distributed Searching</a:t>
-            </a:r>
-          </a:p>
-          <a:p>
-            <a:pPr marL="285750" indent="-285750">
-              <a:lnSpc>
-                <a:spcPct val="150000"/>
-              </a:lnSpc>
-              <a:buFont typeface="Wingdings" panose="05000000000000000000" pitchFamily="2" charset="2"/>
-              <a:buChar char="§"/>
-            </a:pPr>
-            <a:r>
-              <a:rPr lang="en-US" dirty="0"/>
-              <a:t>Central  Configuration  for entire cluster</a:t>
-            </a:r>
-          </a:p>
-          <a:p>
-            <a:pPr marL="285750" indent="-285750">
-              <a:lnSpc>
-                <a:spcPct val="150000"/>
-              </a:lnSpc>
-              <a:buFont typeface="Wingdings" panose="05000000000000000000" pitchFamily="2" charset="2"/>
-              <a:buChar char="§"/>
-            </a:pPr>
-            <a:r>
-              <a:rPr lang="en-US" dirty="0"/>
-              <a:t>Automatic Lad Balancing</a:t>
-            </a:r>
-          </a:p>
-          <a:p>
-            <a:pPr marL="285750" indent="-285750">
-              <a:lnSpc>
-                <a:spcPct val="150000"/>
-              </a:lnSpc>
-              <a:buFont typeface="Wingdings" panose="05000000000000000000" pitchFamily="2" charset="2"/>
-              <a:buChar char="§"/>
-            </a:pPr>
-            <a:r>
-              <a:rPr lang="en-US" dirty="0"/>
-              <a:t>Automatic Failover for queries</a:t>
-            </a:r>
-          </a:p>
-          <a:p>
-            <a:pPr marL="285750" indent="-285750">
-              <a:lnSpc>
-                <a:spcPct val="150000"/>
-              </a:lnSpc>
-              <a:buFont typeface="Wingdings" panose="05000000000000000000" pitchFamily="2" charset="2"/>
-              <a:buChar char="§"/>
-            </a:pPr>
-            <a:r>
-              <a:rPr lang="en-US" dirty="0"/>
-              <a:t>Zookeeper Integration  For  Coordination &amp; Configuration</a:t>
-            </a:r>
-          </a:p>
-        </p:txBody>
-      </p:sp>
-      <p:sp>
-        <p:nvSpPr>
-          <p:cNvPr id="7" name="Footer Placeholder 5">
-            <a:extLst>
-              <a:ext uri="{FF2B5EF4-FFF2-40B4-BE49-F238E27FC236}">
-                <a16:creationId xmlns:a16="http://schemas.microsoft.com/office/drawing/2014/main" id="{C5C106F8-5A11-482E-83ED-BC2F9747674E}"/>
+              <a:t>Documents can be sent to any server and Zookeeper will figure it out</a:t>
+            </a:r>
+          </a:p>
+        </p:txBody>
+      </p:sp>
+      <p:sp>
+        <p:nvSpPr>
+          <p:cNvPr id="10" name="Footer Placeholder 5">
+            <a:extLst>
+              <a:ext uri="{FF2B5EF4-FFF2-40B4-BE49-F238E27FC236}">
+                <a16:creationId xmlns:a16="http://schemas.microsoft.com/office/drawing/2014/main" id="{CF88D165-D11B-4501-A351-D8F23A2C2C59}"/>
               </a:ext>
             </a:extLst>
           </p:cNvPr>
@@ -7428,7 +7360,7 @@
     </p:spTree>
     <p:extLst>
       <p:ext uri="{BB962C8B-B14F-4D97-AF65-F5344CB8AC3E}">
-        <p14:creationId xmlns:p14="http://schemas.microsoft.com/office/powerpoint/2010/main" val="2644297808"/>
+        <p14:creationId xmlns:p14="http://schemas.microsoft.com/office/powerpoint/2010/main" val="2499315330"/>
       </p:ext>
     </p:extLst>
   </p:cSld>
@@ -7477,10 +7409,10 @@
       </p:grpSpPr>
       <p:sp>
         <p:nvSpPr>
-          <p:cNvPr id="10" name="Rectangle 9">
-            <a:extLst>
-              <a:ext uri="{FF2B5EF4-FFF2-40B4-BE49-F238E27FC236}">
-                <a16:creationId xmlns:a16="http://schemas.microsoft.com/office/drawing/2014/main" id="{AB45A142-4255-493C-8284-5D566C121B10}"/>
+          <p:cNvPr id="19" name="Rectangle 18">
+            <a:extLst>
+              <a:ext uri="{FF2B5EF4-FFF2-40B4-BE49-F238E27FC236}">
+                <a16:creationId xmlns:a16="http://schemas.microsoft.com/office/drawing/2014/main" id="{42A5316D-ED2F-4F89-B4B4-8D9240B1A348}"/>
               </a:ext>
               <a:ext uri="{C183D7F6-B498-43B3-948B-1728B52AA6E4}">
                 <adec:decorative xmlns:adec="http://schemas.microsoft.com/office/drawing/2017/decorative" val="1"/>
@@ -7498,25 +7430,19 @@
             </p:extLst>
           </p:nvPr>
         </p:nvSpPr>
-        <p:spPr bwMode="ltGray">
+        <p:spPr>
           <a:xfrm>
-            <a:off x="336884" y="321177"/>
-            <a:ext cx="4332307" cy="6179552"/>
+            <a:off x="0" y="0"/>
+            <a:ext cx="2013557" cy="6858000"/>
           </a:xfrm>
           <a:prstGeom prst="rect">
             <a:avLst/>
           </a:prstGeom>
           <a:solidFill>
-            <a:srgbClr val="404040">
-              <a:alpha val="89804"/>
-            </a:srgbClr>
+            <a:srgbClr val="516F88"/>
           </a:solidFill>
-          <a:ln w="127000" cap="sq" cmpd="thinThick">
-            <a:solidFill>
-              <a:srgbClr val="595959">
-                <a:alpha val="80000"/>
-              </a:srgbClr>
-            </a:solidFill>
+          <a:ln>
+            <a:noFill/>
           </a:ln>
         </p:spPr>
         <p:style>
@@ -7539,8 +7465,37 @@
           <a:bodyPr rtlCol="0" anchor="ctr"/>
           <a:lstStyle/>
           <a:p>
-            <a:pPr algn="ctr"/>
-            <a:endParaRPr lang="en-US"/>
+            <a:pPr marL="0" marR="0" lvl="0" indent="0" algn="ctr" defTabSz="914400" rtl="0" eaLnBrk="1" fontAlgn="auto" latinLnBrk="0" hangingPunct="1">
+              <a:lnSpc>
+                <a:spcPct val="100000"/>
+              </a:lnSpc>
+              <a:spcBef>
+                <a:spcPts val="0"/>
+              </a:spcBef>
+              <a:spcAft>
+                <a:spcPts val="0"/>
+              </a:spcAft>
+              <a:buClrTx/>
+              <a:buSzTx/>
+              <a:buFontTx/>
+              <a:buNone/>
+              <a:tabLst/>
+              <a:defRPr/>
+            </a:pPr>
+            <a:endParaRPr kumimoji="0" lang="en-US" sz="1800" b="0" i="0" u="none" strike="noStrike" kern="1200" cap="none" spc="0" normalizeH="0" baseline="0" noProof="0">
+              <a:ln>
+                <a:noFill/>
+              </a:ln>
+              <a:solidFill>
+                <a:prstClr val="white"/>
+              </a:solidFill>
+              <a:effectLst/>
+              <a:uLnTx/>
+              <a:uFillTx/>
+              <a:latin typeface="Calibri" panose="020F0502020204030204"/>
+              <a:ea typeface="+mn-ea"/>
+              <a:cs typeface="+mn-cs"/>
+            </a:endParaRPr>
           </a:p>
         </p:txBody>
       </p:sp>
@@ -7549,7 +7504,7 @@
           <p:cNvPr id="2" name="Title 1">
             <a:extLst>
               <a:ext uri="{FF2B5EF4-FFF2-40B4-BE49-F238E27FC236}">
-                <a16:creationId xmlns:a16="http://schemas.microsoft.com/office/drawing/2014/main" id="{960C66EC-7B92-44BD-9C64-6A7F9B8419BB}"/>
+                <a16:creationId xmlns:a16="http://schemas.microsoft.com/office/drawing/2014/main" id="{9C84BC21-A227-431C-8494-06C44345EE47}"/>
               </a:ext>
             </a:extLst>
           </p:cNvPr>
@@ -7562,127 +7517,203 @@
         </p:nvSpPr>
         <p:spPr>
           <a:xfrm>
-            <a:off x="674237" y="914400"/>
-            <a:ext cx="3657600" cy="2887579"/>
+            <a:off x="694509" y="1487272"/>
+            <a:ext cx="2777561" cy="2743200"/>
           </a:xfrm>
-        </p:spPr>
-        <p:txBody>
-          <a:bodyPr vert="horz" lIns="91440" tIns="45720" rIns="91440" bIns="45720" rtlCol="0" anchor="b">
-            <a:normAutofit/>
-          </a:bodyPr>
-          <a:lstStyle/>
-          <a:p>
-            <a:pPr algn="ctr"/>
-            <a:r>
-              <a:rPr lang="en-US" sz="4800" kern="1200">
-                <a:solidFill>
-                  <a:srgbClr val="FFFFFF"/>
-                </a:solidFill>
-                <a:latin typeface="+mj-lt"/>
-                <a:ea typeface="+mj-ea"/>
-                <a:cs typeface="+mj-cs"/>
-              </a:rPr>
-              <a:t>SolrCloud</a:t>
-            </a:r>
-          </a:p>
-        </p:txBody>
-      </p:sp>
-      <p:cxnSp>
-        <p:nvCxnSpPr>
-          <p:cNvPr id="12" name="Straight Connector 11">
-            <a:extLst>
-              <a:ext uri="{FF2B5EF4-FFF2-40B4-BE49-F238E27FC236}">
-                <a16:creationId xmlns:a16="http://schemas.microsoft.com/office/drawing/2014/main" id="{38FB9660-F42F-4313-BBC4-47C007FE484C}"/>
-              </a:ext>
-              <a:ext uri="{C183D7F6-B498-43B3-948B-1728B52AA6E4}">
-                <adec:decorative xmlns:adec="http://schemas.microsoft.com/office/drawing/2017/decorative" val="1"/>
-              </a:ext>
-            </a:extLst>
-          </p:cNvPr>
-          <p:cNvCxnSpPr>
-            <a:cxnSpLocks noGrp="1" noRot="1" noChangeAspect="1" noMove="1" noResize="1" noEditPoints="1" noAdjustHandles="1" noChangeArrowheads="1" noChangeShapeType="1"/>
-          </p:cNvCxnSpPr>
-          <p:nvPr>
-            <p:extLst>
-              <p:ext uri="{386F3935-93C4-4BCD-93E2-E3B085C9AB24}">
-                <p16:designElem xmlns:p16="http://schemas.microsoft.com/office/powerpoint/2015/main" val="1"/>
-              </p:ext>
-            </p:extLst>
-          </p:nvPr>
-        </p:nvCxnSpPr>
-        <p:spPr>
-          <a:xfrm>
-            <a:off x="1191126" y="3910267"/>
-            <a:ext cx="2586790" cy="0"/>
-          </a:xfrm>
-          <a:prstGeom prst="line">
+          <a:prstGeom prst="ellipse">
             <a:avLst/>
           </a:prstGeom>
-          <a:ln w="22225">
+          <a:solidFill>
+            <a:srgbClr val="262626"/>
+          </a:solidFill>
+          <a:ln w="174625" cmpd="thinThick">
             <a:solidFill>
-              <a:srgbClr val="D9D9D9"/>
+              <a:srgbClr val="262626"/>
             </a:solidFill>
           </a:ln>
         </p:spPr>
-        <p:style>
-          <a:lnRef idx="1">
-            <a:schemeClr val="accent1"/>
-          </a:lnRef>
-          <a:fillRef idx="0">
-            <a:schemeClr val="accent1"/>
-          </a:fillRef>
-          <a:effectRef idx="0">
-            <a:schemeClr val="accent1"/>
-          </a:effectRef>
-          <a:fontRef idx="minor">
-            <a:schemeClr val="tx1"/>
-          </a:fontRef>
-        </p:style>
-      </p:cxnSp>
-      <p:pic>
-        <p:nvPicPr>
-          <p:cNvPr id="5" name="Content Placeholder 4">
-            <a:extLst>
-              <a:ext uri="{FF2B5EF4-FFF2-40B4-BE49-F238E27FC236}">
-                <a16:creationId xmlns:a16="http://schemas.microsoft.com/office/drawing/2014/main" id="{184BE605-A793-463C-B3D9-341FAD90AA73}"/>
-              </a:ext>
-            </a:extLst>
-          </p:cNvPr>
-          <p:cNvPicPr>
-            <a:picLocks noGrp="1" noChangeAspect="1"/>
-          </p:cNvPicPr>
-          <p:nvPr>
-            <p:ph idx="1"/>
-          </p:nvPr>
-        </p:nvPicPr>
-        <p:blipFill>
-          <a:blip r:embed="rId2">
-            <a:extLst>
-              <a:ext uri="{28A0092B-C50C-407E-A947-70E740481C1C}">
-                <a14:useLocalDpi xmlns:a14="http://schemas.microsoft.com/office/drawing/2010/main" val="0"/>
-              </a:ext>
-            </a:extLst>
-          </a:blip>
-          <a:stretch>
-            <a:fillRect/>
-          </a:stretch>
-        </p:blipFill>
+        <p:txBody>
+          <a:bodyPr vert="horz" lIns="91440" tIns="45720" rIns="91440" bIns="45720" rtlCol="0">
+            <a:normAutofit/>
+          </a:bodyPr>
+          <a:lstStyle/>
+          <a:p>
+            <a:pPr algn="ctr"/>
+            <a:r>
+              <a:rPr lang="en-US" sz="2800" dirty="0">
+                <a:solidFill>
+                  <a:schemeClr val="bg1"/>
+                </a:solidFill>
+              </a:rPr>
+              <a:t>Features:</a:t>
+            </a:r>
+            <a:endParaRPr lang="en-US" sz="2600" kern="1200" dirty="0">
+              <a:solidFill>
+                <a:schemeClr val="bg1"/>
+              </a:solidFill>
+            </a:endParaRPr>
+          </a:p>
+        </p:txBody>
+      </p:sp>
+      <p:sp>
+        <p:nvSpPr>
+          <p:cNvPr id="6" name="Rectangle 5">
+            <a:extLst>
+              <a:ext uri="{FF2B5EF4-FFF2-40B4-BE49-F238E27FC236}">
+                <a16:creationId xmlns:a16="http://schemas.microsoft.com/office/drawing/2014/main" id="{3630D1C5-C52D-415D-B4C5-6045CD30563B}"/>
+              </a:ext>
+            </a:extLst>
+          </p:cNvPr>
+          <p:cNvSpPr/>
+          <p:nvPr/>
+        </p:nvSpPr>
         <p:spPr>
           <a:xfrm>
-            <a:off x="5153822" y="1450524"/>
-            <a:ext cx="6553545" cy="3964894"/>
+            <a:off x="3888282" y="1150493"/>
+            <a:ext cx="7892899" cy="3788858"/>
           </a:xfrm>
           <a:prstGeom prst="rect">
             <a:avLst/>
           </a:prstGeom>
         </p:spPr>
-      </p:pic>
-      <p:sp>
-        <p:nvSpPr>
-          <p:cNvPr id="8" name="Footer Placeholder 5">
-            <a:extLst>
-              <a:ext uri="{FF2B5EF4-FFF2-40B4-BE49-F238E27FC236}">
-                <a16:creationId xmlns:a16="http://schemas.microsoft.com/office/drawing/2014/main" id="{04B47747-4E4A-43E6-8F9F-67D53EFA1DEC}"/>
+        <p:txBody>
+          <a:bodyPr wrap="square">
+            <a:spAutoFit/>
+          </a:bodyPr>
+          <a:lstStyle/>
+          <a:p>
+            <a:pPr marL="285750" indent="-285750">
+              <a:lnSpc>
+                <a:spcPct val="150000"/>
+              </a:lnSpc>
+              <a:buFont typeface="Wingdings" panose="05000000000000000000" pitchFamily="2" charset="2"/>
+              <a:buChar char="§"/>
+            </a:pPr>
+            <a:r>
+              <a:rPr lang="en-US" dirty="0"/>
+              <a:t>Horizontal Scaling(For </a:t>
+            </a:r>
+            <a:r>
+              <a:rPr lang="en-US" dirty="0" err="1"/>
+              <a:t>Sharding</a:t>
+            </a:r>
+            <a:r>
+              <a:rPr lang="en-US" dirty="0"/>
+              <a:t> &amp; Replication)</a:t>
+            </a:r>
+          </a:p>
+          <a:p>
+            <a:pPr marL="285750" indent="-285750">
+              <a:lnSpc>
+                <a:spcPct val="150000"/>
+              </a:lnSpc>
+              <a:buFont typeface="Wingdings" panose="05000000000000000000" pitchFamily="2" charset="2"/>
+              <a:buChar char="§"/>
+            </a:pPr>
+            <a:r>
+              <a:rPr lang="en-US" dirty="0"/>
+              <a:t>Elastic Scaling</a:t>
+            </a:r>
+          </a:p>
+          <a:p>
+            <a:pPr marL="285750" indent="-285750">
+              <a:lnSpc>
+                <a:spcPct val="150000"/>
+              </a:lnSpc>
+              <a:buFont typeface="Wingdings" panose="05000000000000000000" pitchFamily="2" charset="2"/>
+              <a:buChar char="§"/>
+            </a:pPr>
+            <a:r>
+              <a:rPr lang="en-US" dirty="0"/>
+              <a:t>High Availability</a:t>
+            </a:r>
+          </a:p>
+          <a:p>
+            <a:pPr marL="285750" indent="-285750">
+              <a:lnSpc>
+                <a:spcPct val="150000"/>
+              </a:lnSpc>
+              <a:buFont typeface="Wingdings" panose="05000000000000000000" pitchFamily="2" charset="2"/>
+              <a:buChar char="§"/>
+            </a:pPr>
+            <a:r>
+              <a:rPr lang="en-US" dirty="0"/>
+              <a:t>Distributed Indexing </a:t>
+            </a:r>
+          </a:p>
+          <a:p>
+            <a:pPr marL="285750" indent="-285750">
+              <a:lnSpc>
+                <a:spcPct val="150000"/>
+              </a:lnSpc>
+              <a:buFont typeface="Wingdings" panose="05000000000000000000" pitchFamily="2" charset="2"/>
+              <a:buChar char="§"/>
+            </a:pPr>
+            <a:r>
+              <a:rPr lang="en-US" dirty="0"/>
+              <a:t>Distributed Searching</a:t>
+            </a:r>
+          </a:p>
+          <a:p>
+            <a:pPr marL="285750" indent="-285750">
+              <a:lnSpc>
+                <a:spcPct val="150000"/>
+              </a:lnSpc>
+              <a:buFont typeface="Wingdings" panose="05000000000000000000" pitchFamily="2" charset="2"/>
+              <a:buChar char="§"/>
+            </a:pPr>
+            <a:r>
+              <a:rPr lang="en-US" dirty="0"/>
+              <a:t>Central  Configuration  for entire cluster</a:t>
+            </a:r>
+          </a:p>
+          <a:p>
+            <a:pPr marL="285750" indent="-285750">
+              <a:lnSpc>
+                <a:spcPct val="150000"/>
+              </a:lnSpc>
+              <a:buFont typeface="Wingdings" panose="05000000000000000000" pitchFamily="2" charset="2"/>
+              <a:buChar char="§"/>
+            </a:pPr>
+            <a:r>
+              <a:rPr lang="en-US" dirty="0"/>
+              <a:t>Automatic Lad Balancing</a:t>
+            </a:r>
+          </a:p>
+          <a:p>
+            <a:pPr marL="285750" indent="-285750">
+              <a:lnSpc>
+                <a:spcPct val="150000"/>
+              </a:lnSpc>
+              <a:buFont typeface="Wingdings" panose="05000000000000000000" pitchFamily="2" charset="2"/>
+              <a:buChar char="§"/>
+            </a:pPr>
+            <a:r>
+              <a:rPr lang="en-US" dirty="0"/>
+              <a:t>Automatic Failover for queries</a:t>
+            </a:r>
+          </a:p>
+          <a:p>
+            <a:pPr marL="285750" indent="-285750">
+              <a:lnSpc>
+                <a:spcPct val="150000"/>
+              </a:lnSpc>
+              <a:buFont typeface="Wingdings" panose="05000000000000000000" pitchFamily="2" charset="2"/>
+              <a:buChar char="§"/>
+            </a:pPr>
+            <a:r>
+              <a:rPr lang="en-US" dirty="0"/>
+              <a:t>Zookeeper Integration  For  Coordination &amp; Configuration</a:t>
+            </a:r>
+          </a:p>
+        </p:txBody>
+      </p:sp>
+      <p:sp>
+        <p:nvSpPr>
+          <p:cNvPr id="7" name="Footer Placeholder 5">
+            <a:extLst>
+              <a:ext uri="{FF2B5EF4-FFF2-40B4-BE49-F238E27FC236}">
+                <a16:creationId xmlns:a16="http://schemas.microsoft.com/office/drawing/2014/main" id="{C5C106F8-5A11-482E-83ED-BC2F9747674E}"/>
               </a:ext>
             </a:extLst>
           </p:cNvPr>
@@ -7746,7 +7777,7 @@
     </p:spTree>
     <p:extLst>
       <p:ext uri="{BB962C8B-B14F-4D97-AF65-F5344CB8AC3E}">
-        <p14:creationId xmlns:p14="http://schemas.microsoft.com/office/powerpoint/2010/main" val="3291461225"/>
+        <p14:creationId xmlns:p14="http://schemas.microsoft.com/office/powerpoint/2010/main" val="2644297808"/>
       </p:ext>
     </p:extLst>
   </p:cSld>
@@ -7795,6 +7826,682 @@
       </p:grpSpPr>
       <p:sp>
         <p:nvSpPr>
+          <p:cNvPr id="10" name="Rectangle 9">
+            <a:extLst>
+              <a:ext uri="{FF2B5EF4-FFF2-40B4-BE49-F238E27FC236}">
+                <a16:creationId xmlns:a16="http://schemas.microsoft.com/office/drawing/2014/main" id="{AB45A142-4255-493C-8284-5D566C121B10}"/>
+              </a:ext>
+              <a:ext uri="{C183D7F6-B498-43B3-948B-1728B52AA6E4}">
+                <adec:decorative xmlns:adec="http://schemas.microsoft.com/office/drawing/2017/decorative" val="1"/>
+              </a:ext>
+            </a:extLst>
+          </p:cNvPr>
+          <p:cNvSpPr>
+            <a:spLocks noGrp="1" noRot="1" noChangeAspect="1" noMove="1" noResize="1" noEditPoints="1" noAdjustHandles="1" noChangeArrowheads="1" noChangeShapeType="1" noTextEdit="1"/>
+          </p:cNvSpPr>
+          <p:nvPr>
+            <p:extLst>
+              <p:ext uri="{386F3935-93C4-4BCD-93E2-E3B085C9AB24}">
+                <p16:designElem xmlns:p16="http://schemas.microsoft.com/office/powerpoint/2015/main" val="1"/>
+              </p:ext>
+            </p:extLst>
+          </p:nvPr>
+        </p:nvSpPr>
+        <p:spPr bwMode="ltGray">
+          <a:xfrm>
+            <a:off x="336884" y="321177"/>
+            <a:ext cx="4332307" cy="6179552"/>
+          </a:xfrm>
+          <a:prstGeom prst="rect">
+            <a:avLst/>
+          </a:prstGeom>
+          <a:solidFill>
+            <a:srgbClr val="404040">
+              <a:alpha val="89804"/>
+            </a:srgbClr>
+          </a:solidFill>
+          <a:ln w="127000" cap="sq" cmpd="thinThick">
+            <a:solidFill>
+              <a:srgbClr val="595959">
+                <a:alpha val="80000"/>
+              </a:srgbClr>
+            </a:solidFill>
+          </a:ln>
+        </p:spPr>
+        <p:style>
+          <a:lnRef idx="2">
+            <a:schemeClr val="accent1">
+              <a:shade val="50000"/>
+            </a:schemeClr>
+          </a:lnRef>
+          <a:fillRef idx="1">
+            <a:schemeClr val="accent1"/>
+          </a:fillRef>
+          <a:effectRef idx="0">
+            <a:schemeClr val="accent1"/>
+          </a:effectRef>
+          <a:fontRef idx="minor">
+            <a:schemeClr val="lt1"/>
+          </a:fontRef>
+        </p:style>
+        <p:txBody>
+          <a:bodyPr rtlCol="0" anchor="ctr"/>
+          <a:lstStyle/>
+          <a:p>
+            <a:pPr algn="ctr"/>
+            <a:endParaRPr lang="en-US"/>
+          </a:p>
+        </p:txBody>
+      </p:sp>
+      <p:sp>
+        <p:nvSpPr>
+          <p:cNvPr id="2" name="Title 1">
+            <a:extLst>
+              <a:ext uri="{FF2B5EF4-FFF2-40B4-BE49-F238E27FC236}">
+                <a16:creationId xmlns:a16="http://schemas.microsoft.com/office/drawing/2014/main" id="{960C66EC-7B92-44BD-9C64-6A7F9B8419BB}"/>
+              </a:ext>
+            </a:extLst>
+          </p:cNvPr>
+          <p:cNvSpPr>
+            <a:spLocks noGrp="1"/>
+          </p:cNvSpPr>
+          <p:nvPr>
+            <p:ph type="title"/>
+          </p:nvPr>
+        </p:nvSpPr>
+        <p:spPr>
+          <a:xfrm>
+            <a:off x="674237" y="914400"/>
+            <a:ext cx="3657600" cy="2887579"/>
+          </a:xfrm>
+        </p:spPr>
+        <p:txBody>
+          <a:bodyPr vert="horz" lIns="91440" tIns="45720" rIns="91440" bIns="45720" rtlCol="0" anchor="b">
+            <a:normAutofit/>
+          </a:bodyPr>
+          <a:lstStyle/>
+          <a:p>
+            <a:pPr algn="ctr"/>
+            <a:r>
+              <a:rPr lang="en-US" sz="4800" kern="1200">
+                <a:solidFill>
+                  <a:srgbClr val="FFFFFF"/>
+                </a:solidFill>
+                <a:latin typeface="+mj-lt"/>
+                <a:ea typeface="+mj-ea"/>
+                <a:cs typeface="+mj-cs"/>
+              </a:rPr>
+              <a:t>SolrCloud</a:t>
+            </a:r>
+          </a:p>
+        </p:txBody>
+      </p:sp>
+      <p:cxnSp>
+        <p:nvCxnSpPr>
+          <p:cNvPr id="12" name="Straight Connector 11">
+            <a:extLst>
+              <a:ext uri="{FF2B5EF4-FFF2-40B4-BE49-F238E27FC236}">
+                <a16:creationId xmlns:a16="http://schemas.microsoft.com/office/drawing/2014/main" id="{38FB9660-F42F-4313-BBC4-47C007FE484C}"/>
+              </a:ext>
+              <a:ext uri="{C183D7F6-B498-43B3-948B-1728B52AA6E4}">
+                <adec:decorative xmlns:adec="http://schemas.microsoft.com/office/drawing/2017/decorative" val="1"/>
+              </a:ext>
+            </a:extLst>
+          </p:cNvPr>
+          <p:cNvCxnSpPr>
+            <a:cxnSpLocks noGrp="1" noRot="1" noChangeAspect="1" noMove="1" noResize="1" noEditPoints="1" noAdjustHandles="1" noChangeArrowheads="1" noChangeShapeType="1"/>
+          </p:cNvCxnSpPr>
+          <p:nvPr>
+            <p:extLst>
+              <p:ext uri="{386F3935-93C4-4BCD-93E2-E3B085C9AB24}">
+                <p16:designElem xmlns:p16="http://schemas.microsoft.com/office/powerpoint/2015/main" val="1"/>
+              </p:ext>
+            </p:extLst>
+          </p:nvPr>
+        </p:nvCxnSpPr>
+        <p:spPr>
+          <a:xfrm>
+            <a:off x="1191126" y="3910267"/>
+            <a:ext cx="2586790" cy="0"/>
+          </a:xfrm>
+          <a:prstGeom prst="line">
+            <a:avLst/>
+          </a:prstGeom>
+          <a:ln w="22225">
+            <a:solidFill>
+              <a:srgbClr val="D9D9D9"/>
+            </a:solidFill>
+          </a:ln>
+        </p:spPr>
+        <p:style>
+          <a:lnRef idx="1">
+            <a:schemeClr val="accent1"/>
+          </a:lnRef>
+          <a:fillRef idx="0">
+            <a:schemeClr val="accent1"/>
+          </a:fillRef>
+          <a:effectRef idx="0">
+            <a:schemeClr val="accent1"/>
+          </a:effectRef>
+          <a:fontRef idx="minor">
+            <a:schemeClr val="tx1"/>
+          </a:fontRef>
+        </p:style>
+      </p:cxnSp>
+      <p:pic>
+        <p:nvPicPr>
+          <p:cNvPr id="5" name="Content Placeholder 4">
+            <a:extLst>
+              <a:ext uri="{FF2B5EF4-FFF2-40B4-BE49-F238E27FC236}">
+                <a16:creationId xmlns:a16="http://schemas.microsoft.com/office/drawing/2014/main" id="{184BE605-A793-463C-B3D9-341FAD90AA73}"/>
+              </a:ext>
+            </a:extLst>
+          </p:cNvPr>
+          <p:cNvPicPr>
+            <a:picLocks noGrp="1" noChangeAspect="1"/>
+          </p:cNvPicPr>
+          <p:nvPr>
+            <p:ph idx="1"/>
+          </p:nvPr>
+        </p:nvPicPr>
+        <p:blipFill>
+          <a:blip r:embed="rId2">
+            <a:extLst>
+              <a:ext uri="{28A0092B-C50C-407E-A947-70E740481C1C}">
+                <a14:useLocalDpi xmlns:a14="http://schemas.microsoft.com/office/drawing/2010/main" val="0"/>
+              </a:ext>
+            </a:extLst>
+          </a:blip>
+          <a:stretch>
+            <a:fillRect/>
+          </a:stretch>
+        </p:blipFill>
+        <p:spPr>
+          <a:xfrm>
+            <a:off x="5153822" y="1450524"/>
+            <a:ext cx="6553545" cy="3964894"/>
+          </a:xfrm>
+          <a:prstGeom prst="rect">
+            <a:avLst/>
+          </a:prstGeom>
+        </p:spPr>
+      </p:pic>
+      <p:sp>
+        <p:nvSpPr>
+          <p:cNvPr id="8" name="Footer Placeholder 5">
+            <a:extLst>
+              <a:ext uri="{FF2B5EF4-FFF2-40B4-BE49-F238E27FC236}">
+                <a16:creationId xmlns:a16="http://schemas.microsoft.com/office/drawing/2014/main" id="{04B47747-4E4A-43E6-8F9F-67D53EFA1DEC}"/>
+              </a:ext>
+            </a:extLst>
+          </p:cNvPr>
+          <p:cNvSpPr>
+            <a:spLocks noGrp="1"/>
+          </p:cNvSpPr>
+          <p:nvPr>
+            <p:ph type="ftr" sz="quarter" idx="11"/>
+          </p:nvPr>
+        </p:nvSpPr>
+        <p:spPr>
+          <a:xfrm>
+            <a:off x="8341578" y="6399588"/>
+            <a:ext cx="4114800" cy="365125"/>
+          </a:xfrm>
+        </p:spPr>
+        <p:txBody>
+          <a:bodyPr/>
+          <a:lstStyle/>
+          <a:p>
+            <a:r>
+              <a:rPr lang="en-US" sz="1400" dirty="0" err="1">
+                <a:solidFill>
+                  <a:schemeClr val="tx1">
+                    <a:lumMod val="50000"/>
+                  </a:schemeClr>
+                </a:solidFill>
+              </a:rPr>
+              <a:t>Vamsee</a:t>
+            </a:r>
+            <a:r>
+              <a:rPr lang="en-US" sz="1400" dirty="0">
+                <a:solidFill>
+                  <a:schemeClr val="tx1">
+                    <a:lumMod val="50000"/>
+                  </a:schemeClr>
+                </a:solidFill>
+              </a:rPr>
+              <a:t> Krishna </a:t>
+            </a:r>
+            <a:r>
+              <a:rPr lang="en-US" sz="1400" dirty="0" err="1">
+                <a:solidFill>
+                  <a:schemeClr val="tx1">
+                    <a:lumMod val="50000"/>
+                  </a:schemeClr>
+                </a:solidFill>
+              </a:rPr>
+              <a:t>Gangapatnam</a:t>
+            </a:r>
+            <a:endParaRPr lang="en-US" sz="1400" dirty="0">
+              <a:solidFill>
+                <a:schemeClr val="tx1">
+                  <a:lumMod val="50000"/>
+                </a:schemeClr>
+              </a:solidFill>
+            </a:endParaRPr>
+          </a:p>
+        </p:txBody>
+      </p:sp>
+    </p:spTree>
+    <p:extLst>
+      <p:ext uri="{BB962C8B-B14F-4D97-AF65-F5344CB8AC3E}">
+        <p14:creationId xmlns:p14="http://schemas.microsoft.com/office/powerpoint/2010/main" val="3291461225"/>
+      </p:ext>
+    </p:extLst>
+  </p:cSld>
+  <p:clrMapOvr>
+    <a:masterClrMapping/>
+  </p:clrMapOvr>
+  <mc:AlternateContent xmlns:mc="http://schemas.openxmlformats.org/markup-compatibility/2006" xmlns:p15="http://schemas.microsoft.com/office/powerpoint/2012/main">
+    <mc:Choice Requires="p15">
+      <p:transition xmlns:p14="http://schemas.microsoft.com/office/powerpoint/2010/main" spd="slow" p14:dur="1250">
+        <p15:prstTrans prst="pageCurlDouble"/>
+      </p:transition>
+    </mc:Choice>
+    <mc:Fallback xmlns="">
+      <p:transition spd="slow">
+        <p:fade/>
+      </p:transition>
+    </mc:Fallback>
+  </mc:AlternateContent>
+</p:sld>
+</file>
+
+<file path=ppt/slides/slide2.xml><?xml version="1.0" encoding="utf-8"?>
+<p:sld xmlns:a="http://schemas.openxmlformats.org/drawingml/2006/main" xmlns:r="http://schemas.openxmlformats.org/officeDocument/2006/relationships" xmlns:p="http://schemas.openxmlformats.org/presentationml/2006/main">
+  <p:cSld>
+    <p:spTree>
+      <p:nvGrpSpPr>
+        <p:cNvPr id="1" name=""/>
+        <p:cNvGrpSpPr/>
+        <p:nvPr/>
+      </p:nvGrpSpPr>
+      <p:grpSpPr>
+        <a:xfrm>
+          <a:off x="0" y="0"/>
+          <a:ext cx="0" cy="0"/>
+          <a:chOff x="0" y="0"/>
+          <a:chExt cx="0" cy="0"/>
+        </a:xfrm>
+      </p:grpSpPr>
+      <p:sp>
+        <p:nvSpPr>
+          <p:cNvPr id="2" name="Title 1">
+            <a:extLst>
+              <a:ext uri="{FF2B5EF4-FFF2-40B4-BE49-F238E27FC236}">
+                <a16:creationId xmlns:a16="http://schemas.microsoft.com/office/drawing/2014/main" id="{06BAB046-B3C6-408A-B845-753BE410A5D0}"/>
+              </a:ext>
+            </a:extLst>
+          </p:cNvPr>
+          <p:cNvSpPr>
+            <a:spLocks noGrp="1"/>
+          </p:cNvSpPr>
+          <p:nvPr>
+            <p:ph type="title"/>
+          </p:nvPr>
+        </p:nvSpPr>
+        <p:spPr/>
+        <p:txBody>
+          <a:bodyPr/>
+          <a:lstStyle/>
+          <a:p>
+            <a:r>
+              <a:rPr lang="en-US" dirty="0"/>
+              <a:t>Team Members</a:t>
+            </a:r>
+          </a:p>
+        </p:txBody>
+      </p:sp>
+      <p:pic>
+        <p:nvPicPr>
+          <p:cNvPr id="4" name="Google Shape;139;p14">
+            <a:extLst>
+              <a:ext uri="{FF2B5EF4-FFF2-40B4-BE49-F238E27FC236}">
+                <a16:creationId xmlns:a16="http://schemas.microsoft.com/office/drawing/2014/main" id="{1D1AA235-EC12-44A7-9F7A-D36929514235}"/>
+              </a:ext>
+            </a:extLst>
+          </p:cNvPr>
+          <p:cNvPicPr preferRelativeResize="0">
+            <a:picLocks noGrp="1"/>
+          </p:cNvPicPr>
+          <p:nvPr>
+            <p:ph idx="1"/>
+          </p:nvPr>
+        </p:nvPicPr>
+        <p:blipFill>
+          <a:blip r:embed="rId2">
+            <a:alphaModFix/>
+          </a:blip>
+          <a:stretch>
+            <a:fillRect/>
+          </a:stretch>
+        </p:blipFill>
+        <p:spPr>
+          <a:xfrm>
+            <a:off x="490301" y="1586473"/>
+            <a:ext cx="2490548" cy="3320095"/>
+          </a:xfrm>
+          <a:prstGeom prst="rect">
+            <a:avLst/>
+          </a:prstGeom>
+          <a:noFill/>
+          <a:ln>
+            <a:noFill/>
+          </a:ln>
+        </p:spPr>
+      </p:pic>
+      <p:pic>
+        <p:nvPicPr>
+          <p:cNvPr id="6" name="Picture 5" descr="A person smiling for the camera&#10;&#10;Description automatically generated">
+            <a:extLst>
+              <a:ext uri="{FF2B5EF4-FFF2-40B4-BE49-F238E27FC236}">
+                <a16:creationId xmlns:a16="http://schemas.microsoft.com/office/drawing/2014/main" id="{49129CE8-95BF-48AF-A8B1-23886E59E0CB}"/>
+              </a:ext>
+            </a:extLst>
+          </p:cNvPr>
+          <p:cNvPicPr>
+            <a:picLocks noChangeAspect="1"/>
+          </p:cNvPicPr>
+          <p:nvPr/>
+        </p:nvPicPr>
+        <p:blipFill>
+          <a:blip r:embed="rId3">
+            <a:extLst>
+              <a:ext uri="{28A0092B-C50C-407E-A947-70E740481C1C}">
+                <a14:useLocalDpi xmlns:a14="http://schemas.microsoft.com/office/drawing/2010/main" val="0"/>
+              </a:ext>
+            </a:extLst>
+          </a:blip>
+          <a:stretch>
+            <a:fillRect/>
+          </a:stretch>
+        </p:blipFill>
+        <p:spPr>
+          <a:xfrm>
+            <a:off x="3397187" y="1585839"/>
+            <a:ext cx="2435779" cy="3320730"/>
+          </a:xfrm>
+          <a:prstGeom prst="rect">
+            <a:avLst/>
+          </a:prstGeom>
+        </p:spPr>
+      </p:pic>
+      <p:pic>
+        <p:nvPicPr>
+          <p:cNvPr id="8" name="Picture 7" descr="A person posing for the camera&#10;&#10;Description automatically generated">
+            <a:extLst>
+              <a:ext uri="{FF2B5EF4-FFF2-40B4-BE49-F238E27FC236}">
+                <a16:creationId xmlns:a16="http://schemas.microsoft.com/office/drawing/2014/main" id="{6EDBD245-C7AC-4CA5-8B97-34A4C1EF5F3F}"/>
+              </a:ext>
+            </a:extLst>
+          </p:cNvPr>
+          <p:cNvPicPr>
+            <a:picLocks noChangeAspect="1"/>
+          </p:cNvPicPr>
+          <p:nvPr/>
+        </p:nvPicPr>
+        <p:blipFill>
+          <a:blip r:embed="rId4">
+            <a:extLst>
+              <a:ext uri="{28A0092B-C50C-407E-A947-70E740481C1C}">
+                <a14:useLocalDpi xmlns:a14="http://schemas.microsoft.com/office/drawing/2010/main" val="0"/>
+              </a:ext>
+            </a:extLst>
+          </a:blip>
+          <a:stretch>
+            <a:fillRect/>
+          </a:stretch>
+        </p:blipFill>
+        <p:spPr>
+          <a:xfrm>
+            <a:off x="6249304" y="1585839"/>
+            <a:ext cx="2490548" cy="3320730"/>
+          </a:xfrm>
+          <a:prstGeom prst="rect">
+            <a:avLst/>
+          </a:prstGeom>
+        </p:spPr>
+      </p:pic>
+      <p:pic>
+        <p:nvPicPr>
+          <p:cNvPr id="10" name="Picture 9" descr="A person standing in front of a microphone&#10;&#10;Description automatically generated">
+            <a:extLst>
+              <a:ext uri="{FF2B5EF4-FFF2-40B4-BE49-F238E27FC236}">
+                <a16:creationId xmlns:a16="http://schemas.microsoft.com/office/drawing/2014/main" id="{DC3E82F1-BA08-430B-AAA7-F5DF62DEDF20}"/>
+              </a:ext>
+            </a:extLst>
+          </p:cNvPr>
+          <p:cNvPicPr>
+            <a:picLocks noChangeAspect="1"/>
+          </p:cNvPicPr>
+          <p:nvPr/>
+        </p:nvPicPr>
+        <p:blipFill>
+          <a:blip r:embed="rId5">
+            <a:extLst>
+              <a:ext uri="{28A0092B-C50C-407E-A947-70E740481C1C}">
+                <a14:useLocalDpi xmlns:a14="http://schemas.microsoft.com/office/drawing/2010/main" val="0"/>
+              </a:ext>
+            </a:extLst>
+          </a:blip>
+          <a:stretch>
+            <a:fillRect/>
+          </a:stretch>
+        </p:blipFill>
+        <p:spPr>
+          <a:xfrm>
+            <a:off x="9156191" y="1585839"/>
+            <a:ext cx="2613948" cy="3320730"/>
+          </a:xfrm>
+          <a:prstGeom prst="rect">
+            <a:avLst/>
+          </a:prstGeom>
+        </p:spPr>
+      </p:pic>
+      <p:sp>
+        <p:nvSpPr>
+          <p:cNvPr id="12" name="TextBox 11">
+            <a:extLst>
+              <a:ext uri="{FF2B5EF4-FFF2-40B4-BE49-F238E27FC236}">
+                <a16:creationId xmlns:a16="http://schemas.microsoft.com/office/drawing/2014/main" id="{0BC30194-615A-47AB-A99B-F323F777CEEF}"/>
+              </a:ext>
+            </a:extLst>
+          </p:cNvPr>
+          <p:cNvSpPr txBox="1"/>
+          <p:nvPr/>
+        </p:nvSpPr>
+        <p:spPr>
+          <a:xfrm>
+            <a:off x="838200" y="5148775"/>
+            <a:ext cx="1802733" cy="369332"/>
+          </a:xfrm>
+          <a:prstGeom prst="rect">
+            <a:avLst/>
+          </a:prstGeom>
+          <a:noFill/>
+        </p:spPr>
+        <p:txBody>
+          <a:bodyPr wrap="square" rtlCol="0">
+            <a:spAutoFit/>
+          </a:bodyPr>
+          <a:lstStyle/>
+          <a:p>
+            <a:r>
+              <a:rPr lang="en-US" dirty="0"/>
+              <a:t>Hari Priya Jupally</a:t>
+            </a:r>
+          </a:p>
+        </p:txBody>
+      </p:sp>
+      <p:sp>
+        <p:nvSpPr>
+          <p:cNvPr id="13" name="TextBox 12">
+            <a:extLst>
+              <a:ext uri="{FF2B5EF4-FFF2-40B4-BE49-F238E27FC236}">
+                <a16:creationId xmlns:a16="http://schemas.microsoft.com/office/drawing/2014/main" id="{88188658-066B-4F2B-88E7-3B756E489A7F}"/>
+              </a:ext>
+            </a:extLst>
+          </p:cNvPr>
+          <p:cNvSpPr txBox="1"/>
+          <p:nvPr/>
+        </p:nvSpPr>
+        <p:spPr>
+          <a:xfrm>
+            <a:off x="9353629" y="5148775"/>
+            <a:ext cx="2219072" cy="369332"/>
+          </a:xfrm>
+          <a:prstGeom prst="rect">
+            <a:avLst/>
+          </a:prstGeom>
+          <a:noFill/>
+        </p:spPr>
+        <p:txBody>
+          <a:bodyPr wrap="square" rtlCol="0">
+            <a:spAutoFit/>
+          </a:bodyPr>
+          <a:lstStyle/>
+          <a:p>
+            <a:r>
+              <a:rPr lang="en-US" dirty="0"/>
+              <a:t>Harish Reddy Vavilala</a:t>
+            </a:r>
+          </a:p>
+        </p:txBody>
+      </p:sp>
+      <p:sp>
+        <p:nvSpPr>
+          <p:cNvPr id="14" name="TextBox 13">
+            <a:extLst>
+              <a:ext uri="{FF2B5EF4-FFF2-40B4-BE49-F238E27FC236}">
+                <a16:creationId xmlns:a16="http://schemas.microsoft.com/office/drawing/2014/main" id="{E06DDFA7-CE5E-4464-B767-FB7397968F9D}"/>
+              </a:ext>
+            </a:extLst>
+          </p:cNvPr>
+          <p:cNvSpPr txBox="1"/>
+          <p:nvPr/>
+        </p:nvSpPr>
+        <p:spPr>
+          <a:xfrm>
+            <a:off x="6064545" y="5159939"/>
+            <a:ext cx="3091646" cy="369332"/>
+          </a:xfrm>
+          <a:prstGeom prst="rect">
+            <a:avLst/>
+          </a:prstGeom>
+          <a:noFill/>
+        </p:spPr>
+        <p:txBody>
+          <a:bodyPr wrap="square" rtlCol="0">
+            <a:spAutoFit/>
+          </a:bodyPr>
+          <a:lstStyle/>
+          <a:p>
+            <a:r>
+              <a:rPr lang="en-US" dirty="0" err="1"/>
+              <a:t>Vamsee</a:t>
+            </a:r>
+            <a:r>
+              <a:rPr lang="en-US" dirty="0"/>
+              <a:t> Krishna </a:t>
+            </a:r>
+            <a:r>
+              <a:rPr lang="en-US" dirty="0" err="1"/>
+              <a:t>Gangapatnam</a:t>
+            </a:r>
+            <a:endParaRPr lang="en-US" dirty="0"/>
+          </a:p>
+        </p:txBody>
+      </p:sp>
+      <p:sp>
+        <p:nvSpPr>
+          <p:cNvPr id="15" name="TextBox 14">
+            <a:extLst>
+              <a:ext uri="{FF2B5EF4-FFF2-40B4-BE49-F238E27FC236}">
+                <a16:creationId xmlns:a16="http://schemas.microsoft.com/office/drawing/2014/main" id="{2FD8B894-8978-47FD-8999-A523A7ECEFB8}"/>
+              </a:ext>
+            </a:extLst>
+          </p:cNvPr>
+          <p:cNvSpPr txBox="1"/>
+          <p:nvPr/>
+        </p:nvSpPr>
+        <p:spPr>
+          <a:xfrm>
+            <a:off x="3713709" y="5159939"/>
+            <a:ext cx="1802733" cy="369332"/>
+          </a:xfrm>
+          <a:prstGeom prst="rect">
+            <a:avLst/>
+          </a:prstGeom>
+          <a:noFill/>
+        </p:spPr>
+        <p:txBody>
+          <a:bodyPr wrap="square" rtlCol="0">
+            <a:spAutoFit/>
+          </a:bodyPr>
+          <a:lstStyle/>
+          <a:p>
+            <a:r>
+              <a:rPr lang="en-US" dirty="0"/>
+              <a:t>Akshara </a:t>
+            </a:r>
+            <a:r>
+              <a:rPr lang="en-US" dirty="0" err="1"/>
+              <a:t>Gurram</a:t>
+            </a:r>
+            <a:endParaRPr lang="en-US" dirty="0"/>
+          </a:p>
+        </p:txBody>
+      </p:sp>
+    </p:spTree>
+    <p:extLst>
+      <p:ext uri="{BB962C8B-B14F-4D97-AF65-F5344CB8AC3E}">
+        <p14:creationId xmlns:p14="http://schemas.microsoft.com/office/powerpoint/2010/main" val="2644306961"/>
+      </p:ext>
+    </p:extLst>
+  </p:cSld>
+  <p:clrMapOvr>
+    <a:masterClrMapping/>
+  </p:clrMapOvr>
+</p:sld>
+</file>
+
+<file path=ppt/slides/slide20.xml><?xml version="1.0" encoding="utf-8"?>
+<p:sld xmlns:a="http://schemas.openxmlformats.org/drawingml/2006/main" xmlns:r="http://schemas.openxmlformats.org/officeDocument/2006/relationships" xmlns:p="http://schemas.openxmlformats.org/presentationml/2006/main">
+  <p:cSld>
+    <p:bg>
+      <p:bgPr>
+        <a:solidFill>
+          <a:schemeClr val="bg1"/>
+        </a:solidFill>
+        <a:effectLst/>
+      </p:bgPr>
+    </p:bg>
+    <p:spTree>
+      <p:nvGrpSpPr>
+        <p:cNvPr id="1" name=""/>
+        <p:cNvGrpSpPr/>
+        <p:nvPr/>
+      </p:nvGrpSpPr>
+      <p:grpSpPr>
+        <a:xfrm>
+          <a:off x="0" y="0"/>
+          <a:ext cx="0" cy="0"/>
+          <a:chOff x="0" y="0"/>
+          <a:chExt cx="0" cy="0"/>
+        </a:xfrm>
+      </p:grpSpPr>
+      <p:sp>
+        <p:nvSpPr>
           <p:cNvPr id="19" name="Rectangle 18">
             <a:extLst>
               <a:ext uri="{FF2B5EF4-FFF2-40B4-BE49-F238E27FC236}">
@@ -8073,461 +8780,7 @@
 </p:sld>
 </file>
 
-<file path=ppt/slides/slide2.xml><?xml version="1.0" encoding="utf-8"?>
-<p:sld xmlns:a="http://schemas.openxmlformats.org/drawingml/2006/main" xmlns:r="http://schemas.openxmlformats.org/officeDocument/2006/relationships" xmlns:p="http://schemas.openxmlformats.org/presentationml/2006/main">
-  <p:cSld>
-    <p:bg>
-      <p:bgPr>
-        <a:solidFill>
-          <a:schemeClr val="bg1"/>
-        </a:solidFill>
-        <a:effectLst/>
-      </p:bgPr>
-    </p:bg>
-    <p:spTree>
-      <p:nvGrpSpPr>
-        <p:cNvPr id="1" name=""/>
-        <p:cNvGrpSpPr/>
-        <p:nvPr/>
-      </p:nvGrpSpPr>
-      <p:grpSpPr>
-        <a:xfrm>
-          <a:off x="0" y="0"/>
-          <a:ext cx="0" cy="0"/>
-          <a:chOff x="0" y="0"/>
-          <a:chExt cx="0" cy="0"/>
-        </a:xfrm>
-      </p:grpSpPr>
-      <p:sp>
-        <p:nvSpPr>
-          <p:cNvPr id="19" name="Rectangle 18">
-            <a:extLst>
-              <a:ext uri="{FF2B5EF4-FFF2-40B4-BE49-F238E27FC236}">
-                <a16:creationId xmlns:a16="http://schemas.microsoft.com/office/drawing/2014/main" id="{42A5316D-ED2F-4F89-B4B4-8D9240B1A348}"/>
-              </a:ext>
-              <a:ext uri="{C183D7F6-B498-43B3-948B-1728B52AA6E4}">
-                <adec:decorative xmlns:adec="http://schemas.microsoft.com/office/drawing/2017/decorative" val="1"/>
-              </a:ext>
-            </a:extLst>
-          </p:cNvPr>
-          <p:cNvSpPr>
-            <a:spLocks noGrp="1" noRot="1" noChangeAspect="1" noMove="1" noResize="1" noEditPoints="1" noAdjustHandles="1" noChangeArrowheads="1" noChangeShapeType="1" noTextEdit="1"/>
-          </p:cNvSpPr>
-          <p:nvPr>
-            <p:extLst>
-              <p:ext uri="{386F3935-93C4-4BCD-93E2-E3B085C9AB24}">
-                <p16:designElem xmlns:p16="http://schemas.microsoft.com/office/powerpoint/2015/main" val="1"/>
-              </p:ext>
-            </p:extLst>
-          </p:nvPr>
-        </p:nvSpPr>
-        <p:spPr>
-          <a:xfrm>
-            <a:off x="0" y="0"/>
-            <a:ext cx="2013557" cy="6858000"/>
-          </a:xfrm>
-          <a:prstGeom prst="rect">
-            <a:avLst/>
-          </a:prstGeom>
-          <a:solidFill>
-            <a:srgbClr val="516F88"/>
-          </a:solidFill>
-          <a:ln>
-            <a:noFill/>
-          </a:ln>
-        </p:spPr>
-        <p:style>
-          <a:lnRef idx="2">
-            <a:schemeClr val="accent1">
-              <a:shade val="50000"/>
-            </a:schemeClr>
-          </a:lnRef>
-          <a:fillRef idx="1">
-            <a:schemeClr val="accent1"/>
-          </a:fillRef>
-          <a:effectRef idx="0">
-            <a:schemeClr val="accent1"/>
-          </a:effectRef>
-          <a:fontRef idx="minor">
-            <a:schemeClr val="lt1"/>
-          </a:fontRef>
-        </p:style>
-        <p:txBody>
-          <a:bodyPr rtlCol="0" anchor="ctr"/>
-          <a:lstStyle/>
-          <a:p>
-            <a:pPr marL="0" marR="0" lvl="0" indent="0" algn="ctr" defTabSz="914400" rtl="0" eaLnBrk="1" fontAlgn="auto" latinLnBrk="0" hangingPunct="1">
-              <a:lnSpc>
-                <a:spcPct val="100000"/>
-              </a:lnSpc>
-              <a:spcBef>
-                <a:spcPts val="0"/>
-              </a:spcBef>
-              <a:spcAft>
-                <a:spcPts val="0"/>
-              </a:spcAft>
-              <a:buClrTx/>
-              <a:buSzTx/>
-              <a:buFontTx/>
-              <a:buNone/>
-              <a:tabLst/>
-              <a:defRPr/>
-            </a:pPr>
-            <a:endParaRPr kumimoji="0" lang="en-US" sz="1800" b="0" i="0" u="none" strike="noStrike" kern="1200" cap="none" spc="0" normalizeH="0" baseline="0" noProof="0">
-              <a:ln>
-                <a:noFill/>
-              </a:ln>
-              <a:solidFill>
-                <a:prstClr val="white"/>
-              </a:solidFill>
-              <a:effectLst/>
-              <a:uLnTx/>
-              <a:uFillTx/>
-              <a:latin typeface="Calibri" panose="020F0502020204030204"/>
-              <a:ea typeface="+mn-ea"/>
-              <a:cs typeface="+mn-cs"/>
-            </a:endParaRPr>
-          </a:p>
-        </p:txBody>
-      </p:sp>
-      <p:sp>
-        <p:nvSpPr>
-          <p:cNvPr id="2" name="Title 1">
-            <a:extLst>
-              <a:ext uri="{FF2B5EF4-FFF2-40B4-BE49-F238E27FC236}">
-                <a16:creationId xmlns:a16="http://schemas.microsoft.com/office/drawing/2014/main" id="{9C84BC21-A227-431C-8494-06C44345EE47}"/>
-              </a:ext>
-            </a:extLst>
-          </p:cNvPr>
-          <p:cNvSpPr>
-            <a:spLocks noGrp="1"/>
-          </p:cNvSpPr>
-          <p:nvPr>
-            <p:ph type="title"/>
-          </p:nvPr>
-        </p:nvSpPr>
-        <p:spPr>
-          <a:xfrm>
-            <a:off x="694510" y="1487272"/>
-            <a:ext cx="2743200" cy="2743200"/>
-          </a:xfrm>
-          <a:prstGeom prst="ellipse">
-            <a:avLst/>
-          </a:prstGeom>
-          <a:solidFill>
-            <a:srgbClr val="262626"/>
-          </a:solidFill>
-          <a:ln w="174625" cmpd="thinThick">
-            <a:solidFill>
-              <a:srgbClr val="262626"/>
-            </a:solidFill>
-          </a:ln>
-        </p:spPr>
-        <p:txBody>
-          <a:bodyPr vert="horz" lIns="91440" tIns="45720" rIns="91440" bIns="45720" rtlCol="0">
-            <a:normAutofit/>
-          </a:bodyPr>
-          <a:lstStyle/>
-          <a:p>
-            <a:pPr algn="ctr"/>
-            <a:r>
-              <a:rPr lang="en-US" sz="2800" dirty="0">
-                <a:solidFill>
-                  <a:schemeClr val="bg1"/>
-                </a:solidFill>
-              </a:rPr>
-              <a:t>Topics To be Discussed</a:t>
-            </a:r>
-            <a:r>
-              <a:rPr lang="en-US" sz="2800" dirty="0"/>
-              <a:t>:</a:t>
-            </a:r>
-            <a:endParaRPr lang="en-US" sz="2600" kern="1200" dirty="0">
-              <a:solidFill>
-                <a:srgbClr val="FFFFFF"/>
-              </a:solidFill>
-              <a:latin typeface="+mj-lt"/>
-              <a:ea typeface="+mj-ea"/>
-              <a:cs typeface="+mj-cs"/>
-            </a:endParaRPr>
-          </a:p>
-        </p:txBody>
-      </p:sp>
-      <p:sp>
-        <p:nvSpPr>
-          <p:cNvPr id="6" name="Rectangle 5">
-            <a:extLst>
-              <a:ext uri="{FF2B5EF4-FFF2-40B4-BE49-F238E27FC236}">
-                <a16:creationId xmlns:a16="http://schemas.microsoft.com/office/drawing/2014/main" id="{3630D1C5-C52D-415D-B4C5-6045CD30563B}"/>
-              </a:ext>
-            </a:extLst>
-          </p:cNvPr>
-          <p:cNvSpPr/>
-          <p:nvPr/>
-        </p:nvSpPr>
-        <p:spPr>
-          <a:xfrm>
-            <a:off x="3967796" y="275849"/>
-            <a:ext cx="7529694" cy="7109639"/>
-          </a:xfrm>
-          <a:prstGeom prst="rect">
-            <a:avLst/>
-          </a:prstGeom>
-        </p:spPr>
-        <p:txBody>
-          <a:bodyPr wrap="square">
-            <a:spAutoFit/>
-          </a:bodyPr>
-          <a:lstStyle/>
-          <a:p>
-            <a:pPr>
-              <a:buFont typeface="Wingdings" panose="05000000000000000000" pitchFamily="2" charset="2"/>
-              <a:buChar char="§"/>
-            </a:pPr>
-            <a:r>
-              <a:rPr lang="en-US" sz="2400" dirty="0"/>
-              <a:t> Solr Introduction</a:t>
-            </a:r>
-          </a:p>
-          <a:p>
-            <a:pPr>
-              <a:buFont typeface="Wingdings" panose="05000000000000000000" pitchFamily="2" charset="2"/>
-              <a:buChar char="§"/>
-            </a:pPr>
-            <a:r>
-              <a:rPr lang="en-US" sz="2400" dirty="0"/>
-              <a:t> Solr : History</a:t>
-            </a:r>
-          </a:p>
-          <a:p>
-            <a:pPr>
-              <a:buFont typeface="Wingdings" panose="05000000000000000000" pitchFamily="2" charset="2"/>
-              <a:buChar char="§"/>
-            </a:pPr>
-            <a:r>
-              <a:rPr lang="en-US" sz="2400" dirty="0"/>
-              <a:t> Solr : Key Features</a:t>
-            </a:r>
-          </a:p>
-          <a:p>
-            <a:pPr>
-              <a:buFont typeface="Wingdings" panose="05000000000000000000" pitchFamily="2" charset="2"/>
-              <a:buChar char="§"/>
-            </a:pPr>
-            <a:r>
-              <a:rPr lang="en-US" sz="2400" dirty="0"/>
-              <a:t> Solr : Architecture</a:t>
-            </a:r>
-          </a:p>
-          <a:p>
-            <a:pPr>
-              <a:buFont typeface="Wingdings" panose="05000000000000000000" pitchFamily="2" charset="2"/>
-              <a:buChar char="§"/>
-            </a:pPr>
-            <a:r>
-              <a:rPr lang="en-US" sz="2400" dirty="0"/>
-              <a:t> Solr Admin UI</a:t>
-            </a:r>
-          </a:p>
-          <a:p>
-            <a:pPr>
-              <a:buFont typeface="Wingdings" panose="05000000000000000000" pitchFamily="2" charset="2"/>
-              <a:buChar char="§"/>
-            </a:pPr>
-            <a:r>
-              <a:rPr lang="en-US" sz="2400" dirty="0"/>
-              <a:t> Solr Schema Hierarchy</a:t>
-            </a:r>
-          </a:p>
-          <a:p>
-            <a:pPr>
-              <a:buFont typeface="Wingdings" panose="05000000000000000000" pitchFamily="2" charset="2"/>
-              <a:buChar char="§"/>
-            </a:pPr>
-            <a:r>
-              <a:rPr lang="en-US" sz="2400" dirty="0"/>
-              <a:t> Solr Core</a:t>
-            </a:r>
-          </a:p>
-          <a:p>
-            <a:pPr>
-              <a:buFont typeface="Wingdings" panose="05000000000000000000" pitchFamily="2" charset="2"/>
-              <a:buChar char="§"/>
-            </a:pPr>
-            <a:r>
-              <a:rPr lang="en-US" sz="2400" dirty="0"/>
-              <a:t> Solr Documents and Fields</a:t>
-            </a:r>
-          </a:p>
-          <a:p>
-            <a:pPr>
-              <a:buFont typeface="Wingdings" panose="05000000000000000000" pitchFamily="2" charset="2"/>
-              <a:buChar char="§"/>
-            </a:pPr>
-            <a:r>
-              <a:rPr lang="en-US" sz="2400" dirty="0"/>
-              <a:t> Solr Indexing Data</a:t>
-            </a:r>
-          </a:p>
-          <a:p>
-            <a:pPr>
-              <a:buFont typeface="Wingdings" panose="05000000000000000000" pitchFamily="2" charset="2"/>
-              <a:buChar char="§"/>
-            </a:pPr>
-            <a:r>
-              <a:rPr lang="en-US" sz="2400" dirty="0"/>
-              <a:t> Solr Analysis</a:t>
-            </a:r>
-          </a:p>
-          <a:p>
-            <a:pPr>
-              <a:buFont typeface="Wingdings" panose="05000000000000000000" pitchFamily="2" charset="2"/>
-              <a:buChar char="§"/>
-            </a:pPr>
-            <a:r>
-              <a:rPr lang="en-US" sz="2400" dirty="0"/>
-              <a:t> Solr Search Process</a:t>
-            </a:r>
-          </a:p>
-          <a:p>
-            <a:pPr>
-              <a:buFont typeface="Wingdings" panose="05000000000000000000" pitchFamily="2" charset="2"/>
-              <a:buChar char="§"/>
-            </a:pPr>
-            <a:r>
-              <a:rPr lang="en-US" sz="2400" dirty="0"/>
-              <a:t> Solr Features</a:t>
-            </a:r>
-          </a:p>
-          <a:p>
-            <a:pPr>
-              <a:buFont typeface="Wingdings" panose="05000000000000000000" pitchFamily="2" charset="2"/>
-              <a:buChar char="§"/>
-            </a:pPr>
-            <a:r>
-              <a:rPr lang="en-US" sz="2400" dirty="0"/>
-              <a:t> Configuring Solr Instances/Core</a:t>
-            </a:r>
-          </a:p>
-          <a:p>
-            <a:pPr>
-              <a:buFont typeface="Wingdings" panose="05000000000000000000" pitchFamily="2" charset="2"/>
-              <a:buChar char="§"/>
-            </a:pPr>
-            <a:r>
-              <a:rPr lang="en-US" sz="2400" dirty="0"/>
-              <a:t> Solr Cloud Introduction</a:t>
-            </a:r>
-          </a:p>
-          <a:p>
-            <a:pPr>
-              <a:buFont typeface="Wingdings" panose="05000000000000000000" pitchFamily="2" charset="2"/>
-              <a:buChar char="§"/>
-            </a:pPr>
-            <a:r>
-              <a:rPr lang="en-US" sz="2400" dirty="0"/>
-              <a:t> Features </a:t>
-            </a:r>
-          </a:p>
-          <a:p>
-            <a:pPr>
-              <a:buFont typeface="Wingdings" panose="05000000000000000000" pitchFamily="2" charset="2"/>
-              <a:buChar char="§"/>
-            </a:pPr>
-            <a:r>
-              <a:rPr lang="en-US" sz="2400" dirty="0"/>
-              <a:t> Architecture</a:t>
-            </a:r>
-          </a:p>
-          <a:p>
-            <a:pPr>
-              <a:buFont typeface="Wingdings" panose="05000000000000000000" pitchFamily="2" charset="2"/>
-              <a:buChar char="§"/>
-            </a:pPr>
-            <a:r>
-              <a:rPr lang="en-US" sz="2400" dirty="0"/>
-              <a:t> Job Trends for Apache Solr</a:t>
-            </a:r>
-          </a:p>
-          <a:p>
-            <a:endParaRPr lang="en-US" sz="2400" dirty="0"/>
-          </a:p>
-          <a:p>
-            <a:pPr>
-              <a:buFont typeface="Wingdings" panose="05000000000000000000" pitchFamily="2" charset="2"/>
-              <a:buChar char="§"/>
-            </a:pPr>
-            <a:endParaRPr lang="en-US" sz="2400" dirty="0"/>
-          </a:p>
-        </p:txBody>
-      </p:sp>
-      <p:sp>
-        <p:nvSpPr>
-          <p:cNvPr id="8" name="Footer Placeholder 5">
-            <a:extLst>
-              <a:ext uri="{FF2B5EF4-FFF2-40B4-BE49-F238E27FC236}">
-                <a16:creationId xmlns:a16="http://schemas.microsoft.com/office/drawing/2014/main" id="{AEC6328B-CDC2-48BD-81C8-1495B4007B26}"/>
-              </a:ext>
-            </a:extLst>
-          </p:cNvPr>
-          <p:cNvSpPr>
-            <a:spLocks noGrp="1"/>
-          </p:cNvSpPr>
-          <p:nvPr>
-            <p:ph type="ftr" sz="quarter" idx="11"/>
-          </p:nvPr>
-        </p:nvSpPr>
-        <p:spPr>
-          <a:xfrm>
-            <a:off x="8341578" y="6399588"/>
-            <a:ext cx="4114800" cy="365125"/>
-          </a:xfrm>
-        </p:spPr>
-        <p:txBody>
-          <a:bodyPr/>
-          <a:lstStyle/>
-          <a:p>
-            <a:r>
-              <a:rPr lang="en-US" sz="1400" dirty="0"/>
-              <a:t>Hari Priya </a:t>
-            </a:r>
-            <a:r>
-              <a:rPr lang="en-US" sz="1400" dirty="0" err="1"/>
-              <a:t>Jupally</a:t>
-            </a:r>
-            <a:r>
-              <a:rPr lang="en-US" sz="1400" dirty="0"/>
-              <a:t> </a:t>
-            </a:r>
-          </a:p>
-        </p:txBody>
-      </p:sp>
-    </p:spTree>
-    <p:extLst>
-      <p:ext uri="{BB962C8B-B14F-4D97-AF65-F5344CB8AC3E}">
-        <p14:creationId xmlns:p14="http://schemas.microsoft.com/office/powerpoint/2010/main" val="2981693710"/>
-      </p:ext>
-    </p:extLst>
-  </p:cSld>
-  <p:clrMapOvr>
-    <a:masterClrMapping/>
-  </p:clrMapOvr>
-  <mc:AlternateContent xmlns:mc="http://schemas.openxmlformats.org/markup-compatibility/2006" xmlns:p15="http://schemas.microsoft.com/office/powerpoint/2012/main">
-    <mc:Choice Requires="p15">
-      <p:transition xmlns:p14="http://schemas.microsoft.com/office/powerpoint/2010/main" spd="slow" p14:dur="1250">
-        <p15:prstTrans prst="peelOff"/>
-      </p:transition>
-    </mc:Choice>
-    <mc:Fallback xmlns="">
-      <p:transition spd="slow">
-        <p:fade/>
-      </p:transition>
-    </mc:Fallback>
-  </mc:AlternateContent>
-</p:sld>
-</file>
-
-<file path=ppt/slides/slide20.xml><?xml version="1.0" encoding="utf-8"?>
+<file path=ppt/slides/slide21.xml><?xml version="1.0" encoding="utf-8"?>
 <p:sld xmlns:a="http://schemas.openxmlformats.org/drawingml/2006/main" xmlns:r="http://schemas.openxmlformats.org/officeDocument/2006/relationships" xmlns:p="http://schemas.openxmlformats.org/presentationml/2006/main">
   <p:cSld>
     <p:spTree>
@@ -8571,12 +8824,8 @@
           <a:lstStyle/>
           <a:p>
             <a:r>
-              <a:rPr lang="en-US"/>
-              <a:t>Demo</a:t>
-            </a:r>
-            <a:r>
               <a:rPr lang="en-US" dirty="0"/>
-              <a:t>….!!</a:t>
+              <a:t>Demo….!!</a:t>
             </a:r>
           </a:p>
         </p:txBody>
@@ -8991,7 +9240,7 @@
 </p:sld>
 </file>
 
-<file path=ppt/slides/slide21.xml><?xml version="1.0" encoding="utf-8"?>
+<file path=ppt/slides/slide22.xml><?xml version="1.0" encoding="utf-8"?>
 <p:sld xmlns:a="http://schemas.openxmlformats.org/drawingml/2006/main" xmlns:r="http://schemas.openxmlformats.org/officeDocument/2006/relationships" xmlns:p="http://schemas.openxmlformats.org/presentationml/2006/main">
   <p:cSld>
     <p:spTree>
@@ -9010,6 +9259,398 @@
       </p:grpSpPr>
       <p:sp>
         <p:nvSpPr>
+          <p:cNvPr id="4" name="Title 1">
+            <a:extLst>
+              <a:ext uri="{FF2B5EF4-FFF2-40B4-BE49-F238E27FC236}">
+                <a16:creationId xmlns:a16="http://schemas.microsoft.com/office/drawing/2014/main" id="{ABB591F7-7AF4-4CC8-9874-9E3FDDF1AFAB}"/>
+              </a:ext>
+            </a:extLst>
+          </p:cNvPr>
+          <p:cNvSpPr>
+            <a:spLocks noGrp="1"/>
+          </p:cNvSpPr>
+          <p:nvPr>
+            <p:ph type="title"/>
+          </p:nvPr>
+        </p:nvSpPr>
+        <p:spPr>
+          <a:xfrm>
+            <a:off x="2875721" y="1126642"/>
+            <a:ext cx="7809119" cy="2852737"/>
+          </a:xfrm>
+        </p:spPr>
+        <p:txBody>
+          <a:bodyPr/>
+          <a:lstStyle/>
+          <a:p>
+            <a:r>
+              <a:rPr lang="en-US" dirty="0"/>
+              <a:t>Any Questions ??</a:t>
+            </a:r>
+          </a:p>
+        </p:txBody>
+      </p:sp>
+    </p:spTree>
+    <p:extLst>
+      <p:ext uri="{BB962C8B-B14F-4D97-AF65-F5344CB8AC3E}">
+        <p14:creationId xmlns:p14="http://schemas.microsoft.com/office/powerpoint/2010/main" val="3584349759"/>
+      </p:ext>
+    </p:extLst>
+  </p:cSld>
+  <p:clrMapOvr>
+    <a:masterClrMapping/>
+  </p:clrMapOvr>
+  <p:timing>
+    <p:tnLst>
+      <p:par>
+        <p:cTn id="1" dur="indefinite" restart="never" nodeType="tmRoot">
+          <p:childTnLst>
+            <p:seq concurrent="1" nextAc="seek">
+              <p:cTn id="2" dur="indefinite" nodeType="mainSeq">
+                <p:childTnLst>
+                  <p:par>
+                    <p:cTn id="3" fill="hold">
+                      <p:stCondLst>
+                        <p:cond delay="indefinite"/>
+                      </p:stCondLst>
+                      <p:childTnLst>
+                        <p:par>
+                          <p:cTn id="4" fill="hold">
+                            <p:stCondLst>
+                              <p:cond delay="0"/>
+                            </p:stCondLst>
+                            <p:childTnLst>
+                              <p:par>
+                                <p:cTn id="5" presetID="26" presetClass="entr" presetSubtype="0" fill="hold" grpId="0" nodeType="clickEffect">
+                                  <p:stCondLst>
+                                    <p:cond delay="0"/>
+                                  </p:stCondLst>
+                                  <p:childTnLst>
+                                    <p:set>
+                                      <p:cBhvr>
+                                        <p:cTn id="6" dur="1" fill="hold">
+                                          <p:stCondLst>
+                                            <p:cond delay="0"/>
+                                          </p:stCondLst>
+                                        </p:cTn>
+                                        <p:tgtEl>
+                                          <p:spTgt spid="4"/>
+                                        </p:tgtEl>
+                                        <p:attrNameLst>
+                                          <p:attrName>style.visibility</p:attrName>
+                                        </p:attrNameLst>
+                                      </p:cBhvr>
+                                      <p:to>
+                                        <p:strVal val="visible"/>
+                                      </p:to>
+                                    </p:set>
+                                    <p:animEffect transition="in" filter="wipe(down)">
+                                      <p:cBhvr>
+                                        <p:cTn id="7" dur="580">
+                                          <p:stCondLst>
+                                            <p:cond delay="0"/>
+                                          </p:stCondLst>
+                                        </p:cTn>
+                                        <p:tgtEl>
+                                          <p:spTgt spid="4"/>
+                                        </p:tgtEl>
+                                      </p:cBhvr>
+                                    </p:animEffect>
+                                    <p:anim calcmode="lin" valueType="num">
+                                      <p:cBhvr>
+                                        <p:cTn id="8" dur="1822" tmFilter="0,0; 0.14,0.36; 0.43,0.73; 0.71,0.91; 1.0,1.0">
+                                          <p:stCondLst>
+                                            <p:cond delay="0"/>
+                                          </p:stCondLst>
+                                        </p:cTn>
+                                        <p:tgtEl>
+                                          <p:spTgt spid="4"/>
+                                        </p:tgtEl>
+                                        <p:attrNameLst>
+                                          <p:attrName>ppt_x</p:attrName>
+                                        </p:attrNameLst>
+                                      </p:cBhvr>
+                                      <p:tavLst>
+                                        <p:tav tm="0">
+                                          <p:val>
+                                            <p:strVal val="#ppt_x-0.25"/>
+                                          </p:val>
+                                        </p:tav>
+                                        <p:tav tm="100000">
+                                          <p:val>
+                                            <p:strVal val="#ppt_x"/>
+                                          </p:val>
+                                        </p:tav>
+                                      </p:tavLst>
+                                    </p:anim>
+                                    <p:anim calcmode="lin" valueType="num">
+                                      <p:cBhvr>
+                                        <p:cTn id="9" dur="664" tmFilter="0.0,0.0; 0.25,0.07; 0.50,0.2; 0.75,0.467; 1.0,1.0">
+                                          <p:stCondLst>
+                                            <p:cond delay="0"/>
+                                          </p:stCondLst>
+                                        </p:cTn>
+                                        <p:tgtEl>
+                                          <p:spTgt spid="4"/>
+                                        </p:tgtEl>
+                                        <p:attrNameLst>
+                                          <p:attrName>ppt_y</p:attrName>
+                                        </p:attrNameLst>
+                                      </p:cBhvr>
+                                      <p:tavLst>
+                                        <p:tav tm="0" fmla="#ppt_y-sin(pi*$)/3">
+                                          <p:val>
+                                            <p:fltVal val="0.5"/>
+                                          </p:val>
+                                        </p:tav>
+                                        <p:tav tm="100000">
+                                          <p:val>
+                                            <p:fltVal val="1"/>
+                                          </p:val>
+                                        </p:tav>
+                                      </p:tavLst>
+                                    </p:anim>
+                                    <p:anim calcmode="lin" valueType="num">
+                                      <p:cBhvr>
+                                        <p:cTn id="10" dur="664" tmFilter="0, 0; 0.125,0.2665; 0.25,0.4; 0.375,0.465; 0.5,0.5;  0.625,0.535; 0.75,0.6; 0.875,0.7335; 1,1">
+                                          <p:stCondLst>
+                                            <p:cond delay="664"/>
+                                          </p:stCondLst>
+                                        </p:cTn>
+                                        <p:tgtEl>
+                                          <p:spTgt spid="4"/>
+                                        </p:tgtEl>
+                                        <p:attrNameLst>
+                                          <p:attrName>ppt_y</p:attrName>
+                                        </p:attrNameLst>
+                                      </p:cBhvr>
+                                      <p:tavLst>
+                                        <p:tav tm="0" fmla="#ppt_y-sin(pi*$)/9">
+                                          <p:val>
+                                            <p:fltVal val="0"/>
+                                          </p:val>
+                                        </p:tav>
+                                        <p:tav tm="100000">
+                                          <p:val>
+                                            <p:fltVal val="1"/>
+                                          </p:val>
+                                        </p:tav>
+                                      </p:tavLst>
+                                    </p:anim>
+                                    <p:anim calcmode="lin" valueType="num">
+                                      <p:cBhvr>
+                                        <p:cTn id="11" dur="332" tmFilter="0, 0; 0.125,0.2665; 0.25,0.4; 0.375,0.465; 0.5,0.5;  0.625,0.535; 0.75,0.6; 0.875,0.7335; 1,1">
+                                          <p:stCondLst>
+                                            <p:cond delay="1324"/>
+                                          </p:stCondLst>
+                                        </p:cTn>
+                                        <p:tgtEl>
+                                          <p:spTgt spid="4"/>
+                                        </p:tgtEl>
+                                        <p:attrNameLst>
+                                          <p:attrName>ppt_y</p:attrName>
+                                        </p:attrNameLst>
+                                      </p:cBhvr>
+                                      <p:tavLst>
+                                        <p:tav tm="0" fmla="#ppt_y-sin(pi*$)/27">
+                                          <p:val>
+                                            <p:fltVal val="0"/>
+                                          </p:val>
+                                        </p:tav>
+                                        <p:tav tm="100000">
+                                          <p:val>
+                                            <p:fltVal val="1"/>
+                                          </p:val>
+                                        </p:tav>
+                                      </p:tavLst>
+                                    </p:anim>
+                                    <p:anim calcmode="lin" valueType="num">
+                                      <p:cBhvr>
+                                        <p:cTn id="12" dur="164" tmFilter="0, 0; 0.125,0.2665; 0.25,0.4; 0.375,0.465; 0.5,0.5;  0.625,0.535; 0.75,0.6; 0.875,0.7335; 1,1">
+                                          <p:stCondLst>
+                                            <p:cond delay="1656"/>
+                                          </p:stCondLst>
+                                        </p:cTn>
+                                        <p:tgtEl>
+                                          <p:spTgt spid="4"/>
+                                        </p:tgtEl>
+                                        <p:attrNameLst>
+                                          <p:attrName>ppt_y</p:attrName>
+                                        </p:attrNameLst>
+                                      </p:cBhvr>
+                                      <p:tavLst>
+                                        <p:tav tm="0" fmla="#ppt_y-sin(pi*$)/81">
+                                          <p:val>
+                                            <p:fltVal val="0"/>
+                                          </p:val>
+                                        </p:tav>
+                                        <p:tav tm="100000">
+                                          <p:val>
+                                            <p:fltVal val="1"/>
+                                          </p:val>
+                                        </p:tav>
+                                      </p:tavLst>
+                                    </p:anim>
+                                    <p:animScale>
+                                      <p:cBhvr>
+                                        <p:cTn id="13" dur="26">
+                                          <p:stCondLst>
+                                            <p:cond delay="650"/>
+                                          </p:stCondLst>
+                                        </p:cTn>
+                                        <p:tgtEl>
+                                          <p:spTgt spid="4"/>
+                                        </p:tgtEl>
+                                      </p:cBhvr>
+                                      <p:to x="100000" y="60000"/>
+                                    </p:animScale>
+                                    <p:animScale>
+                                      <p:cBhvr>
+                                        <p:cTn id="14" dur="166" decel="50000">
+                                          <p:stCondLst>
+                                            <p:cond delay="676"/>
+                                          </p:stCondLst>
+                                        </p:cTn>
+                                        <p:tgtEl>
+                                          <p:spTgt spid="4"/>
+                                        </p:tgtEl>
+                                      </p:cBhvr>
+                                      <p:to x="100000" y="100000"/>
+                                    </p:animScale>
+                                    <p:animScale>
+                                      <p:cBhvr>
+                                        <p:cTn id="15" dur="26">
+                                          <p:stCondLst>
+                                            <p:cond delay="1312"/>
+                                          </p:stCondLst>
+                                        </p:cTn>
+                                        <p:tgtEl>
+                                          <p:spTgt spid="4"/>
+                                        </p:tgtEl>
+                                      </p:cBhvr>
+                                      <p:to x="100000" y="80000"/>
+                                    </p:animScale>
+                                    <p:animScale>
+                                      <p:cBhvr>
+                                        <p:cTn id="16" dur="166" decel="50000">
+                                          <p:stCondLst>
+                                            <p:cond delay="1338"/>
+                                          </p:stCondLst>
+                                        </p:cTn>
+                                        <p:tgtEl>
+                                          <p:spTgt spid="4"/>
+                                        </p:tgtEl>
+                                      </p:cBhvr>
+                                      <p:to x="100000" y="100000"/>
+                                    </p:animScale>
+                                    <p:animScale>
+                                      <p:cBhvr>
+                                        <p:cTn id="17" dur="26">
+                                          <p:stCondLst>
+                                            <p:cond delay="1642"/>
+                                          </p:stCondLst>
+                                        </p:cTn>
+                                        <p:tgtEl>
+                                          <p:spTgt spid="4"/>
+                                        </p:tgtEl>
+                                      </p:cBhvr>
+                                      <p:to x="100000" y="90000"/>
+                                    </p:animScale>
+                                    <p:animScale>
+                                      <p:cBhvr>
+                                        <p:cTn id="18" dur="166" decel="50000">
+                                          <p:stCondLst>
+                                            <p:cond delay="1668"/>
+                                          </p:stCondLst>
+                                        </p:cTn>
+                                        <p:tgtEl>
+                                          <p:spTgt spid="4"/>
+                                        </p:tgtEl>
+                                      </p:cBhvr>
+                                      <p:to x="100000" y="100000"/>
+                                    </p:animScale>
+                                    <p:animScale>
+                                      <p:cBhvr>
+                                        <p:cTn id="19" dur="26">
+                                          <p:stCondLst>
+                                            <p:cond delay="1808"/>
+                                          </p:stCondLst>
+                                        </p:cTn>
+                                        <p:tgtEl>
+                                          <p:spTgt spid="4"/>
+                                        </p:tgtEl>
+                                      </p:cBhvr>
+                                      <p:to x="100000" y="95000"/>
+                                    </p:animScale>
+                                    <p:animScale>
+                                      <p:cBhvr>
+                                        <p:cTn id="20" dur="166" decel="50000">
+                                          <p:stCondLst>
+                                            <p:cond delay="1834"/>
+                                          </p:stCondLst>
+                                        </p:cTn>
+                                        <p:tgtEl>
+                                          <p:spTgt spid="4"/>
+                                        </p:tgtEl>
+                                      </p:cBhvr>
+                                      <p:to x="100000" y="100000"/>
+                                    </p:animScale>
+                                  </p:childTnLst>
+                                </p:cTn>
+                              </p:par>
+                            </p:childTnLst>
+                          </p:cTn>
+                        </p:par>
+                      </p:childTnLst>
+                    </p:cTn>
+                  </p:par>
+                </p:childTnLst>
+              </p:cTn>
+              <p:prevCondLst>
+                <p:cond evt="onPrev" delay="0">
+                  <p:tgtEl>
+                    <p:sldTgt/>
+                  </p:tgtEl>
+                </p:cond>
+              </p:prevCondLst>
+              <p:nextCondLst>
+                <p:cond evt="onNext" delay="0">
+                  <p:tgtEl>
+                    <p:sldTgt/>
+                  </p:tgtEl>
+                </p:cond>
+              </p:nextCondLst>
+            </p:seq>
+          </p:childTnLst>
+        </p:cTn>
+      </p:par>
+    </p:tnLst>
+    <p:bldLst>
+      <p:bldP spid="4" grpId="0"/>
+    </p:bldLst>
+  </p:timing>
+</p:sld>
+</file>
+
+<file path=ppt/slides/slide23.xml><?xml version="1.0" encoding="utf-8"?>
+<p:sld xmlns:a="http://schemas.openxmlformats.org/drawingml/2006/main" xmlns:r="http://schemas.openxmlformats.org/officeDocument/2006/relationships" xmlns:p="http://schemas.openxmlformats.org/presentationml/2006/main">
+  <p:cSld>
+    <p:spTree>
+      <p:nvGrpSpPr>
+        <p:cNvPr id="1" name=""/>
+        <p:cNvGrpSpPr/>
+        <p:nvPr/>
+      </p:nvGrpSpPr>
+      <p:grpSpPr>
+        <a:xfrm>
+          <a:off x="0" y="0"/>
+          <a:ext cx="0" cy="0"/>
+          <a:chOff x="0" y="0"/>
+          <a:chExt cx="0" cy="0"/>
+        </a:xfrm>
+      </p:grpSpPr>
+      <p:sp>
+        <p:nvSpPr>
           <p:cNvPr id="2" name="Title 1">
             <a:extLst>
               <a:ext uri="{FF2B5EF4-FFF2-40B4-BE49-F238E27FC236}">
@@ -9036,7 +9677,7 @@
           <a:p>
             <a:r>
               <a:rPr lang="en-US" dirty="0"/>
-              <a:t>Thank you…!!!!</a:t>
+              <a:t>Thank you…!!!</a:t>
             </a:r>
           </a:p>
         </p:txBody>
@@ -9586,8 +10227,8 @@
         </p:nvSpPr>
         <p:spPr>
           <a:xfrm>
-            <a:off x="694509" y="1487272"/>
-            <a:ext cx="2777561" cy="2743200"/>
+            <a:off x="694510" y="1487272"/>
+            <a:ext cx="2743200" cy="2743200"/>
           </a:xfrm>
           <a:prstGeom prst="ellipse">
             <a:avLst/>
@@ -9614,12 +10255,19 @@
                   <a:schemeClr val="bg1"/>
                 </a:solidFill>
               </a:rPr>
-              <a:t>Introduction</a:t>
+              <a:t>Topics To be Discussed</a:t>
+            </a:r>
+            <a:r>
+              <a:rPr lang="en-US" sz="2800" dirty="0"/>
+              <a:t>:</a:t>
             </a:r>
             <a:endParaRPr lang="en-US" sz="2600" kern="1200" dirty="0">
               <a:solidFill>
-                <a:schemeClr val="bg1"/>
+                <a:srgbClr val="FFFFFF"/>
               </a:solidFill>
+              <a:latin typeface="+mj-lt"/>
+              <a:ea typeface="+mj-ea"/>
+              <a:cs typeface="+mj-cs"/>
             </a:endParaRPr>
           </a:p>
         </p:txBody>
@@ -9638,8 +10286,8 @@
         </p:nvSpPr>
         <p:spPr>
           <a:xfrm>
-            <a:off x="3875030" y="1309519"/>
-            <a:ext cx="7892899" cy="3416320"/>
+            <a:off x="3967796" y="275849"/>
+            <a:ext cx="7529694" cy="6740307"/>
           </a:xfrm>
           <a:prstGeom prst="rect">
             <a:avLst/>
@@ -9651,54 +10299,175 @@
           </a:bodyPr>
           <a:lstStyle/>
           <a:p>
-            <a:pPr marL="342900" indent="-342900">
+            <a:pPr>
               <a:buFont typeface="Wingdings" panose="05000000000000000000" pitchFamily="2" charset="2"/>
               <a:buChar char="§"/>
             </a:pPr>
             <a:r>
               <a:rPr lang="en-US" sz="2400" dirty="0"/>
-              <a:t>Solr is open source enterprise search server/web application.</a:t>
-            </a:r>
-          </a:p>
-          <a:p>
-            <a:pPr marL="342900" indent="-342900">
+              <a:t> </a:t>
+            </a:r>
+            <a:r>
+              <a:rPr lang="en-US" sz="2400" dirty="0" err="1"/>
+              <a:t>Solr</a:t>
+            </a:r>
+            <a:r>
+              <a:rPr lang="en-US" sz="2400" dirty="0"/>
+              <a:t> Introduction</a:t>
+            </a:r>
+          </a:p>
+          <a:p>
+            <a:pPr>
               <a:buFont typeface="Wingdings" panose="05000000000000000000" pitchFamily="2" charset="2"/>
               <a:buChar char="§"/>
             </a:pPr>
             <a:r>
               <a:rPr lang="en-US" sz="2400" dirty="0"/>
-              <a:t>Solr uses the Lucene Search Library and extends it</a:t>
-            </a:r>
-          </a:p>
-          <a:p>
-            <a:pPr marL="342900" indent="-342900">
+              <a:t> Solr : Key Features</a:t>
+            </a:r>
+          </a:p>
+          <a:p>
+            <a:pPr>
               <a:buFont typeface="Wingdings" panose="05000000000000000000" pitchFamily="2" charset="2"/>
               <a:buChar char="§"/>
             </a:pPr>
             <a:r>
               <a:rPr lang="en-US" sz="2400" dirty="0"/>
-              <a:t>Solr exposes Lucene Java API’s as REST-Full services</a:t>
-            </a:r>
-          </a:p>
-          <a:p>
-            <a:pPr marL="342900" indent="-342900">
+              <a:t> Solr : Architecture</a:t>
+            </a:r>
+          </a:p>
+          <a:p>
+            <a:pPr>
               <a:buFont typeface="Wingdings" panose="05000000000000000000" pitchFamily="2" charset="2"/>
               <a:buChar char="§"/>
             </a:pPr>
             <a:r>
               <a:rPr lang="en-US" sz="2400" dirty="0"/>
-              <a:t>You put documents in it (called indexing) via XML,JSON,CSV or binary over HTTP</a:t>
-            </a:r>
-          </a:p>
-          <a:p>
-            <a:pPr marL="342900" indent="-342900">
+              <a:t> Solr Admin UI</a:t>
+            </a:r>
+          </a:p>
+          <a:p>
+            <a:pPr>
               <a:buFont typeface="Wingdings" panose="05000000000000000000" pitchFamily="2" charset="2"/>
               <a:buChar char="§"/>
             </a:pPr>
             <a:r>
               <a:rPr lang="en-US" sz="2400" dirty="0"/>
-              <a:t>You query  it via  HTTP GET and receive XML, CSV OR binary results</a:t>
-            </a:r>
+              <a:t> Solr Schema Hierarchy</a:t>
+            </a:r>
+          </a:p>
+          <a:p>
+            <a:pPr>
+              <a:buFont typeface="Wingdings" panose="05000000000000000000" pitchFamily="2" charset="2"/>
+              <a:buChar char="§"/>
+            </a:pPr>
+            <a:r>
+              <a:rPr lang="en-US" sz="2400" dirty="0"/>
+              <a:t> Solr Core</a:t>
+            </a:r>
+          </a:p>
+          <a:p>
+            <a:pPr>
+              <a:buFont typeface="Wingdings" panose="05000000000000000000" pitchFamily="2" charset="2"/>
+              <a:buChar char="§"/>
+            </a:pPr>
+            <a:r>
+              <a:rPr lang="en-US" sz="2400" dirty="0"/>
+              <a:t> Solr Documents and Fields</a:t>
+            </a:r>
+          </a:p>
+          <a:p>
+            <a:pPr>
+              <a:buFont typeface="Wingdings" panose="05000000000000000000" pitchFamily="2" charset="2"/>
+              <a:buChar char="§"/>
+            </a:pPr>
+            <a:r>
+              <a:rPr lang="en-US" sz="2400" dirty="0"/>
+              <a:t> Solr Indexing Data</a:t>
+            </a:r>
+          </a:p>
+          <a:p>
+            <a:pPr>
+              <a:buFont typeface="Wingdings" panose="05000000000000000000" pitchFamily="2" charset="2"/>
+              <a:buChar char="§"/>
+            </a:pPr>
+            <a:r>
+              <a:rPr lang="en-US" sz="2400" dirty="0"/>
+              <a:t> Solr Analysis</a:t>
+            </a:r>
+          </a:p>
+          <a:p>
+            <a:pPr>
+              <a:buFont typeface="Wingdings" panose="05000000000000000000" pitchFamily="2" charset="2"/>
+              <a:buChar char="§"/>
+            </a:pPr>
+            <a:r>
+              <a:rPr lang="en-US" sz="2400" dirty="0"/>
+              <a:t> Solr Search Process</a:t>
+            </a:r>
+          </a:p>
+          <a:p>
+            <a:pPr>
+              <a:buFont typeface="Wingdings" panose="05000000000000000000" pitchFamily="2" charset="2"/>
+              <a:buChar char="§"/>
+            </a:pPr>
+            <a:r>
+              <a:rPr lang="en-US" sz="2400" dirty="0"/>
+              <a:t> Solr Features</a:t>
+            </a:r>
+          </a:p>
+          <a:p>
+            <a:pPr>
+              <a:buFont typeface="Wingdings" panose="05000000000000000000" pitchFamily="2" charset="2"/>
+              <a:buChar char="§"/>
+            </a:pPr>
+            <a:r>
+              <a:rPr lang="en-US" sz="2400" dirty="0"/>
+              <a:t> Configuring Solr Instances/Core</a:t>
+            </a:r>
+          </a:p>
+          <a:p>
+            <a:pPr>
+              <a:buFont typeface="Wingdings" panose="05000000000000000000" pitchFamily="2" charset="2"/>
+              <a:buChar char="§"/>
+            </a:pPr>
+            <a:r>
+              <a:rPr lang="en-US" sz="2400" dirty="0"/>
+              <a:t> Solr Cloud Introduction</a:t>
+            </a:r>
+          </a:p>
+          <a:p>
+            <a:pPr>
+              <a:buFont typeface="Wingdings" panose="05000000000000000000" pitchFamily="2" charset="2"/>
+              <a:buChar char="§"/>
+            </a:pPr>
+            <a:r>
+              <a:rPr lang="en-US" sz="2400" dirty="0"/>
+              <a:t> Features </a:t>
+            </a:r>
+          </a:p>
+          <a:p>
+            <a:pPr>
+              <a:buFont typeface="Wingdings" panose="05000000000000000000" pitchFamily="2" charset="2"/>
+              <a:buChar char="§"/>
+            </a:pPr>
+            <a:r>
+              <a:rPr lang="en-US" sz="2400" dirty="0"/>
+              <a:t> Architecture</a:t>
+            </a:r>
+          </a:p>
+          <a:p>
+            <a:pPr>
+              <a:buFont typeface="Wingdings" panose="05000000000000000000" pitchFamily="2" charset="2"/>
+              <a:buChar char="§"/>
+            </a:pPr>
+            <a:r>
+              <a:rPr lang="en-US" sz="2400" dirty="0"/>
+              <a:t> Job Trends for Apache Solr</a:t>
+            </a:r>
+          </a:p>
+          <a:p>
+            <a:endParaRPr lang="en-US" sz="2400" dirty="0"/>
           </a:p>
           <a:p>
             <a:pPr>
@@ -9711,10 +10480,10 @@
       </p:sp>
       <p:sp>
         <p:nvSpPr>
-          <p:cNvPr id="7" name="Footer Placeholder 5">
-            <a:extLst>
-              <a:ext uri="{FF2B5EF4-FFF2-40B4-BE49-F238E27FC236}">
-                <a16:creationId xmlns:a16="http://schemas.microsoft.com/office/drawing/2014/main" id="{D4D33747-B39C-4374-9D19-5F268B3FA460}"/>
+          <p:cNvPr id="8" name="Footer Placeholder 5">
+            <a:extLst>
+              <a:ext uri="{FF2B5EF4-FFF2-40B4-BE49-F238E27FC236}">
+                <a16:creationId xmlns:a16="http://schemas.microsoft.com/office/drawing/2014/main" id="{AEC6328B-CDC2-48BD-81C8-1495B4007B26}"/>
               </a:ext>
             </a:extLst>
           </p:cNvPr>
@@ -9753,7 +10522,7 @@
     </p:spTree>
     <p:extLst>
       <p:ext uri="{BB962C8B-B14F-4D97-AF65-F5344CB8AC3E}">
-        <p14:creationId xmlns:p14="http://schemas.microsoft.com/office/powerpoint/2010/main" val="3434867895"/>
+        <p14:creationId xmlns:p14="http://schemas.microsoft.com/office/powerpoint/2010/main" val="2981693710"/>
       </p:ext>
     </p:extLst>
   </p:cSld>
@@ -9763,7 +10532,7 @@
   <mc:AlternateContent xmlns:mc="http://schemas.openxmlformats.org/markup-compatibility/2006" xmlns:p15="http://schemas.microsoft.com/office/powerpoint/2012/main">
     <mc:Choice Requires="p15">
       <p:transition xmlns:p14="http://schemas.microsoft.com/office/powerpoint/2010/main" spd="slow" p14:dur="1250">
-        <p15:prstTrans prst="pageCurlDouble"/>
+        <p15:prstTrans prst="peelOff"/>
       </p:transition>
     </mc:Choice>
     <mc:Fallback xmlns="">
@@ -9938,7 +10707,7 @@
                   <a:schemeClr val="bg1"/>
                 </a:solidFill>
               </a:rPr>
-              <a:t>Solr: Key Features</a:t>
+              <a:t>Introduction</a:t>
             </a:r>
             <a:endParaRPr lang="en-US" sz="2600" kern="1200" dirty="0">
               <a:solidFill>
@@ -9962,8 +10731,8 @@
         </p:nvSpPr>
         <p:spPr>
           <a:xfrm>
-            <a:off x="3875030" y="918472"/>
-            <a:ext cx="7892899" cy="5021055"/>
+            <a:off x="3875030" y="1309519"/>
+            <a:ext cx="7892899" cy="3416320"/>
           </a:xfrm>
           <a:prstGeom prst="rect">
             <a:avLst/>
@@ -9976,94 +10745,60 @@
           <a:lstStyle/>
           <a:p>
             <a:pPr marL="342900" indent="-342900">
-              <a:lnSpc>
-                <a:spcPct val="150000"/>
-              </a:lnSpc>
               <a:buFont typeface="Wingdings" panose="05000000000000000000" pitchFamily="2" charset="2"/>
               <a:buChar char="§"/>
             </a:pPr>
             <a:r>
               <a:rPr lang="en-US" sz="2400" dirty="0"/>
-              <a:t>Advanced Full-Text Search Capabilities</a:t>
+              <a:t>Solr is open source enterprise search server/web application.</a:t>
             </a:r>
           </a:p>
           <a:p>
             <a:pPr marL="342900" indent="-342900">
-              <a:lnSpc>
-                <a:spcPct val="150000"/>
-              </a:lnSpc>
               <a:buFont typeface="Wingdings" panose="05000000000000000000" pitchFamily="2" charset="2"/>
               <a:buChar char="§"/>
             </a:pPr>
             <a:r>
               <a:rPr lang="en-US" sz="2400" dirty="0"/>
-              <a:t>Optimized for High Volume Web Traffic</a:t>
+              <a:t>Solr uses the Lucene Search Library and extends it</a:t>
             </a:r>
           </a:p>
           <a:p>
             <a:pPr marL="342900" indent="-342900">
-              <a:lnSpc>
-                <a:spcPct val="150000"/>
-              </a:lnSpc>
               <a:buFont typeface="Wingdings" panose="05000000000000000000" pitchFamily="2" charset="2"/>
               <a:buChar char="§"/>
             </a:pPr>
             <a:r>
               <a:rPr lang="en-US" sz="2400" dirty="0"/>
-              <a:t>Standards Based Open Interfaces – XML, JSON and HTTP</a:t>
+              <a:t>Solr exposes Lucene Java API’s as REST-Full services</a:t>
             </a:r>
           </a:p>
           <a:p>
             <a:pPr marL="342900" indent="-342900">
-              <a:lnSpc>
-                <a:spcPct val="150000"/>
-              </a:lnSpc>
               <a:buFont typeface="Wingdings" panose="05000000000000000000" pitchFamily="2" charset="2"/>
               <a:buChar char="§"/>
             </a:pPr>
             <a:r>
               <a:rPr lang="en-US" sz="2400" dirty="0"/>
-              <a:t>Comprehensive HTML Administration Interfaces</a:t>
+              <a:t>You put documents in it (called indexing) via XML,JSON,CSV or binary over HTTP</a:t>
             </a:r>
           </a:p>
           <a:p>
             <a:pPr marL="342900" indent="-342900">
-              <a:lnSpc>
-                <a:spcPct val="150000"/>
-              </a:lnSpc>
               <a:buFont typeface="Wingdings" panose="05000000000000000000" pitchFamily="2" charset="2"/>
               <a:buChar char="§"/>
             </a:pPr>
             <a:r>
               <a:rPr lang="en-US" sz="2400" dirty="0"/>
-              <a:t>Server statistics exposed over JMX for monitoring</a:t>
-            </a:r>
-          </a:p>
-          <a:p>
-            <a:pPr marL="342900" indent="-342900">
-              <a:lnSpc>
-                <a:spcPct val="150000"/>
-              </a:lnSpc>
+              <a:t>You query  it via  HTTP GET and receive XML, CSV OR binary results</a:t>
+            </a:r>
+          </a:p>
+          <a:p>
+            <a:pPr>
               <a:buFont typeface="Wingdings" panose="05000000000000000000" pitchFamily="2" charset="2"/>
               <a:buChar char="§"/>
             </a:pPr>
-            <a:r>
-              <a:rPr lang="en-US" sz="2400" dirty="0"/>
-              <a:t>Near Real-time indexing and Adaptable with XML Configuration</a:t>
-            </a:r>
-          </a:p>
-          <a:p>
-            <a:pPr marL="342900" indent="-342900">
-              <a:lnSpc>
-                <a:spcPct val="150000"/>
-              </a:lnSpc>
-              <a:buFont typeface="Wingdings" panose="05000000000000000000" pitchFamily="2" charset="2"/>
-              <a:buChar char="§"/>
-            </a:pPr>
-            <a:r>
-              <a:rPr lang="en-US" sz="2400" dirty="0"/>
-              <a:t>Linearly scalable, auto index replication, auto, Extensible Plugin Architecture</a:t>
-            </a:r>
+            <a:endParaRPr lang="en-US" sz="2400" dirty="0"/>
           </a:p>
         </p:txBody>
       </p:sp>
@@ -10072,7 +10807,7 @@
           <p:cNvPr id="7" name="Footer Placeholder 5">
             <a:extLst>
               <a:ext uri="{FF2B5EF4-FFF2-40B4-BE49-F238E27FC236}">
-                <a16:creationId xmlns:a16="http://schemas.microsoft.com/office/drawing/2014/main" id="{1BF3DA7D-47BA-4FC5-9F82-C2D0C6FA5C8C}"/>
+                <a16:creationId xmlns:a16="http://schemas.microsoft.com/office/drawing/2014/main" id="{D4D33747-B39C-4374-9D19-5F268B3FA460}"/>
               </a:ext>
             </a:extLst>
           </p:cNvPr>
@@ -10111,7 +10846,7 @@
     </p:spTree>
     <p:extLst>
       <p:ext uri="{BB962C8B-B14F-4D97-AF65-F5344CB8AC3E}">
-        <p14:creationId xmlns:p14="http://schemas.microsoft.com/office/powerpoint/2010/main" val="3597909042"/>
+        <p14:creationId xmlns:p14="http://schemas.microsoft.com/office/powerpoint/2010/main" val="3434867895"/>
       </p:ext>
     </p:extLst>
   </p:cSld>
@@ -10268,8 +11003,8 @@
         </p:nvSpPr>
         <p:spPr>
           <a:xfrm>
-            <a:off x="694510" y="1487272"/>
-            <a:ext cx="2743200" cy="2743200"/>
+            <a:off x="694509" y="1487272"/>
+            <a:ext cx="2777561" cy="2743200"/>
           </a:xfrm>
           <a:prstGeom prst="ellipse">
             <a:avLst/>
@@ -10291,61 +11026,146 @@
           <a:p>
             <a:pPr algn="ctr"/>
             <a:r>
-              <a:rPr lang="en-US" sz="2600" kern="1200" dirty="0">
+              <a:rPr lang="en-US" sz="2800" dirty="0">
                 <a:solidFill>
-                  <a:srgbClr val="FFFFFF"/>
+                  <a:schemeClr val="bg1"/>
                 </a:solidFill>
-                <a:latin typeface="+mj-lt"/>
-                <a:ea typeface="+mj-ea"/>
-                <a:cs typeface="+mj-cs"/>
               </a:rPr>
-              <a:t>Solr: Architecture</a:t>
-            </a:r>
-          </a:p>
-        </p:txBody>
-      </p:sp>
-      <p:pic>
-        <p:nvPicPr>
-          <p:cNvPr id="5" name="Content Placeholder 4">
-            <a:extLst>
-              <a:ext uri="{FF2B5EF4-FFF2-40B4-BE49-F238E27FC236}">
-                <a16:creationId xmlns:a16="http://schemas.microsoft.com/office/drawing/2014/main" id="{60515C46-5FB0-43A3-977C-A4B49AD3A728}"/>
-              </a:ext>
-            </a:extLst>
-          </p:cNvPr>
-          <p:cNvPicPr>
-            <a:picLocks noChangeAspect="1"/>
-          </p:cNvPicPr>
+              <a:t>Solr: Key Features</a:t>
+            </a:r>
+            <a:endParaRPr lang="en-US" sz="2600" kern="1200" dirty="0">
+              <a:solidFill>
+                <a:schemeClr val="bg1"/>
+              </a:solidFill>
+            </a:endParaRPr>
+          </a:p>
+        </p:txBody>
+      </p:sp>
+      <p:sp>
+        <p:nvSpPr>
+          <p:cNvPr id="6" name="Rectangle 5">
+            <a:extLst>
+              <a:ext uri="{FF2B5EF4-FFF2-40B4-BE49-F238E27FC236}">
+                <a16:creationId xmlns:a16="http://schemas.microsoft.com/office/drawing/2014/main" id="{3630D1C5-C52D-415D-B4C5-6045CD30563B}"/>
+              </a:ext>
+            </a:extLst>
+          </p:cNvPr>
+          <p:cNvSpPr/>
           <p:nvPr/>
-        </p:nvPicPr>
-        <p:blipFill>
-          <a:blip r:embed="rId2">
-            <a:extLst>
-              <a:ext uri="{28A0092B-C50C-407E-A947-70E740481C1C}">
-                <a14:useLocalDpi xmlns:a14="http://schemas.microsoft.com/office/drawing/2010/main" val="0"/>
-              </a:ext>
-            </a:extLst>
-          </a:blip>
-          <a:stretch>
-            <a:fillRect/>
-          </a:stretch>
-        </p:blipFill>
+        </p:nvSpPr>
         <p:spPr>
           <a:xfrm>
-            <a:off x="4038599" y="1313299"/>
-            <a:ext cx="7489107" cy="4530910"/>
+            <a:off x="3875030" y="918472"/>
+            <a:ext cx="7892899" cy="5021055"/>
           </a:xfrm>
           <a:prstGeom prst="rect">
             <a:avLst/>
           </a:prstGeom>
         </p:spPr>
-      </p:pic>
-      <p:sp>
-        <p:nvSpPr>
-          <p:cNvPr id="6" name="Footer Placeholder 5">
-            <a:extLst>
-              <a:ext uri="{FF2B5EF4-FFF2-40B4-BE49-F238E27FC236}">
-                <a16:creationId xmlns:a16="http://schemas.microsoft.com/office/drawing/2014/main" id="{7AB460C7-01FA-4559-98C5-03E88431EFD7}"/>
+        <p:txBody>
+          <a:bodyPr wrap="square">
+            <a:spAutoFit/>
+          </a:bodyPr>
+          <a:lstStyle/>
+          <a:p>
+            <a:pPr marL="342900" indent="-342900">
+              <a:lnSpc>
+                <a:spcPct val="150000"/>
+              </a:lnSpc>
+              <a:buFont typeface="Wingdings" panose="05000000000000000000" pitchFamily="2" charset="2"/>
+              <a:buChar char="§"/>
+            </a:pPr>
+            <a:r>
+              <a:rPr lang="en-US" sz="2400" dirty="0"/>
+              <a:t>Advanced Full-Text Search Capabilities</a:t>
+            </a:r>
+          </a:p>
+          <a:p>
+            <a:pPr marL="342900" indent="-342900">
+              <a:lnSpc>
+                <a:spcPct val="150000"/>
+              </a:lnSpc>
+              <a:buFont typeface="Wingdings" panose="05000000000000000000" pitchFamily="2" charset="2"/>
+              <a:buChar char="§"/>
+            </a:pPr>
+            <a:r>
+              <a:rPr lang="en-US" sz="2400" dirty="0"/>
+              <a:t>Optimized for High Volume Web Traffic</a:t>
+            </a:r>
+          </a:p>
+          <a:p>
+            <a:pPr marL="342900" indent="-342900">
+              <a:lnSpc>
+                <a:spcPct val="150000"/>
+              </a:lnSpc>
+              <a:buFont typeface="Wingdings" panose="05000000000000000000" pitchFamily="2" charset="2"/>
+              <a:buChar char="§"/>
+            </a:pPr>
+            <a:r>
+              <a:rPr lang="en-US" sz="2400" dirty="0"/>
+              <a:t>Standards Based Open Interfaces – XML, JSON and HTTP</a:t>
+            </a:r>
+          </a:p>
+          <a:p>
+            <a:pPr marL="342900" indent="-342900">
+              <a:lnSpc>
+                <a:spcPct val="150000"/>
+              </a:lnSpc>
+              <a:buFont typeface="Wingdings" panose="05000000000000000000" pitchFamily="2" charset="2"/>
+              <a:buChar char="§"/>
+            </a:pPr>
+            <a:r>
+              <a:rPr lang="en-US" sz="2400" dirty="0"/>
+              <a:t>Comprehensive HTML Administration Interfaces</a:t>
+            </a:r>
+          </a:p>
+          <a:p>
+            <a:pPr marL="342900" indent="-342900">
+              <a:lnSpc>
+                <a:spcPct val="150000"/>
+              </a:lnSpc>
+              <a:buFont typeface="Wingdings" panose="05000000000000000000" pitchFamily="2" charset="2"/>
+              <a:buChar char="§"/>
+            </a:pPr>
+            <a:r>
+              <a:rPr lang="en-US" sz="2400" dirty="0"/>
+              <a:t>Server statistics exposed over JMX for monitoring</a:t>
+            </a:r>
+          </a:p>
+          <a:p>
+            <a:pPr marL="342900" indent="-342900">
+              <a:lnSpc>
+                <a:spcPct val="150000"/>
+              </a:lnSpc>
+              <a:buFont typeface="Wingdings" panose="05000000000000000000" pitchFamily="2" charset="2"/>
+              <a:buChar char="§"/>
+            </a:pPr>
+            <a:r>
+              <a:rPr lang="en-US" sz="2400" dirty="0"/>
+              <a:t>Near Real-time indexing and Adaptable with XML Configuration</a:t>
+            </a:r>
+          </a:p>
+          <a:p>
+            <a:pPr marL="342900" indent="-342900">
+              <a:lnSpc>
+                <a:spcPct val="150000"/>
+              </a:lnSpc>
+              <a:buFont typeface="Wingdings" panose="05000000000000000000" pitchFamily="2" charset="2"/>
+              <a:buChar char="§"/>
+            </a:pPr>
+            <a:r>
+              <a:rPr lang="en-US" sz="2400" dirty="0"/>
+              <a:t>Linearly scalable, auto index replication, auto, Extensible Plugin Architecture</a:t>
+            </a:r>
+          </a:p>
+        </p:txBody>
+      </p:sp>
+      <p:sp>
+        <p:nvSpPr>
+          <p:cNvPr id="7" name="Footer Placeholder 5">
+            <a:extLst>
+              <a:ext uri="{FF2B5EF4-FFF2-40B4-BE49-F238E27FC236}">
+                <a16:creationId xmlns:a16="http://schemas.microsoft.com/office/drawing/2014/main" id="{1BF3DA7D-47BA-4FC5-9F82-C2D0C6FA5C8C}"/>
               </a:ext>
             </a:extLst>
           </p:cNvPr>
@@ -10384,7 +11204,7 @@
     </p:spTree>
     <p:extLst>
       <p:ext uri="{BB962C8B-B14F-4D97-AF65-F5344CB8AC3E}">
-        <p14:creationId xmlns:p14="http://schemas.microsoft.com/office/powerpoint/2010/main" val="2857650651"/>
+        <p14:creationId xmlns:p14="http://schemas.microsoft.com/office/powerpoint/2010/main" val="3597909042"/>
       </p:ext>
     </p:extLst>
   </p:cSld>
@@ -10564,71 +11384,25 @@
           <a:p>
             <a:pPr algn="ctr"/>
             <a:r>
-              <a:rPr lang="en-US" sz="2600" dirty="0">
+              <a:rPr lang="en-US" sz="2600" kern="1200" dirty="0">
                 <a:solidFill>
                   <a:srgbClr val="FFFFFF"/>
                 </a:solidFill>
+                <a:latin typeface="+mj-lt"/>
+                <a:ea typeface="+mj-ea"/>
+                <a:cs typeface="+mj-cs"/>
               </a:rPr>
-              <a:t>Solr: Admin UI</a:t>
-            </a:r>
-            <a:endParaRPr lang="en-US" sz="2600" kern="1200" dirty="0">
-              <a:solidFill>
-                <a:srgbClr val="FFFFFF"/>
-              </a:solidFill>
-              <a:latin typeface="+mj-lt"/>
-              <a:ea typeface="+mj-ea"/>
-              <a:cs typeface="+mj-cs"/>
-            </a:endParaRPr>
-          </a:p>
-        </p:txBody>
-      </p:sp>
-      <p:sp>
-        <p:nvSpPr>
-          <p:cNvPr id="7" name="Footer Placeholder 5">
-            <a:extLst>
-              <a:ext uri="{FF2B5EF4-FFF2-40B4-BE49-F238E27FC236}">
-                <a16:creationId xmlns:a16="http://schemas.microsoft.com/office/drawing/2014/main" id="{506F25F5-7E84-4CE4-81EF-B5846273CDAB}"/>
-              </a:ext>
-            </a:extLst>
-          </p:cNvPr>
-          <p:cNvSpPr>
-            <a:spLocks noGrp="1"/>
-          </p:cNvSpPr>
-          <p:nvPr>
-            <p:ph type="ftr" sz="quarter" idx="11"/>
-          </p:nvPr>
-        </p:nvSpPr>
-        <p:spPr>
-          <a:xfrm>
-            <a:off x="8341578" y="6399588"/>
-            <a:ext cx="4114800" cy="365125"/>
-          </a:xfrm>
-        </p:spPr>
-        <p:txBody>
-          <a:bodyPr/>
-          <a:lstStyle/>
-          <a:p>
-            <a:r>
-              <a:rPr lang="en-US" sz="1400" dirty="0"/>
-              <a:t>Hari Priya </a:t>
-            </a:r>
-            <a:r>
-              <a:rPr lang="en-US" sz="1400" dirty="0" err="1"/>
-              <a:t>Jupally</a:t>
-            </a:r>
-            <a:r>
-              <a:rPr lang="en-US" sz="1400" dirty="0"/>
-              <a:t> </a:t>
+              <a:t>Solr: Architecture</a:t>
             </a:r>
           </a:p>
         </p:txBody>
       </p:sp>
       <p:pic>
         <p:nvPicPr>
-          <p:cNvPr id="8" name="Picture 7">
-            <a:extLst>
-              <a:ext uri="{FF2B5EF4-FFF2-40B4-BE49-F238E27FC236}">
-                <a16:creationId xmlns:a16="http://schemas.microsoft.com/office/drawing/2014/main" id="{0272F33D-BCA6-4821-BFA7-D51B4F327862}"/>
+          <p:cNvPr id="5" name="Content Placeholder 4">
+            <a:extLst>
+              <a:ext uri="{FF2B5EF4-FFF2-40B4-BE49-F238E27FC236}">
+                <a16:creationId xmlns:a16="http://schemas.microsoft.com/office/drawing/2014/main" id="{60515C46-5FB0-43A3-977C-A4B49AD3A728}"/>
               </a:ext>
             </a:extLst>
           </p:cNvPr>
@@ -10651,18 +11425,59 @@
         </p:blipFill>
         <p:spPr>
           <a:xfrm>
-            <a:off x="3728578" y="696686"/>
-            <a:ext cx="8057021" cy="5239657"/>
+            <a:off x="4038599" y="1313299"/>
+            <a:ext cx="7489107" cy="4530910"/>
           </a:xfrm>
           <a:prstGeom prst="rect">
             <a:avLst/>
           </a:prstGeom>
         </p:spPr>
       </p:pic>
+      <p:sp>
+        <p:nvSpPr>
+          <p:cNvPr id="6" name="Footer Placeholder 5">
+            <a:extLst>
+              <a:ext uri="{FF2B5EF4-FFF2-40B4-BE49-F238E27FC236}">
+                <a16:creationId xmlns:a16="http://schemas.microsoft.com/office/drawing/2014/main" id="{7AB460C7-01FA-4559-98C5-03E88431EFD7}"/>
+              </a:ext>
+            </a:extLst>
+          </p:cNvPr>
+          <p:cNvSpPr>
+            <a:spLocks noGrp="1"/>
+          </p:cNvSpPr>
+          <p:nvPr>
+            <p:ph type="ftr" sz="quarter" idx="11"/>
+          </p:nvPr>
+        </p:nvSpPr>
+        <p:spPr>
+          <a:xfrm>
+            <a:off x="8341578" y="6399588"/>
+            <a:ext cx="4114800" cy="365125"/>
+          </a:xfrm>
+        </p:spPr>
+        <p:txBody>
+          <a:bodyPr/>
+          <a:lstStyle/>
+          <a:p>
+            <a:r>
+              <a:rPr lang="en-US" sz="1400" dirty="0"/>
+              <a:t>Hari Priya </a:t>
+            </a:r>
+            <a:r>
+              <a:rPr lang="en-US" sz="1400" dirty="0" err="1"/>
+              <a:t>Jupally</a:t>
+            </a:r>
+            <a:r>
+              <a:rPr lang="en-US" sz="1400" dirty="0"/>
+              <a:t> </a:t>
+            </a:r>
+          </a:p>
+        </p:txBody>
+      </p:sp>
     </p:spTree>
     <p:extLst>
       <p:ext uri="{BB962C8B-B14F-4D97-AF65-F5344CB8AC3E}">
-        <p14:creationId xmlns:p14="http://schemas.microsoft.com/office/powerpoint/2010/main" val="1095416830"/>
+        <p14:creationId xmlns:p14="http://schemas.microsoft.com/office/powerpoint/2010/main" val="2857650651"/>
       </p:ext>
     </p:extLst>
   </p:cSld>
@@ -10847,7 +11662,7 @@
                   <a:srgbClr val="FFFFFF"/>
                 </a:solidFill>
               </a:rPr>
-              <a:t>Solr: schema Hierarchy</a:t>
+              <a:t>Solr: Admin UI</a:t>
             </a:r>
             <a:endParaRPr lang="en-US" sz="2600" kern="1200" dirty="0">
               <a:solidFill>
@@ -10860,12 +11675,53 @@
           </a:p>
         </p:txBody>
       </p:sp>
+      <p:sp>
+        <p:nvSpPr>
+          <p:cNvPr id="7" name="Footer Placeholder 5">
+            <a:extLst>
+              <a:ext uri="{FF2B5EF4-FFF2-40B4-BE49-F238E27FC236}">
+                <a16:creationId xmlns:a16="http://schemas.microsoft.com/office/drawing/2014/main" id="{506F25F5-7E84-4CE4-81EF-B5846273CDAB}"/>
+              </a:ext>
+            </a:extLst>
+          </p:cNvPr>
+          <p:cNvSpPr>
+            <a:spLocks noGrp="1"/>
+          </p:cNvSpPr>
+          <p:nvPr>
+            <p:ph type="ftr" sz="quarter" idx="11"/>
+          </p:nvPr>
+        </p:nvSpPr>
+        <p:spPr>
+          <a:xfrm>
+            <a:off x="8341578" y="6399588"/>
+            <a:ext cx="4114800" cy="365125"/>
+          </a:xfrm>
+        </p:spPr>
+        <p:txBody>
+          <a:bodyPr/>
+          <a:lstStyle/>
+          <a:p>
+            <a:r>
+              <a:rPr lang="en-US" sz="1400" dirty="0"/>
+              <a:t>Hari Priya </a:t>
+            </a:r>
+            <a:r>
+              <a:rPr lang="en-US" sz="1400" dirty="0" err="1"/>
+              <a:t>Jupally</a:t>
+            </a:r>
+            <a:r>
+              <a:rPr lang="en-US" sz="1400" dirty="0"/>
+              <a:t> </a:t>
+            </a:r>
+          </a:p>
+        </p:txBody>
+      </p:sp>
       <p:pic>
         <p:nvPicPr>
-          <p:cNvPr id="5" name="Picture 4">
-            <a:extLst>
-              <a:ext uri="{FF2B5EF4-FFF2-40B4-BE49-F238E27FC236}">
-                <a16:creationId xmlns:a16="http://schemas.microsoft.com/office/drawing/2014/main" id="{30B329CB-8429-4866-A0AD-9C0F80E08960}"/>
+          <p:cNvPr id="8" name="Picture 7">
+            <a:extLst>
+              <a:ext uri="{FF2B5EF4-FFF2-40B4-BE49-F238E27FC236}">
+                <a16:creationId xmlns:a16="http://schemas.microsoft.com/office/drawing/2014/main" id="{0272F33D-BCA6-4821-BFA7-D51B4F327862}"/>
               </a:ext>
             </a:extLst>
           </p:cNvPr>
@@ -10888,59 +11744,18 @@
         </p:blipFill>
         <p:spPr>
           <a:xfrm>
-            <a:off x="3736668" y="1294227"/>
-            <a:ext cx="8052058" cy="4698609"/>
+            <a:off x="3728578" y="696686"/>
+            <a:ext cx="8057021" cy="5239657"/>
           </a:xfrm>
           <a:prstGeom prst="rect">
             <a:avLst/>
           </a:prstGeom>
         </p:spPr>
       </p:pic>
-      <p:sp>
-        <p:nvSpPr>
-          <p:cNvPr id="6" name="Footer Placeholder 5">
-            <a:extLst>
-              <a:ext uri="{FF2B5EF4-FFF2-40B4-BE49-F238E27FC236}">
-                <a16:creationId xmlns:a16="http://schemas.microsoft.com/office/drawing/2014/main" id="{76728D85-4561-4B0D-A595-5EF921468125}"/>
-              </a:ext>
-            </a:extLst>
-          </p:cNvPr>
-          <p:cNvSpPr>
-            <a:spLocks noGrp="1"/>
-          </p:cNvSpPr>
-          <p:nvPr>
-            <p:ph type="ftr" sz="quarter" idx="11"/>
-          </p:nvPr>
-        </p:nvSpPr>
-        <p:spPr>
-          <a:xfrm>
-            <a:off x="8341578" y="6399588"/>
-            <a:ext cx="4114800" cy="365125"/>
-          </a:xfrm>
-        </p:spPr>
-        <p:txBody>
-          <a:bodyPr/>
-          <a:lstStyle/>
-          <a:p>
-            <a:r>
-              <a:rPr lang="en-US" sz="1400" dirty="0"/>
-              <a:t>Hari Priya </a:t>
-            </a:r>
-            <a:r>
-              <a:rPr lang="en-US" sz="1400" dirty="0" err="1"/>
-              <a:t>Jupally</a:t>
-            </a:r>
-            <a:r>
-              <a:rPr lang="en-US" sz="1400" dirty="0"/>
-              <a:t> </a:t>
-            </a:r>
-          </a:p>
-        </p:txBody>
-      </p:sp>
     </p:spTree>
     <p:extLst>
       <p:ext uri="{BB962C8B-B14F-4D97-AF65-F5344CB8AC3E}">
-        <p14:creationId xmlns:p14="http://schemas.microsoft.com/office/powerpoint/2010/main" val="1208101452"/>
+        <p14:creationId xmlns:p14="http://schemas.microsoft.com/office/powerpoint/2010/main" val="1095416830"/>
       </p:ext>
     </p:extLst>
   </p:cSld>
@@ -11097,8 +11912,8 @@
         </p:nvSpPr>
         <p:spPr>
           <a:xfrm>
-            <a:off x="694509" y="1487272"/>
-            <a:ext cx="2777561" cy="2743200"/>
+            <a:off x="694510" y="1487272"/>
+            <a:ext cx="2743200" cy="2743200"/>
           </a:xfrm>
           <a:prstGeom prst="ellipse">
             <a:avLst/>
@@ -11120,149 +11935,66 @@
           <a:p>
             <a:pPr algn="ctr"/>
             <a:r>
-              <a:rPr lang="en-US" sz="2800" dirty="0">
+              <a:rPr lang="en-US" sz="2600" dirty="0">
                 <a:solidFill>
-                  <a:schemeClr val="bg1"/>
+                  <a:srgbClr val="FFFFFF"/>
                 </a:solidFill>
               </a:rPr>
-              <a:t>Solr: Core</a:t>
+              <a:t>Solr: schema Hierarchy</a:t>
             </a:r>
             <a:endParaRPr lang="en-US" sz="2600" kern="1200" dirty="0">
               <a:solidFill>
-                <a:schemeClr val="bg1"/>
+                <a:srgbClr val="FFFFFF"/>
               </a:solidFill>
+              <a:latin typeface="+mj-lt"/>
+              <a:ea typeface="+mj-ea"/>
+              <a:cs typeface="+mj-cs"/>
             </a:endParaRPr>
           </a:p>
         </p:txBody>
       </p:sp>
-      <p:sp>
-        <p:nvSpPr>
-          <p:cNvPr id="6" name="Rectangle 5">
-            <a:extLst>
-              <a:ext uri="{FF2B5EF4-FFF2-40B4-BE49-F238E27FC236}">
-                <a16:creationId xmlns:a16="http://schemas.microsoft.com/office/drawing/2014/main" id="{3630D1C5-C52D-415D-B4C5-6045CD30563B}"/>
-              </a:ext>
-            </a:extLst>
-          </p:cNvPr>
-          <p:cNvSpPr/>
+      <p:pic>
+        <p:nvPicPr>
+          <p:cNvPr id="5" name="Picture 4">
+            <a:extLst>
+              <a:ext uri="{FF2B5EF4-FFF2-40B4-BE49-F238E27FC236}">
+                <a16:creationId xmlns:a16="http://schemas.microsoft.com/office/drawing/2014/main" id="{30B329CB-8429-4866-A0AD-9C0F80E08960}"/>
+              </a:ext>
+            </a:extLst>
+          </p:cNvPr>
+          <p:cNvPicPr>
+            <a:picLocks noChangeAspect="1"/>
+          </p:cNvPicPr>
           <p:nvPr/>
-        </p:nvSpPr>
+        </p:nvPicPr>
+        <p:blipFill>
+          <a:blip r:embed="rId2">
+            <a:extLst>
+              <a:ext uri="{28A0092B-C50C-407E-A947-70E740481C1C}">
+                <a14:useLocalDpi xmlns:a14="http://schemas.microsoft.com/office/drawing/2010/main" val="0"/>
+              </a:ext>
+            </a:extLst>
+          </a:blip>
+          <a:stretch>
+            <a:fillRect/>
+          </a:stretch>
+        </p:blipFill>
         <p:spPr>
           <a:xfrm>
-            <a:off x="3875030" y="858945"/>
-            <a:ext cx="7892899" cy="5575052"/>
+            <a:off x="3736668" y="1294227"/>
+            <a:ext cx="8052058" cy="4698609"/>
           </a:xfrm>
           <a:prstGeom prst="rect">
             <a:avLst/>
           </a:prstGeom>
         </p:spPr>
-        <p:txBody>
-          <a:bodyPr wrap="square">
-            <a:spAutoFit/>
-          </a:bodyPr>
-          <a:lstStyle/>
-          <a:p>
-            <a:pPr marL="342900" indent="-342900">
-              <a:lnSpc>
-                <a:spcPct val="150000"/>
-              </a:lnSpc>
-              <a:buFont typeface="Wingdings" panose="05000000000000000000" pitchFamily="2" charset="2"/>
-              <a:buChar char="§"/>
-            </a:pPr>
-            <a:r>
-              <a:rPr lang="en-US" sz="2400" dirty="0"/>
-              <a:t>Solr Core: Also referred to as just a “Core”</a:t>
-            </a:r>
-          </a:p>
-          <a:p>
-            <a:pPr marL="342900" indent="-342900">
-              <a:lnSpc>
-                <a:spcPct val="150000"/>
-              </a:lnSpc>
-              <a:buFont typeface="Wingdings" panose="05000000000000000000" pitchFamily="2" charset="2"/>
-              <a:buChar char="§"/>
-            </a:pPr>
-            <a:r>
-              <a:rPr lang="en-US" sz="2400" dirty="0"/>
-              <a:t>This is a running instance of a Lucene index along with all the Solr configuration (</a:t>
-            </a:r>
-            <a:r>
-              <a:rPr lang="en-US" sz="2400" dirty="0" err="1"/>
-              <a:t>SolrConfigXml</a:t>
-            </a:r>
-            <a:r>
-              <a:rPr lang="en-US" sz="2400" dirty="0"/>
-              <a:t>, </a:t>
-            </a:r>
-            <a:r>
-              <a:rPr lang="en-US" sz="2400" dirty="0" err="1"/>
-              <a:t>SchemaXml</a:t>
-            </a:r>
-            <a:r>
-              <a:rPr lang="en-US" sz="2400" dirty="0"/>
-              <a:t>, etc..) required to use it</a:t>
-            </a:r>
-          </a:p>
-          <a:p>
-            <a:pPr marL="342900" indent="-342900">
-              <a:lnSpc>
-                <a:spcPct val="150000"/>
-              </a:lnSpc>
-              <a:buFont typeface="Wingdings" panose="05000000000000000000" pitchFamily="2" charset="2"/>
-              <a:buChar char="§"/>
-            </a:pPr>
-            <a:r>
-              <a:rPr lang="en-US" sz="2400" dirty="0"/>
-              <a:t>A single Solr application can contain 0 or more cores</a:t>
-            </a:r>
-          </a:p>
-          <a:p>
-            <a:pPr marL="342900" indent="-342900">
-              <a:lnSpc>
-                <a:spcPct val="150000"/>
-              </a:lnSpc>
-              <a:buFont typeface="Wingdings" panose="05000000000000000000" pitchFamily="2" charset="2"/>
-              <a:buChar char="§"/>
-            </a:pPr>
-            <a:r>
-              <a:rPr lang="en-US" sz="2400" dirty="0"/>
-              <a:t>Cores are run largely in isolation but can communicate with each other if necessary via the </a:t>
-            </a:r>
-            <a:r>
-              <a:rPr lang="en-US" sz="2400" dirty="0" err="1"/>
-              <a:t>CoreContainer</a:t>
-            </a:r>
-            <a:endParaRPr lang="en-US" sz="2400" dirty="0"/>
-          </a:p>
-          <a:p>
-            <a:pPr marL="342900" indent="-342900">
-              <a:lnSpc>
-                <a:spcPct val="150000"/>
-              </a:lnSpc>
-              <a:buFont typeface="Wingdings" panose="05000000000000000000" pitchFamily="2" charset="2"/>
-              <a:buChar char="§"/>
-            </a:pPr>
-            <a:r>
-              <a:rPr lang="en-US" sz="2400" dirty="0"/>
-              <a:t>Solr initially only supported one index, and the </a:t>
-            </a:r>
-            <a:r>
-              <a:rPr lang="en-US" sz="2400" dirty="0" err="1"/>
-              <a:t>SolrCore</a:t>
-            </a:r>
-            <a:r>
-              <a:rPr lang="en-US" sz="2400" dirty="0"/>
-              <a:t> class was a singleton for coordinating the low-level functionality at the “core” of Solr</a:t>
-            </a:r>
-          </a:p>
-        </p:txBody>
-      </p:sp>
-      <p:sp>
-        <p:nvSpPr>
-          <p:cNvPr id="7" name="Footer Placeholder 5">
-            <a:extLst>
-              <a:ext uri="{FF2B5EF4-FFF2-40B4-BE49-F238E27FC236}">
-                <a16:creationId xmlns:a16="http://schemas.microsoft.com/office/drawing/2014/main" id="{E7F02D85-3E68-422B-94A6-8AD3A0EDAC1A}"/>
+      </p:pic>
+      <p:sp>
+        <p:nvSpPr>
+          <p:cNvPr id="6" name="Footer Placeholder 5">
+            <a:extLst>
+              <a:ext uri="{FF2B5EF4-FFF2-40B4-BE49-F238E27FC236}">
+                <a16:creationId xmlns:a16="http://schemas.microsoft.com/office/drawing/2014/main" id="{76728D85-4561-4B0D-A595-5EF921468125}"/>
               </a:ext>
             </a:extLst>
           </p:cNvPr>
@@ -11301,7 +12033,7 @@
     </p:spTree>
     <p:extLst>
       <p:ext uri="{BB962C8B-B14F-4D97-AF65-F5344CB8AC3E}">
-        <p14:creationId xmlns:p14="http://schemas.microsoft.com/office/powerpoint/2010/main" val="74956179"/>
+        <p14:creationId xmlns:p14="http://schemas.microsoft.com/office/powerpoint/2010/main" val="1208101452"/>
       </p:ext>
     </p:extLst>
   </p:cSld>
@@ -11329,7 +12061,7 @@
     <p:bg>
       <p:bgPr>
         <a:solidFill>
-          <a:schemeClr val="tx1"/>
+          <a:schemeClr val="bg1"/>
         </a:solidFill>
         <a:effectLst/>
       </p:bgPr>
@@ -11350,10 +12082,10 @@
       </p:grpSpPr>
       <p:sp>
         <p:nvSpPr>
-          <p:cNvPr id="15" name="Rectangle 12">
-            <a:extLst>
-              <a:ext uri="{FF2B5EF4-FFF2-40B4-BE49-F238E27FC236}">
-                <a16:creationId xmlns:a16="http://schemas.microsoft.com/office/drawing/2014/main" id="{867D4867-5BA7-4462-B2F6-A23F4A622AA7}"/>
+          <p:cNvPr id="19" name="Rectangle 18">
+            <a:extLst>
+              <a:ext uri="{FF2B5EF4-FFF2-40B4-BE49-F238E27FC236}">
+                <a16:creationId xmlns:a16="http://schemas.microsoft.com/office/drawing/2014/main" id="{42A5316D-ED2F-4F89-B4B4-8D9240B1A348}"/>
               </a:ext>
               <a:ext uri="{C183D7F6-B498-43B3-948B-1728B52AA6E4}">
                 <adec:decorative xmlns:adec="http://schemas.microsoft.com/office/drawing/2017/decorative" val="1"/>
@@ -11374,27 +12106,29 @@
         <p:spPr>
           <a:xfrm>
             <a:off x="0" y="0"/>
-            <a:ext cx="4654296" cy="6858000"/>
+            <a:ext cx="2013557" cy="6858000"/>
           </a:xfrm>
           <a:prstGeom prst="rect">
             <a:avLst/>
           </a:prstGeom>
           <a:solidFill>
-            <a:srgbClr val="3F3F3F"/>
+            <a:srgbClr val="516F88"/>
           </a:solidFill>
           <a:ln>
             <a:noFill/>
           </a:ln>
         </p:spPr>
         <p:style>
-          <a:lnRef idx="0">
-            <a:scrgbClr r="0" g="0" b="0"/>
+          <a:lnRef idx="2">
+            <a:schemeClr val="accent1">
+              <a:shade val="50000"/>
+            </a:schemeClr>
           </a:lnRef>
-          <a:fillRef idx="0">
-            <a:scrgbClr r="0" g="0" b="0"/>
+          <a:fillRef idx="1">
+            <a:schemeClr val="accent1"/>
           </a:fillRef>
           <a:effectRef idx="0">
-            <a:scrgbClr r="0" g="0" b="0"/>
+            <a:schemeClr val="accent1"/>
           </a:effectRef>
           <a:fontRef idx="minor">
             <a:schemeClr val="lt1"/>
@@ -11404,8 +12138,37 @@
           <a:bodyPr rtlCol="0" anchor="ctr"/>
           <a:lstStyle/>
           <a:p>
-            <a:pPr algn="ctr"/>
-            <a:endParaRPr lang="en-US" dirty="0"/>
+            <a:pPr marL="0" marR="0" lvl="0" indent="0" algn="ctr" defTabSz="914400" rtl="0" eaLnBrk="1" fontAlgn="auto" latinLnBrk="0" hangingPunct="1">
+              <a:lnSpc>
+                <a:spcPct val="100000"/>
+              </a:lnSpc>
+              <a:spcBef>
+                <a:spcPts val="0"/>
+              </a:spcBef>
+              <a:spcAft>
+                <a:spcPts val="0"/>
+              </a:spcAft>
+              <a:buClrTx/>
+              <a:buSzTx/>
+              <a:buFontTx/>
+              <a:buNone/>
+              <a:tabLst/>
+              <a:defRPr/>
+            </a:pPr>
+            <a:endParaRPr kumimoji="0" lang="en-US" sz="1800" b="0" i="0" u="none" strike="noStrike" kern="1200" cap="none" spc="0" normalizeH="0" baseline="0" noProof="0">
+              <a:ln>
+                <a:noFill/>
+              </a:ln>
+              <a:solidFill>
+                <a:prstClr val="white"/>
+              </a:solidFill>
+              <a:effectLst/>
+              <a:uLnTx/>
+              <a:uFillTx/>
+              <a:latin typeface="Calibri" panose="020F0502020204030204"/>
+              <a:ea typeface="+mn-ea"/>
+              <a:cs typeface="+mn-cs"/>
+            </a:endParaRPr>
           </a:p>
         </p:txBody>
       </p:sp>
@@ -11414,7 +12177,7 @@
           <p:cNvPr id="2" name="Title 1">
             <a:extLst>
               <a:ext uri="{FF2B5EF4-FFF2-40B4-BE49-F238E27FC236}">
-                <a16:creationId xmlns:a16="http://schemas.microsoft.com/office/drawing/2014/main" id="{A71213F5-E546-429E-80D0-6B8C0F94B8EF}"/>
+                <a16:creationId xmlns:a16="http://schemas.microsoft.com/office/drawing/2014/main" id="{9C84BC21-A227-431C-8494-06C44345EE47}"/>
               </a:ext>
             </a:extLst>
           </p:cNvPr>
@@ -11427,191 +12190,172 @@
         </p:nvSpPr>
         <p:spPr>
           <a:xfrm>
-            <a:off x="643468" y="623392"/>
-            <a:ext cx="3363974" cy="1607060"/>
+            <a:off x="694509" y="1487272"/>
+            <a:ext cx="2777561" cy="2743200"/>
           </a:xfrm>
-          <a:noFill/>
-          <a:ln w="19050">
+          <a:prstGeom prst="ellipse">
+            <a:avLst/>
+          </a:prstGeom>
+          <a:solidFill>
+            <a:srgbClr val="262626"/>
+          </a:solidFill>
+          <a:ln w="174625" cmpd="thinThick">
             <a:solidFill>
-              <a:schemeClr val="tx1"/>
+              <a:srgbClr val="262626"/>
             </a:solidFill>
           </a:ln>
         </p:spPr>
         <p:txBody>
-          <a:bodyPr vert="horz" wrap="square" lIns="91440" tIns="45720" rIns="91440" bIns="45720" rtlCol="0" anchor="ctr">
+          <a:bodyPr vert="horz" lIns="91440" tIns="45720" rIns="91440" bIns="45720" rtlCol="0">
             <a:normAutofit/>
           </a:bodyPr>
           <a:lstStyle/>
           <a:p>
             <a:pPr algn="ctr"/>
             <a:r>
-              <a:rPr lang="en-US" sz="2800" kern="1200" dirty="0">
+              <a:rPr lang="en-US" sz="2800" dirty="0">
                 <a:solidFill>
-                  <a:schemeClr val="tx1"/>
+                  <a:schemeClr val="bg1"/>
                 </a:solidFill>
-                <a:latin typeface="+mj-lt"/>
-                <a:ea typeface="+mj-ea"/>
-                <a:cs typeface="+mj-cs"/>
               </a:rPr>
-              <a:t>Solr: Documents &amp; Fields</a:t>
-            </a:r>
-          </a:p>
-        </p:txBody>
-      </p:sp>
-      <p:sp>
-        <p:nvSpPr>
-          <p:cNvPr id="4" name="TextBox 3">
-            <a:extLst>
-              <a:ext uri="{FF2B5EF4-FFF2-40B4-BE49-F238E27FC236}">
-                <a16:creationId xmlns:a16="http://schemas.microsoft.com/office/drawing/2014/main" id="{44D75C0F-7B37-4300-A921-B1738CB5C936}"/>
-              </a:ext>
-            </a:extLst>
-          </p:cNvPr>
-          <p:cNvSpPr txBox="1"/>
+              <a:t>Solr: Core</a:t>
+            </a:r>
+            <a:endParaRPr lang="en-US" sz="2600" kern="1200" dirty="0">
+              <a:solidFill>
+                <a:schemeClr val="bg1"/>
+              </a:solidFill>
+            </a:endParaRPr>
+          </a:p>
+        </p:txBody>
+      </p:sp>
+      <p:sp>
+        <p:nvSpPr>
+          <p:cNvPr id="6" name="Rectangle 5">
+            <a:extLst>
+              <a:ext uri="{FF2B5EF4-FFF2-40B4-BE49-F238E27FC236}">
+                <a16:creationId xmlns:a16="http://schemas.microsoft.com/office/drawing/2014/main" id="{3630D1C5-C52D-415D-B4C5-6045CD30563B}"/>
+              </a:ext>
+            </a:extLst>
+          </p:cNvPr>
+          <p:cNvSpPr/>
           <p:nvPr/>
         </p:nvSpPr>
         <p:spPr>
           <a:xfrm>
-            <a:off x="643468" y="2638043"/>
-            <a:ext cx="3363974" cy="3415623"/>
+            <a:off x="3875030" y="858945"/>
+            <a:ext cx="7892899" cy="5575052"/>
           </a:xfrm>
           <a:prstGeom prst="rect">
             <a:avLst/>
           </a:prstGeom>
         </p:spPr>
         <p:txBody>
-          <a:bodyPr vert="horz" lIns="91440" tIns="45720" rIns="91440" bIns="45720" rtlCol="0">
-            <a:normAutofit/>
+          <a:bodyPr wrap="square">
+            <a:spAutoFit/>
           </a:bodyPr>
           <a:lstStyle/>
           <a:p>
-            <a:pPr marL="285750" indent="-228600">
+            <a:pPr marL="342900" indent="-342900">
               <a:lnSpc>
-                <a:spcPct val="90000"/>
+                <a:spcPct val="150000"/>
               </a:lnSpc>
-              <a:spcAft>
-                <a:spcPts val="600"/>
-              </a:spcAft>
-              <a:buFont typeface="Arial" panose="020B0604020202020204" pitchFamily="34" charset="0"/>
-              <a:buChar char="•"/>
+              <a:buFont typeface="Wingdings" panose="05000000000000000000" pitchFamily="2" charset="2"/>
+              <a:buChar char="§"/>
             </a:pPr>
             <a:r>
-              <a:rPr lang="en-US" sz="1700" dirty="0" err="1"/>
-              <a:t>Solr’s</a:t>
-            </a:r>
-            <a:r>
-              <a:rPr lang="en-US" sz="1700" dirty="0"/>
-              <a:t> basic unit of </a:t>
-            </a:r>
-            <a:r>
-              <a:rPr lang="en-US" sz="1700" dirty="0" err="1"/>
-              <a:t>informantion</a:t>
-            </a:r>
-            <a:r>
-              <a:rPr lang="en-US" sz="1700" dirty="0"/>
-              <a:t> is Document, which is the </a:t>
-            </a:r>
-            <a:r>
-              <a:rPr lang="en-US" sz="1700" dirty="0" err="1"/>
-              <a:t>seet</a:t>
-            </a:r>
-            <a:r>
-              <a:rPr lang="en-US" sz="1700" dirty="0"/>
-              <a:t> of data that describes something</a:t>
-            </a:r>
-          </a:p>
-          <a:p>
-            <a:pPr marL="285750" indent="-228600">
+              <a:rPr lang="en-US" sz="2400" dirty="0"/>
+              <a:t>Solr Core: Also referred to as just a “Core”</a:t>
+            </a:r>
+          </a:p>
+          <a:p>
+            <a:pPr marL="342900" indent="-342900">
               <a:lnSpc>
-                <a:spcPct val="90000"/>
+                <a:spcPct val="150000"/>
               </a:lnSpc>
-              <a:spcAft>
-                <a:spcPts val="600"/>
-              </a:spcAft>
-              <a:buFont typeface="Arial" panose="020B0604020202020204" pitchFamily="34" charset="0"/>
-              <a:buChar char="•"/>
+              <a:buFont typeface="Wingdings" panose="05000000000000000000" pitchFamily="2" charset="2"/>
+              <a:buChar char="§"/>
             </a:pPr>
             <a:r>
-              <a:rPr lang="en-US" sz="1700" dirty="0"/>
-              <a:t>Documents are composed of fields, which are most specific  pieces of information</a:t>
-            </a:r>
-          </a:p>
-          <a:p>
-            <a:pPr marL="285750" indent="-228600">
+              <a:rPr lang="en-US" sz="2400" dirty="0"/>
+              <a:t>This is a running instance of a Lucene index along with all the Solr configuration (</a:t>
+            </a:r>
+            <a:r>
+              <a:rPr lang="en-US" sz="2400" dirty="0" err="1"/>
+              <a:t>SolrConfigXml</a:t>
+            </a:r>
+            <a:r>
+              <a:rPr lang="en-US" sz="2400" dirty="0"/>
+              <a:t>, </a:t>
+            </a:r>
+            <a:r>
+              <a:rPr lang="en-US" sz="2400" dirty="0" err="1"/>
+              <a:t>SchemaXml</a:t>
+            </a:r>
+            <a:r>
+              <a:rPr lang="en-US" sz="2400" dirty="0"/>
+              <a:t>, etc..) required to use it</a:t>
+            </a:r>
+          </a:p>
+          <a:p>
+            <a:pPr marL="342900" indent="-342900">
               <a:lnSpc>
-                <a:spcPct val="90000"/>
+                <a:spcPct val="150000"/>
               </a:lnSpc>
-              <a:spcAft>
-                <a:spcPts val="600"/>
-              </a:spcAft>
-              <a:buFont typeface="Arial" panose="020B0604020202020204" pitchFamily="34" charset="0"/>
-              <a:buChar char="•"/>
+              <a:buFont typeface="Wingdings" panose="05000000000000000000" pitchFamily="2" charset="2"/>
+              <a:buChar char="§"/>
             </a:pPr>
             <a:r>
-              <a:rPr lang="en-US" sz="1700" dirty="0"/>
-              <a:t>Fields can contain different kinds of data. A name field, for example, is text (character data)</a:t>
-            </a:r>
-          </a:p>
-          <a:p>
-            <a:pPr marL="285750" indent="-228600">
+              <a:rPr lang="en-US" sz="2400" dirty="0"/>
+              <a:t>A single Solr application can contain 0 or more cores</a:t>
+            </a:r>
+          </a:p>
+          <a:p>
+            <a:pPr marL="342900" indent="-342900">
               <a:lnSpc>
-                <a:spcPct val="90000"/>
+                <a:spcPct val="150000"/>
               </a:lnSpc>
-              <a:spcAft>
-                <a:spcPts val="600"/>
-              </a:spcAft>
-              <a:buFont typeface="Arial" panose="020B0604020202020204" pitchFamily="34" charset="0"/>
-              <a:buChar char="•"/>
+              <a:buFont typeface="Wingdings" panose="05000000000000000000" pitchFamily="2" charset="2"/>
+              <a:buChar char="§"/>
             </a:pPr>
             <a:r>
-              <a:rPr lang="en-US" sz="1700" dirty="0"/>
-              <a:t>The field  type sells Solr how to interpret the field and how it can be queried</a:t>
-            </a:r>
-          </a:p>
-        </p:txBody>
-      </p:sp>
-      <p:pic>
-        <p:nvPicPr>
-          <p:cNvPr id="8" name="Picture 7">
-            <a:extLst>
-              <a:ext uri="{FF2B5EF4-FFF2-40B4-BE49-F238E27FC236}">
-                <a16:creationId xmlns:a16="http://schemas.microsoft.com/office/drawing/2014/main" id="{02A05FCD-9265-4E5B-BF75-3091C5A04880}"/>
-              </a:ext>
-            </a:extLst>
-          </p:cNvPr>
-          <p:cNvPicPr>
-            <a:picLocks noChangeAspect="1"/>
-          </p:cNvPicPr>
-          <p:nvPr/>
-        </p:nvPicPr>
-        <p:blipFill>
-          <a:blip r:embed="rId2">
-            <a:extLst>
-              <a:ext uri="{28A0092B-C50C-407E-A947-70E740481C1C}">
-                <a14:useLocalDpi xmlns:a14="http://schemas.microsoft.com/office/drawing/2010/main" val="0"/>
-              </a:ext>
-            </a:extLst>
-          </a:blip>
-          <a:stretch>
-            <a:fillRect/>
-          </a:stretch>
-        </p:blipFill>
-        <p:spPr>
-          <a:xfrm>
-            <a:off x="5297763" y="2442205"/>
-            <a:ext cx="6250769" cy="1812722"/>
-          </a:xfrm>
-          <a:prstGeom prst="rect">
-            <a:avLst/>
-          </a:prstGeom>
-        </p:spPr>
-      </p:pic>
+              <a:rPr lang="en-US" sz="2400" dirty="0"/>
+              <a:t>Cores are run largely in isolation but can communicate with each other if necessary via the </a:t>
+            </a:r>
+            <a:r>
+              <a:rPr lang="en-US" sz="2400" dirty="0" err="1"/>
+              <a:t>CoreContainer</a:t>
+            </a:r>
+            <a:endParaRPr lang="en-US" sz="2400" dirty="0"/>
+          </a:p>
+          <a:p>
+            <a:pPr marL="342900" indent="-342900">
+              <a:lnSpc>
+                <a:spcPct val="150000"/>
+              </a:lnSpc>
+              <a:buFont typeface="Wingdings" panose="05000000000000000000" pitchFamily="2" charset="2"/>
+              <a:buChar char="§"/>
+            </a:pPr>
+            <a:r>
+              <a:rPr lang="en-US" sz="2400" dirty="0"/>
+              <a:t>Solr initially only supported one index, and the </a:t>
+            </a:r>
+            <a:r>
+              <a:rPr lang="en-US" sz="2400" dirty="0" err="1"/>
+              <a:t>SolrCore</a:t>
+            </a:r>
+            <a:r>
+              <a:rPr lang="en-US" sz="2400" dirty="0"/>
+              <a:t> class was a singleton for coordinating the low-level functionality at the “core” of Solr</a:t>
+            </a:r>
+          </a:p>
+        </p:txBody>
+      </p:sp>
       <p:sp>
         <p:nvSpPr>
           <p:cNvPr id="7" name="Footer Placeholder 5">
             <a:extLst>
               <a:ext uri="{FF2B5EF4-FFF2-40B4-BE49-F238E27FC236}">
-                <a16:creationId xmlns:a16="http://schemas.microsoft.com/office/drawing/2014/main" id="{575EE31A-28E0-4B3F-9879-623021621CFA}"/>
+                <a16:creationId xmlns:a16="http://schemas.microsoft.com/office/drawing/2014/main" id="{E7F02D85-3E68-422B-94A6-8AD3A0EDAC1A}"/>
               </a:ext>
             </a:extLst>
           </p:cNvPr>
@@ -11633,14 +12377,16 @@
           <a:lstStyle/>
           <a:p>
             <a:r>
-              <a:rPr lang="en-US" sz="1400" dirty="0">
-                <a:solidFill>
-                  <a:schemeClr val="tx1">
-                    <a:lumMod val="50000"/>
-                  </a:schemeClr>
-                </a:solidFill>
-              </a:rPr>
-              <a:t>Akshara Gurram</a:t>
+              <a:rPr lang="en-US" sz="1400" dirty="0"/>
+              <a:t>Hari Priya </a:t>
+            </a:r>
+            <a:r>
+              <a:rPr lang="en-US" sz="1400" dirty="0" err="1"/>
+              <a:t>Jupally</a:t>
+            </a:r>
+            <a:r>
+              <a:rPr lang="en-US" sz="1400" dirty="0"/>
+              <a:t> </a:t>
             </a:r>
           </a:p>
         </p:txBody>
@@ -11648,12 +12394,12 @@
     </p:spTree>
     <p:extLst>
       <p:ext uri="{BB962C8B-B14F-4D97-AF65-F5344CB8AC3E}">
-        <p14:creationId xmlns:p14="http://schemas.microsoft.com/office/powerpoint/2010/main" val="1768098901"/>
+        <p14:creationId xmlns:p14="http://schemas.microsoft.com/office/powerpoint/2010/main" val="74956179"/>
       </p:ext>
     </p:extLst>
   </p:cSld>
   <p:clrMapOvr>
-    <a:overrideClrMapping bg1="dk1" tx1="lt1" bg2="dk2" tx2="lt2" accent1="accent1" accent2="accent2" accent3="accent3" accent4="accent4" accent5="accent5" accent6="accent6" hlink="hlink" folHlink="folHlink"/>
+    <a:masterClrMapping/>
   </p:clrMapOvr>
   <mc:AlternateContent xmlns:mc="http://schemas.openxmlformats.org/markup-compatibility/2006" xmlns:p15="http://schemas.microsoft.com/office/powerpoint/2012/main">
     <mc:Choice Requires="p15">

--- a/APACHE SOLR.pptx
+++ b/APACHE SOLR.pptx
@@ -8156,9 +8156,10 @@
           <a:lstStyle/>
           <a:p>
             <a:r>
-              <a:rPr lang="en-US" dirty="0"/>
-              <a:t>Team Members</a:t>
-            </a:r>
+              <a:rPr lang="en-US"/>
+              <a:t>Team Members:</a:t>
+            </a:r>
+            <a:endParaRPr lang="en-US" dirty="0"/>
           </a:p>
         </p:txBody>
       </p:sp>
